--- a/Documentation/coursation.pptx
+++ b/Documentation/coursation.pptx
@@ -325,7 +325,7 @@
           <a:p>
             <a:fld id="{3E90B7E1-6EE8-4E7F-AB25-47B34B1E57AE}" type="datetimeFigureOut">
               <a:rPr lang="ru-RU" smtClean="0"/>
-              <a:t>2013.02.26</a:t>
+              <a:t>2013.03.14</a:t>
             </a:fld>
             <a:endParaRPr lang="ru-RU"/>
           </a:p>
@@ -495,7 +495,7 @@
           <a:p>
             <a:fld id="{3E90B7E1-6EE8-4E7F-AB25-47B34B1E57AE}" type="datetimeFigureOut">
               <a:rPr lang="ru-RU" smtClean="0"/>
-              <a:t>2013.02.26</a:t>
+              <a:t>2013.03.14</a:t>
             </a:fld>
             <a:endParaRPr lang="ru-RU"/>
           </a:p>
@@ -675,7 +675,7 @@
           <a:p>
             <a:fld id="{3E90B7E1-6EE8-4E7F-AB25-47B34B1E57AE}" type="datetimeFigureOut">
               <a:rPr lang="ru-RU" smtClean="0"/>
-              <a:t>2013.02.26</a:t>
+              <a:t>2013.03.14</a:t>
             </a:fld>
             <a:endParaRPr lang="ru-RU"/>
           </a:p>
@@ -845,7 +845,7 @@
           <a:p>
             <a:fld id="{3E90B7E1-6EE8-4E7F-AB25-47B34B1E57AE}" type="datetimeFigureOut">
               <a:rPr lang="ru-RU" smtClean="0"/>
-              <a:t>2013.02.26</a:t>
+              <a:t>2013.03.14</a:t>
             </a:fld>
             <a:endParaRPr lang="ru-RU"/>
           </a:p>
@@ -1091,7 +1091,7 @@
           <a:p>
             <a:fld id="{3E90B7E1-6EE8-4E7F-AB25-47B34B1E57AE}" type="datetimeFigureOut">
               <a:rPr lang="ru-RU" smtClean="0"/>
-              <a:t>2013.02.26</a:t>
+              <a:t>2013.03.14</a:t>
             </a:fld>
             <a:endParaRPr lang="ru-RU"/>
           </a:p>
@@ -1379,7 +1379,7 @@
           <a:p>
             <a:fld id="{3E90B7E1-6EE8-4E7F-AB25-47B34B1E57AE}" type="datetimeFigureOut">
               <a:rPr lang="ru-RU" smtClean="0"/>
-              <a:t>2013.02.26</a:t>
+              <a:t>2013.03.14</a:t>
             </a:fld>
             <a:endParaRPr lang="ru-RU"/>
           </a:p>
@@ -1801,7 +1801,7 @@
           <a:p>
             <a:fld id="{3E90B7E1-6EE8-4E7F-AB25-47B34B1E57AE}" type="datetimeFigureOut">
               <a:rPr lang="ru-RU" smtClean="0"/>
-              <a:t>2013.02.26</a:t>
+              <a:t>2013.03.14</a:t>
             </a:fld>
             <a:endParaRPr lang="ru-RU"/>
           </a:p>
@@ -1919,7 +1919,7 @@
           <a:p>
             <a:fld id="{3E90B7E1-6EE8-4E7F-AB25-47B34B1E57AE}" type="datetimeFigureOut">
               <a:rPr lang="ru-RU" smtClean="0"/>
-              <a:t>2013.02.26</a:t>
+              <a:t>2013.03.14</a:t>
             </a:fld>
             <a:endParaRPr lang="ru-RU"/>
           </a:p>
@@ -2014,7 +2014,7 @@
           <a:p>
             <a:fld id="{3E90B7E1-6EE8-4E7F-AB25-47B34B1E57AE}" type="datetimeFigureOut">
               <a:rPr lang="ru-RU" smtClean="0"/>
-              <a:t>2013.02.26</a:t>
+              <a:t>2013.03.14</a:t>
             </a:fld>
             <a:endParaRPr lang="ru-RU"/>
           </a:p>
@@ -2291,7 +2291,7 @@
           <a:p>
             <a:fld id="{3E90B7E1-6EE8-4E7F-AB25-47B34B1E57AE}" type="datetimeFigureOut">
               <a:rPr lang="ru-RU" smtClean="0"/>
-              <a:t>2013.02.26</a:t>
+              <a:t>2013.03.14</a:t>
             </a:fld>
             <a:endParaRPr lang="ru-RU"/>
           </a:p>
@@ -2544,7 +2544,7 @@
           <a:p>
             <a:fld id="{3E90B7E1-6EE8-4E7F-AB25-47B34B1E57AE}" type="datetimeFigureOut">
               <a:rPr lang="ru-RU" smtClean="0"/>
-              <a:t>2013.02.26</a:t>
+              <a:t>2013.03.14</a:t>
             </a:fld>
             <a:endParaRPr lang="ru-RU"/>
           </a:p>
@@ -2757,7 +2757,7 @@
           <a:p>
             <a:fld id="{3E90B7E1-6EE8-4E7F-AB25-47B34B1E57AE}" type="datetimeFigureOut">
               <a:rPr lang="ru-RU" smtClean="0"/>
-              <a:t>2013.02.26</a:t>
+              <a:t>2013.03.14</a:t>
             </a:fld>
             <a:endParaRPr lang="ru-RU"/>
           </a:p>
@@ -6196,7 +6196,7 @@
         </p:blipFill>
         <p:spPr bwMode="auto">
           <a:xfrm>
-            <a:off x="899592" y="2276872"/>
+            <a:off x="923975" y="2276872"/>
             <a:ext cx="457200" cy="457200"/>
           </a:xfrm>
           <a:prstGeom prst="rect">
@@ -7830,6 +7830,15 @@
         <p:blipFill>
           <a:blip r:embed="rId2">
             <a:extLst>
+              <a:ext uri="{BEBA8EAE-BF5A-486C-A8C5-ECC9F3942E4B}">
+                <a14:imgProps xmlns:a14="http://schemas.microsoft.com/office/drawing/2010/main">
+                  <a14:imgLayer r:embed="rId3">
+                    <a14:imgEffect>
+                      <a14:saturation sat="33000"/>
+                    </a14:imgEffect>
+                  </a14:imgLayer>
+                </a14:imgProps>
+              </a:ext>
               <a:ext uri="{28A0092B-C50C-407E-A947-70E740481C1C}">
                 <a14:useLocalDpi xmlns:a14="http://schemas.microsoft.com/office/drawing/2010/main" val="0"/>
               </a:ext>
@@ -7871,11 +7880,11 @@
           </p:nvPr>
         </p:nvPicPr>
         <p:blipFill>
-          <a:blip r:embed="rId3">
+          <a:blip r:embed="rId4">
             <a:extLst>
               <a:ext uri="{BEBA8EAE-BF5A-486C-A8C5-ECC9F3942E4B}">
                 <a14:imgProps xmlns:a14="http://schemas.microsoft.com/office/drawing/2010/main">
-                  <a14:imgLayer r:embed="rId4">
+                  <a14:imgLayer r:embed="rId5">
                     <a14:imgEffect>
                       <a14:saturation sat="33000"/>
                     </a14:imgEffect>
@@ -7894,7 +7903,7 @@
         </p:blipFill>
         <p:spPr bwMode="auto">
           <a:xfrm>
-            <a:off x="2843808" y="188640"/>
+            <a:off x="2699792" y="728700"/>
             <a:ext cx="6142225" cy="4968552"/>
           </a:xfrm>
           <a:prstGeom prst="rect">
@@ -7921,11 +7930,11 @@
           <p:nvPr/>
         </p:nvPicPr>
         <p:blipFill>
-          <a:blip r:embed="rId5">
+          <a:blip r:embed="rId6">
             <a:extLst>
               <a:ext uri="{BEBA8EAE-BF5A-486C-A8C5-ECC9F3942E4B}">
                 <a14:imgProps xmlns:a14="http://schemas.microsoft.com/office/drawing/2010/main">
-                  <a14:imgLayer r:embed="rId6">
+                  <a14:imgLayer r:embed="rId7">
                     <a14:imgEffect>
                       <a14:saturation sat="33000"/>
                     </a14:imgEffect>

--- a/Documentation/coursation.pptx
+++ b/Documentation/coursation.pptx
@@ -6,19 +6,20 @@
   </p:sldMasterIdLst>
   <p:sldIdLst>
     <p:sldId id="256" r:id="rId2"/>
-    <p:sldId id="257" r:id="rId3"/>
-    <p:sldId id="258" r:id="rId4"/>
-    <p:sldId id="259" r:id="rId5"/>
-    <p:sldId id="260" r:id="rId6"/>
-    <p:sldId id="269" r:id="rId7"/>
-    <p:sldId id="261" r:id="rId8"/>
-    <p:sldId id="262" r:id="rId9"/>
-    <p:sldId id="268" r:id="rId10"/>
-    <p:sldId id="264" r:id="rId11"/>
-    <p:sldId id="263" r:id="rId12"/>
-    <p:sldId id="265" r:id="rId13"/>
-    <p:sldId id="267" r:id="rId14"/>
-    <p:sldId id="266" r:id="rId15"/>
+    <p:sldId id="272" r:id="rId3"/>
+    <p:sldId id="257" r:id="rId4"/>
+    <p:sldId id="258" r:id="rId5"/>
+    <p:sldId id="259" r:id="rId6"/>
+    <p:sldId id="270" r:id="rId7"/>
+    <p:sldId id="271" r:id="rId8"/>
+    <p:sldId id="260" r:id="rId9"/>
+    <p:sldId id="269" r:id="rId10"/>
+    <p:sldId id="261" r:id="rId11"/>
+    <p:sldId id="262" r:id="rId12"/>
+    <p:sldId id="268" r:id="rId13"/>
+    <p:sldId id="264" r:id="rId14"/>
+    <p:sldId id="263" r:id="rId15"/>
+    <p:sldId id="266" r:id="rId16"/>
   </p:sldIdLst>
   <p:sldSz cx="9144000" cy="6858000" type="screen4x3"/>
   <p:notesSz cx="6858000" cy="9144000"/>
@@ -123,9 +124,12 @@
         <p14:section name="Раздел по умолчанию" id="{2BB11DE6-5638-44A4-8C26-5D67D3A07284}">
           <p14:sldIdLst>
             <p14:sldId id="256"/>
+            <p14:sldId id="272"/>
             <p14:sldId id="257"/>
             <p14:sldId id="258"/>
             <p14:sldId id="259"/>
+            <p14:sldId id="270"/>
+            <p14:sldId id="271"/>
             <p14:sldId id="260"/>
             <p14:sldId id="269"/>
             <p14:sldId id="261"/>
@@ -133,8 +137,6 @@
             <p14:sldId id="268"/>
             <p14:sldId id="264"/>
             <p14:sldId id="263"/>
-            <p14:sldId id="265"/>
-            <p14:sldId id="267"/>
             <p14:sldId id="266"/>
           </p14:sldIdLst>
         </p14:section>
@@ -325,7 +327,7 @@
           <a:p>
             <a:fld id="{3E90B7E1-6EE8-4E7F-AB25-47B34B1E57AE}" type="datetimeFigureOut">
               <a:rPr lang="ru-RU" smtClean="0"/>
-              <a:t>2013.03.14</a:t>
+              <a:t>2013.03.26</a:t>
             </a:fld>
             <a:endParaRPr lang="ru-RU"/>
           </a:p>
@@ -495,7 +497,7 @@
           <a:p>
             <a:fld id="{3E90B7E1-6EE8-4E7F-AB25-47B34B1E57AE}" type="datetimeFigureOut">
               <a:rPr lang="ru-RU" smtClean="0"/>
-              <a:t>2013.03.14</a:t>
+              <a:t>2013.03.26</a:t>
             </a:fld>
             <a:endParaRPr lang="ru-RU"/>
           </a:p>
@@ -675,7 +677,7 @@
           <a:p>
             <a:fld id="{3E90B7E1-6EE8-4E7F-AB25-47B34B1E57AE}" type="datetimeFigureOut">
               <a:rPr lang="ru-RU" smtClean="0"/>
-              <a:t>2013.03.14</a:t>
+              <a:t>2013.03.26</a:t>
             </a:fld>
             <a:endParaRPr lang="ru-RU"/>
           </a:p>
@@ -845,7 +847,7 @@
           <a:p>
             <a:fld id="{3E90B7E1-6EE8-4E7F-AB25-47B34B1E57AE}" type="datetimeFigureOut">
               <a:rPr lang="ru-RU" smtClean="0"/>
-              <a:t>2013.03.14</a:t>
+              <a:t>2013.03.26</a:t>
             </a:fld>
             <a:endParaRPr lang="ru-RU"/>
           </a:p>
@@ -1091,7 +1093,7 @@
           <a:p>
             <a:fld id="{3E90B7E1-6EE8-4E7F-AB25-47B34B1E57AE}" type="datetimeFigureOut">
               <a:rPr lang="ru-RU" smtClean="0"/>
-              <a:t>2013.03.14</a:t>
+              <a:t>2013.03.26</a:t>
             </a:fld>
             <a:endParaRPr lang="ru-RU"/>
           </a:p>
@@ -1379,7 +1381,7 @@
           <a:p>
             <a:fld id="{3E90B7E1-6EE8-4E7F-AB25-47B34B1E57AE}" type="datetimeFigureOut">
               <a:rPr lang="ru-RU" smtClean="0"/>
-              <a:t>2013.03.14</a:t>
+              <a:t>2013.03.26</a:t>
             </a:fld>
             <a:endParaRPr lang="ru-RU"/>
           </a:p>
@@ -1801,7 +1803,7 @@
           <a:p>
             <a:fld id="{3E90B7E1-6EE8-4E7F-AB25-47B34B1E57AE}" type="datetimeFigureOut">
               <a:rPr lang="ru-RU" smtClean="0"/>
-              <a:t>2013.03.14</a:t>
+              <a:t>2013.03.26</a:t>
             </a:fld>
             <a:endParaRPr lang="ru-RU"/>
           </a:p>
@@ -1919,7 +1921,7 @@
           <a:p>
             <a:fld id="{3E90B7E1-6EE8-4E7F-AB25-47B34B1E57AE}" type="datetimeFigureOut">
               <a:rPr lang="ru-RU" smtClean="0"/>
-              <a:t>2013.03.14</a:t>
+              <a:t>2013.03.26</a:t>
             </a:fld>
             <a:endParaRPr lang="ru-RU"/>
           </a:p>
@@ -2014,7 +2016,7 @@
           <a:p>
             <a:fld id="{3E90B7E1-6EE8-4E7F-AB25-47B34B1E57AE}" type="datetimeFigureOut">
               <a:rPr lang="ru-RU" smtClean="0"/>
-              <a:t>2013.03.14</a:t>
+              <a:t>2013.03.26</a:t>
             </a:fld>
             <a:endParaRPr lang="ru-RU"/>
           </a:p>
@@ -2291,7 +2293,7 @@
           <a:p>
             <a:fld id="{3E90B7E1-6EE8-4E7F-AB25-47B34B1E57AE}" type="datetimeFigureOut">
               <a:rPr lang="ru-RU" smtClean="0"/>
-              <a:t>2013.03.14</a:t>
+              <a:t>2013.03.26</a:t>
             </a:fld>
             <a:endParaRPr lang="ru-RU"/>
           </a:p>
@@ -2544,7 +2546,7 @@
           <a:p>
             <a:fld id="{3E90B7E1-6EE8-4E7F-AB25-47B34B1E57AE}" type="datetimeFigureOut">
               <a:rPr lang="ru-RU" smtClean="0"/>
-              <a:t>2013.03.14</a:t>
+              <a:t>2013.03.26</a:t>
             </a:fld>
             <a:endParaRPr lang="ru-RU"/>
           </a:p>
@@ -2757,7 +2759,7 @@
           <a:p>
             <a:fld id="{3E90B7E1-6EE8-4E7F-AB25-47B34B1E57AE}" type="datetimeFigureOut">
               <a:rPr lang="ru-RU" smtClean="0"/>
-              <a:t>2013.03.14</a:t>
+              <a:t>2013.03.26</a:t>
             </a:fld>
             <a:endParaRPr lang="ru-RU"/>
           </a:p>
@@ -3132,110 +3134,619 @@
           <a:chExt cx="0" cy="0"/>
         </a:xfrm>
       </p:grpSpPr>
+      <p:graphicFrame>
+        <p:nvGraphicFramePr>
+          <p:cNvPr id="8" name="Таблица 7"/>
+          <p:cNvGraphicFramePr>
+            <a:graphicFrameLocks noGrp="1"/>
+          </p:cNvGraphicFramePr>
+          <p:nvPr>
+            <p:extLst>
+              <p:ext uri="{D42A27DB-BD31-4B8C-83A1-F6EECF244321}">
+                <p14:modId xmlns:p14="http://schemas.microsoft.com/office/powerpoint/2010/main" val="1072178202"/>
+              </p:ext>
+            </p:extLst>
+          </p:nvPr>
+        </p:nvGraphicFramePr>
+        <p:xfrm>
+          <a:off x="107504" y="2204864"/>
+          <a:ext cx="8928992" cy="2304139"/>
+        </p:xfrm>
+        <a:graphic>
+          <a:graphicData uri="http://schemas.openxmlformats.org/drawingml/2006/table">
+            <a:tbl>
+              <a:tblPr firstRow="1" bandRow="1">
+                <a:tableStyleId>{2D5ABB26-0587-4C30-8999-92F81FD0307C}</a:tableStyleId>
+              </a:tblPr>
+              <a:tblGrid>
+                <a:gridCol w="4464496"/>
+                <a:gridCol w="4464496"/>
+              </a:tblGrid>
+              <a:tr h="543463">
+                <a:tc>
+                  <a:txBody>
+                    <a:bodyPr/>
+                    <a:lstStyle/>
+                    <a:p>
+                      <a:pPr algn="r"/>
+                      <a:r>
+                        <a:rPr lang="en-GB" sz="3200" dirty="0" smtClean="0"/>
+                        <a:t>Coursework project by </a:t>
+                      </a:r>
+                      <a:endParaRPr lang="ru-RU" sz="3200" dirty="0"/>
+                    </a:p>
+                  </a:txBody>
+                  <a:tcPr>
+                    <a:lnL w="12700" cap="flat" cmpd="sng" algn="ctr">
+                      <a:noFill/>
+                      <a:prstDash val="solid"/>
+                      <a:round/>
+                      <a:headEnd type="none" w="med" len="med"/>
+                      <a:tailEnd type="none" w="med" len="med"/>
+                    </a:lnL>
+                    <a:lnR w="19050" cap="flat" cmpd="sng" algn="ctr">
+                      <a:noFill/>
+                      <a:prstDash val="lgDash"/>
+                      <a:round/>
+                      <a:headEnd type="none" w="med" len="med"/>
+                      <a:tailEnd type="none" w="med" len="med"/>
+                    </a:lnR>
+                    <a:lnT w="12700" cap="flat" cmpd="sng" algn="ctr">
+                      <a:noFill/>
+                      <a:prstDash val="solid"/>
+                      <a:round/>
+                      <a:headEnd type="none" w="med" len="med"/>
+                      <a:tailEnd type="none" w="med" len="med"/>
+                    </a:lnT>
+                    <a:lnB w="19050" cap="flat" cmpd="sng" algn="ctr">
+                      <a:noFill/>
+                      <a:prstDash val="lgDash"/>
+                      <a:round/>
+                      <a:headEnd type="none" w="med" len="med"/>
+                      <a:tailEnd type="none" w="med" len="med"/>
+                    </a:lnB>
+                    <a:lnTlToBr w="12700" cap="flat" cmpd="sng" algn="ctr">
+                      <a:noFill/>
+                      <a:prstDash val="solid"/>
+                      <a:round/>
+                      <a:headEnd type="none" w="med" len="med"/>
+                      <a:tailEnd type="none" w="med" len="med"/>
+                    </a:lnTlToBr>
+                    <a:lnBlToTr w="12700" cmpd="sng">
+                      <a:noFill/>
+                      <a:prstDash val="solid"/>
+                    </a:lnBlToTr>
+                  </a:tcPr>
+                </a:tc>
+                <a:tc rowSpan="2">
+                  <a:txBody>
+                    <a:bodyPr/>
+                    <a:lstStyle/>
+                    <a:p>
+                      <a:pPr marL="0" marR="0" indent="0" algn="l" defTabSz="914400" rtl="0" eaLnBrk="1" fontAlgn="auto" latinLnBrk="0" hangingPunct="1">
+                        <a:lnSpc>
+                          <a:spcPct val="100000"/>
+                        </a:lnSpc>
+                        <a:spcBef>
+                          <a:spcPts val="0"/>
+                        </a:spcBef>
+                        <a:spcAft>
+                          <a:spcPts val="0"/>
+                        </a:spcAft>
+                        <a:buClrTx/>
+                        <a:buSzTx/>
+                        <a:buFontTx/>
+                        <a:buNone/>
+                        <a:tabLst/>
+                        <a:defRPr/>
+                      </a:pPr>
+                      <a:r>
+                        <a:rPr lang="en-US" sz="3200" dirty="0" smtClean="0"/>
+                        <a:t>Alexander </a:t>
+                      </a:r>
+                      <a:r>
+                        <a:rPr lang="en-US" sz="3200" dirty="0" err="1" smtClean="0"/>
+                        <a:t>Savinykh</a:t>
+                      </a:r>
+                      <a:endParaRPr lang="en-US" sz="3200" dirty="0" smtClean="0"/>
+                    </a:p>
+                    <a:p>
+                      <a:pPr marL="0" marR="0" indent="0" algn="l" defTabSz="914400" rtl="0" eaLnBrk="1" fontAlgn="auto" latinLnBrk="0" hangingPunct="1">
+                        <a:lnSpc>
+                          <a:spcPct val="100000"/>
+                        </a:lnSpc>
+                        <a:spcBef>
+                          <a:spcPts val="0"/>
+                        </a:spcBef>
+                        <a:spcAft>
+                          <a:spcPts val="0"/>
+                        </a:spcAft>
+                        <a:buClrTx/>
+                        <a:buSzTx/>
+                        <a:buFontTx/>
+                        <a:buNone/>
+                        <a:tabLst/>
+                        <a:defRPr/>
+                      </a:pPr>
+                      <a:r>
+                        <a:rPr lang="en-US" sz="3200" dirty="0" smtClean="0"/>
+                        <a:t>10PMI2 group</a:t>
+                      </a:r>
+                    </a:p>
+                  </a:txBody>
+                  <a:tcPr>
+                    <a:lnL w="19050" cap="flat" cmpd="sng" algn="ctr">
+                      <a:noFill/>
+                      <a:prstDash val="lgDash"/>
+                      <a:round/>
+                      <a:headEnd type="none" w="med" len="med"/>
+                      <a:tailEnd type="none" w="med" len="med"/>
+                    </a:lnL>
+                    <a:lnR w="12700" cap="flat" cmpd="sng" algn="ctr">
+                      <a:noFill/>
+                      <a:prstDash val="solid"/>
+                      <a:round/>
+                      <a:headEnd type="none" w="med" len="med"/>
+                      <a:tailEnd type="none" w="med" len="med"/>
+                    </a:lnR>
+                    <a:lnT w="12700" cap="flat" cmpd="sng" algn="ctr">
+                      <a:noFill/>
+                      <a:prstDash val="solid"/>
+                      <a:round/>
+                      <a:headEnd type="none" w="med" len="med"/>
+                      <a:tailEnd type="none" w="med" len="med"/>
+                    </a:lnT>
+                    <a:lnB w="19050" cap="flat" cmpd="sng" algn="ctr">
+                      <a:noFill/>
+                      <a:prstDash val="lgDash"/>
+                      <a:round/>
+                      <a:headEnd type="none" w="med" len="med"/>
+                      <a:tailEnd type="none" w="med" len="med"/>
+                    </a:lnB>
+                    <a:lnTlToBr w="12700" cap="flat" cmpd="sng" algn="ctr">
+                      <a:noFill/>
+                      <a:prstDash val="solid"/>
+                      <a:round/>
+                      <a:headEnd type="none" w="med" len="med"/>
+                      <a:tailEnd type="none" w="med" len="med"/>
+                    </a:lnTlToBr>
+                    <a:lnBlToTr w="12700" cmpd="sng">
+                      <a:noFill/>
+                      <a:prstDash val="solid"/>
+                    </a:lnBlToTr>
+                  </a:tcPr>
+                </a:tc>
+              </a:tr>
+              <a:tr h="543463">
+                <a:tc rowSpan="2">
+                  <a:txBody>
+                    <a:bodyPr/>
+                    <a:lstStyle/>
+                    <a:p>
+                      <a:endParaRPr lang="ru-RU" sz="3200" dirty="0"/>
+                    </a:p>
+                  </a:txBody>
+                  <a:tcPr>
+                    <a:lnL w="12700" cap="flat" cmpd="sng" algn="ctr">
+                      <a:noFill/>
+                      <a:prstDash val="solid"/>
+                      <a:round/>
+                      <a:headEnd type="none" w="med" len="med"/>
+                      <a:tailEnd type="none" w="med" len="med"/>
+                    </a:lnL>
+                    <a:lnR w="38100" cap="flat" cmpd="sng" algn="ctr">
+                      <a:solidFill>
+                        <a:schemeClr val="tx1"/>
+                      </a:solidFill>
+                      <a:prstDash val="solid"/>
+                      <a:round/>
+                      <a:headEnd type="none" w="med" len="med"/>
+                      <a:tailEnd type="none" w="med" len="med"/>
+                    </a:lnR>
+                    <a:lnT w="19050" cap="flat" cmpd="sng" algn="ctr">
+                      <a:noFill/>
+                      <a:prstDash val="lgDash"/>
+                      <a:round/>
+                      <a:headEnd type="none" w="med" len="med"/>
+                      <a:tailEnd type="none" w="med" len="med"/>
+                    </a:lnT>
+                    <a:lnB w="19050" cap="flat" cmpd="sng" algn="ctr">
+                      <a:noFill/>
+                      <a:prstDash val="lgDash"/>
+                      <a:round/>
+                      <a:headEnd type="none" w="med" len="med"/>
+                      <a:tailEnd type="none" w="med" len="med"/>
+                    </a:lnB>
+                    <a:lnTlToBr w="12700" cap="flat" cmpd="sng" algn="ctr">
+                      <a:noFill/>
+                      <a:prstDash val="solid"/>
+                      <a:round/>
+                      <a:headEnd type="none" w="med" len="med"/>
+                      <a:tailEnd type="none" w="med" len="med"/>
+                    </a:lnTlToBr>
+                    <a:lnBlToTr w="12700" cmpd="sng">
+                      <a:noFill/>
+                      <a:prstDash val="solid"/>
+                    </a:lnBlToTr>
+                  </a:tcPr>
+                </a:tc>
+                <a:tc vMerge="1">
+                  <a:txBody>
+                    <a:bodyPr/>
+                    <a:lstStyle/>
+                    <a:p>
+                      <a:pPr marL="0" marR="0" indent="0" algn="l" defTabSz="914400" rtl="0" eaLnBrk="1" fontAlgn="auto" latinLnBrk="0" hangingPunct="1">
+                        <a:lnSpc>
+                          <a:spcPct val="100000"/>
+                        </a:lnSpc>
+                        <a:spcBef>
+                          <a:spcPts val="0"/>
+                        </a:spcBef>
+                        <a:spcAft>
+                          <a:spcPts val="0"/>
+                        </a:spcAft>
+                        <a:buClrTx/>
+                        <a:buSzTx/>
+                        <a:buFontTx/>
+                        <a:buNone/>
+                        <a:tabLst/>
+                        <a:defRPr/>
+                      </a:pPr>
+                      <a:endParaRPr lang="en-US" sz="3200" dirty="0" smtClean="0"/>
+                    </a:p>
+                  </a:txBody>
+                  <a:tcPr>
+                    <a:lnL w="19050" cap="flat" cmpd="sng" algn="ctr">
+                      <a:solidFill>
+                        <a:schemeClr val="bg1">
+                          <a:lumMod val="50000"/>
+                        </a:schemeClr>
+                      </a:solidFill>
+                      <a:prstDash val="lgDash"/>
+                      <a:round/>
+                      <a:headEnd type="none" w="med" len="med"/>
+                      <a:tailEnd type="none" w="med" len="med"/>
+                    </a:lnL>
+                    <a:lnR w="12700" cap="flat" cmpd="sng" algn="ctr">
+                      <a:noFill/>
+                      <a:prstDash val="solid"/>
+                      <a:round/>
+                      <a:headEnd type="none" w="med" len="med"/>
+                      <a:tailEnd type="none" w="med" len="med"/>
+                    </a:lnR>
+                    <a:lnT w="19050" cap="flat" cmpd="sng" algn="ctr">
+                      <a:solidFill>
+                        <a:schemeClr val="bg1">
+                          <a:lumMod val="50000"/>
+                        </a:schemeClr>
+                      </a:solidFill>
+                      <a:prstDash val="lgDash"/>
+                      <a:round/>
+                      <a:headEnd type="none" w="med" len="med"/>
+                      <a:tailEnd type="none" w="med" len="med"/>
+                    </a:lnT>
+                    <a:lnB w="19050" cap="flat" cmpd="sng" algn="ctr">
+                      <a:noFill/>
+                      <a:prstDash val="lgDash"/>
+                      <a:round/>
+                      <a:headEnd type="none" w="med" len="med"/>
+                      <a:tailEnd type="none" w="med" len="med"/>
+                    </a:lnB>
+                    <a:lnTlToBr w="12700" cap="flat" cmpd="sng" algn="ctr">
+                      <a:noFill/>
+                      <a:prstDash val="solid"/>
+                      <a:round/>
+                      <a:headEnd type="none" w="med" len="med"/>
+                      <a:tailEnd type="none" w="med" len="med"/>
+                    </a:lnTlToBr>
+                    <a:lnBlToTr w="12700" cmpd="sng">
+                      <a:noFill/>
+                      <a:prstDash val="solid"/>
+                    </a:lnBlToTr>
+                  </a:tcPr>
+                </a:tc>
+              </a:tr>
+              <a:tr h="602436">
+                <a:tc vMerge="1">
+                  <a:txBody>
+                    <a:bodyPr/>
+                    <a:lstStyle/>
+                    <a:p>
+                      <a:endParaRPr lang="ru-RU" sz="3200" dirty="0"/>
+                    </a:p>
+                  </a:txBody>
+                  <a:tcPr>
+                    <a:lnL w="12700" cap="flat" cmpd="sng" algn="ctr">
+                      <a:noFill/>
+                      <a:prstDash val="solid"/>
+                      <a:round/>
+                      <a:headEnd type="none" w="med" len="med"/>
+                      <a:tailEnd type="none" w="med" len="med"/>
+                    </a:lnL>
+                    <a:lnR w="12700" cap="flat" cmpd="sng" algn="ctr">
+                      <a:solidFill>
+                        <a:schemeClr val="tx1"/>
+                      </a:solidFill>
+                      <a:prstDash val="solid"/>
+                      <a:round/>
+                      <a:headEnd type="none" w="med" len="med"/>
+                      <a:tailEnd type="none" w="med" len="med"/>
+                    </a:lnR>
+                    <a:lnT w="12700" cap="flat" cmpd="sng" algn="ctr">
+                      <a:solidFill>
+                        <a:schemeClr val="tx1"/>
+                      </a:solidFill>
+                      <a:prstDash val="solid"/>
+                      <a:round/>
+                      <a:headEnd type="none" w="med" len="med"/>
+                      <a:tailEnd type="none" w="med" len="med"/>
+                    </a:lnT>
+                    <a:lnB w="12700" cap="flat" cmpd="sng" algn="ctr">
+                      <a:solidFill>
+                        <a:schemeClr val="tx1"/>
+                      </a:solidFill>
+                      <a:prstDash val="solid"/>
+                      <a:round/>
+                      <a:headEnd type="none" w="med" len="med"/>
+                      <a:tailEnd type="none" w="med" len="med"/>
+                    </a:lnB>
+                    <a:lnTlToBr w="12700" cap="flat" cmpd="sng" algn="ctr">
+                      <a:noFill/>
+                      <a:prstDash val="solid"/>
+                      <a:round/>
+                      <a:headEnd type="none" w="med" len="med"/>
+                      <a:tailEnd type="none" w="med" len="med"/>
+                    </a:lnTlToBr>
+                    <a:lnBlToTr w="12700" cmpd="sng">
+                      <a:noFill/>
+                      <a:prstDash val="solid"/>
+                    </a:lnBlToTr>
+                  </a:tcPr>
+                </a:tc>
+                <a:tc>
+                  <a:txBody>
+                    <a:bodyPr/>
+                    <a:lstStyle/>
+                    <a:p>
+                      <a:pPr marL="0" marR="0" indent="0" algn="l" defTabSz="914400" rtl="0" eaLnBrk="1" fontAlgn="auto" latinLnBrk="0" hangingPunct="1">
+                        <a:lnSpc>
+                          <a:spcPct val="100000"/>
+                        </a:lnSpc>
+                        <a:spcBef>
+                          <a:spcPts val="0"/>
+                        </a:spcBef>
+                        <a:spcAft>
+                          <a:spcPts val="0"/>
+                        </a:spcAft>
+                        <a:buClrTx/>
+                        <a:buSzTx/>
+                        <a:buFontTx/>
+                        <a:buNone/>
+                        <a:tabLst/>
+                        <a:defRPr/>
+                      </a:pPr>
+                      <a:r>
+                        <a:rPr lang="ru-RU" sz="3200" dirty="0" smtClean="0"/>
+                        <a:t>НИ</a:t>
+                      </a:r>
+                      <a:r>
+                        <a:rPr lang="en-US" sz="3200" dirty="0" smtClean="0"/>
+                        <a:t>IT</a:t>
+                      </a:r>
+                    </a:p>
+                  </a:txBody>
+                  <a:tcPr>
+                    <a:lnL w="38100" cap="flat" cmpd="sng" algn="ctr">
+                      <a:solidFill>
+                        <a:schemeClr val="tx1"/>
+                      </a:solidFill>
+                      <a:prstDash val="solid"/>
+                      <a:round/>
+                      <a:headEnd type="none" w="med" len="med"/>
+                      <a:tailEnd type="none" w="med" len="med"/>
+                    </a:lnL>
+                    <a:lnR w="12700" cap="flat" cmpd="sng" algn="ctr">
+                      <a:noFill/>
+                      <a:prstDash val="solid"/>
+                      <a:round/>
+                      <a:headEnd type="none" w="med" len="med"/>
+                      <a:tailEnd type="none" w="med" len="med"/>
+                    </a:lnR>
+                    <a:lnT w="19050" cap="flat" cmpd="sng" algn="ctr">
+                      <a:noFill/>
+                      <a:prstDash val="lgDash"/>
+                      <a:round/>
+                      <a:headEnd type="none" w="med" len="med"/>
+                      <a:tailEnd type="none" w="med" len="med"/>
+                    </a:lnT>
+                    <a:lnB w="38100" cap="flat" cmpd="sng" algn="ctr">
+                      <a:solidFill>
+                        <a:schemeClr val="tx1"/>
+                      </a:solidFill>
+                      <a:prstDash val="solid"/>
+                      <a:round/>
+                      <a:headEnd type="none" w="med" len="med"/>
+                      <a:tailEnd type="none" w="med" len="med"/>
+                    </a:lnB>
+                    <a:lnTlToBr w="12700" cap="flat" cmpd="sng" algn="ctr">
+                      <a:noFill/>
+                      <a:prstDash val="solid"/>
+                      <a:round/>
+                      <a:headEnd type="none" w="med" len="med"/>
+                      <a:tailEnd type="none" w="med" len="med"/>
+                    </a:lnTlToBr>
+                    <a:lnBlToTr w="12700" cmpd="sng">
+                      <a:noFill/>
+                      <a:prstDash val="solid"/>
+                    </a:lnBlToTr>
+                  </a:tcPr>
+                </a:tc>
+              </a:tr>
+              <a:tr h="543463">
+                <a:tc>
+                  <a:txBody>
+                    <a:bodyPr/>
+                    <a:lstStyle/>
+                    <a:p>
+                      <a:pPr algn="r"/>
+                      <a:r>
+                        <a:rPr lang="en-US" sz="3200" dirty="0" smtClean="0"/>
+                        <a:t>Coursework supervisor:</a:t>
+                      </a:r>
+                      <a:endParaRPr lang="ru-RU" sz="3200" dirty="0"/>
+                    </a:p>
+                  </a:txBody>
+                  <a:tcPr>
+                    <a:lnL w="12700" cap="flat" cmpd="sng" algn="ctr">
+                      <a:noFill/>
+                      <a:prstDash val="solid"/>
+                      <a:round/>
+                      <a:headEnd type="none" w="med" len="med"/>
+                      <a:tailEnd type="none" w="med" len="med"/>
+                    </a:lnL>
+                    <a:lnR w="19050" cap="flat" cmpd="sng" algn="ctr">
+                      <a:noFill/>
+                      <a:prstDash val="lgDash"/>
+                      <a:round/>
+                      <a:headEnd type="none" w="med" len="med"/>
+                      <a:tailEnd type="none" w="med" len="med"/>
+                    </a:lnR>
+                    <a:lnT w="19050" cap="flat" cmpd="sng" algn="ctr">
+                      <a:noFill/>
+                      <a:prstDash val="lgDash"/>
+                      <a:round/>
+                      <a:headEnd type="none" w="med" len="med"/>
+                      <a:tailEnd type="none" w="med" len="med"/>
+                    </a:lnT>
+                    <a:lnB w="12700" cap="flat" cmpd="sng" algn="ctr">
+                      <a:noFill/>
+                      <a:prstDash val="solid"/>
+                      <a:round/>
+                      <a:headEnd type="none" w="med" len="med"/>
+                      <a:tailEnd type="none" w="med" len="med"/>
+                    </a:lnB>
+                    <a:lnTlToBr w="12700" cap="flat" cmpd="sng" algn="ctr">
+                      <a:noFill/>
+                      <a:prstDash val="solid"/>
+                      <a:round/>
+                      <a:headEnd type="none" w="med" len="med"/>
+                      <a:tailEnd type="none" w="med" len="med"/>
+                    </a:lnTlToBr>
+                    <a:lnBlToTr w="12700" cmpd="sng">
+                      <a:noFill/>
+                      <a:prstDash val="solid"/>
+                    </a:lnBlToTr>
+                  </a:tcPr>
+                </a:tc>
+                <a:tc>
+                  <a:txBody>
+                    <a:bodyPr/>
+                    <a:lstStyle/>
+                    <a:p>
+                      <a:pPr marL="0" marR="0" indent="0" algn="l" defTabSz="914400" rtl="0" eaLnBrk="1" fontAlgn="auto" latinLnBrk="0" hangingPunct="1">
+                        <a:lnSpc>
+                          <a:spcPct val="100000"/>
+                        </a:lnSpc>
+                        <a:spcBef>
+                          <a:spcPts val="0"/>
+                        </a:spcBef>
+                        <a:spcAft>
+                          <a:spcPts val="0"/>
+                        </a:spcAft>
+                        <a:buClrTx/>
+                        <a:buSzTx/>
+                        <a:buFontTx/>
+                        <a:buNone/>
+                        <a:tabLst/>
+                        <a:defRPr/>
+                      </a:pPr>
+                      <a:r>
+                        <a:rPr lang="en-US" sz="3200" dirty="0" smtClean="0"/>
+                        <a:t>Oleg </a:t>
+                      </a:r>
+                      <a:r>
+                        <a:rPr lang="en-US" sz="3200" dirty="0" err="1" smtClean="0"/>
+                        <a:t>Loginov</a:t>
+                      </a:r>
+                      <a:endParaRPr lang="en-US" sz="3200" dirty="0" smtClean="0"/>
+                    </a:p>
+                  </a:txBody>
+                  <a:tcPr>
+                    <a:lnL w="19050" cap="flat" cmpd="sng" algn="ctr">
+                      <a:noFill/>
+                      <a:prstDash val="lgDash"/>
+                      <a:round/>
+                      <a:headEnd type="none" w="med" len="med"/>
+                      <a:tailEnd type="none" w="med" len="med"/>
+                    </a:lnL>
+                    <a:lnR w="12700" cap="flat" cmpd="sng" algn="ctr">
+                      <a:noFill/>
+                      <a:prstDash val="solid"/>
+                      <a:round/>
+                      <a:headEnd type="none" w="med" len="med"/>
+                      <a:tailEnd type="none" w="med" len="med"/>
+                    </a:lnR>
+                    <a:lnT w="38100" cap="flat" cmpd="sng" algn="ctr">
+                      <a:solidFill>
+                        <a:schemeClr val="tx1"/>
+                      </a:solidFill>
+                      <a:prstDash val="solid"/>
+                      <a:round/>
+                      <a:headEnd type="none" w="med" len="med"/>
+                      <a:tailEnd type="none" w="med" len="med"/>
+                    </a:lnT>
+                    <a:lnB w="12700" cap="flat" cmpd="sng" algn="ctr">
+                      <a:noFill/>
+                      <a:prstDash val="solid"/>
+                      <a:round/>
+                      <a:headEnd type="none" w="med" len="med"/>
+                      <a:tailEnd type="none" w="med" len="med"/>
+                    </a:lnB>
+                    <a:lnTlToBr w="12700" cap="flat" cmpd="sng" algn="ctr">
+                      <a:noFill/>
+                      <a:prstDash val="solid"/>
+                      <a:round/>
+                      <a:headEnd type="none" w="med" len="med"/>
+                      <a:tailEnd type="none" w="med" len="med"/>
+                    </a:lnTlToBr>
+                    <a:lnBlToTr w="12700" cmpd="sng">
+                      <a:noFill/>
+                      <a:prstDash val="solid"/>
+                    </a:lnBlToTr>
+                  </a:tcPr>
+                </a:tc>
+              </a:tr>
+            </a:tbl>
+          </a:graphicData>
+        </a:graphic>
+      </p:graphicFrame>
       <p:sp>
         <p:nvSpPr>
-          <p:cNvPr id="2" name="Заголовок 1"/>
-          <p:cNvSpPr>
-            <a:spLocks noGrp="1"/>
-          </p:cNvSpPr>
-          <p:nvPr>
-            <p:ph type="ctrTitle"/>
-          </p:nvPr>
+          <p:cNvPr id="9" name="TextBox 8"/>
+          <p:cNvSpPr txBox="1"/>
+          <p:nvPr/>
         </p:nvSpPr>
-        <p:spPr/>
+        <p:spPr>
+          <a:xfrm>
+            <a:off x="3563888" y="6287686"/>
+            <a:ext cx="2242922" cy="584775"/>
+          </a:xfrm>
+          <a:prstGeom prst="rect">
+            <a:avLst/>
+          </a:prstGeom>
+          <a:noFill/>
+        </p:spPr>
         <p:txBody>
-          <a:bodyPr/>
-          <a:lstStyle/>
-          <a:p>
-            <a:r>
-              <a:rPr lang="en-US" dirty="0" smtClean="0"/>
-              <a:t>Visual Graph Editor</a:t>
-            </a:r>
-            <a:endParaRPr lang="ru-RU" dirty="0"/>
-          </a:p>
-        </p:txBody>
-      </p:sp>
-      <p:sp>
-        <p:nvSpPr>
-          <p:cNvPr id="3" name="Подзаголовок 2"/>
-          <p:cNvSpPr>
-            <a:spLocks noGrp="1"/>
-          </p:cNvSpPr>
-          <p:nvPr>
-            <p:ph type="subTitle" idx="1"/>
-          </p:nvPr>
-        </p:nvSpPr>
-        <p:spPr/>
-        <p:txBody>
-          <a:bodyPr>
-            <a:normAutofit fontScale="85000" lnSpcReduction="20000"/>
+          <a:bodyPr wrap="none" rtlCol="0">
+            <a:spAutoFit/>
           </a:bodyPr>
           <a:lstStyle/>
           <a:p>
             <a:r>
-              <a:rPr lang="en-US" dirty="0" smtClean="0">
-                <a:solidFill>
-                  <a:schemeClr val="tx1"/>
-                </a:solidFill>
-              </a:rPr>
-              <a:t>Coursework project by Alexander </a:t>
-            </a:r>
-            <a:r>
-              <a:rPr lang="en-US" dirty="0" err="1" smtClean="0">
-                <a:solidFill>
-                  <a:schemeClr val="tx1"/>
-                </a:solidFill>
-              </a:rPr>
-              <a:t>Savinykh</a:t>
-            </a:r>
-            <a:endParaRPr lang="en-US" dirty="0" smtClean="0">
-              <a:solidFill>
-                <a:schemeClr val="tx1"/>
-              </a:solidFill>
-            </a:endParaRPr>
-          </a:p>
-          <a:p>
-            <a:r>
-              <a:rPr lang="en-US" dirty="0" smtClean="0">
-                <a:solidFill>
-                  <a:schemeClr val="tx1"/>
-                </a:solidFill>
-              </a:rPr>
-              <a:t>10PMI2 group</a:t>
-            </a:r>
-          </a:p>
-          <a:p>
-            <a:r>
-              <a:rPr lang="ru-RU" dirty="0" smtClean="0">
-                <a:solidFill>
-                  <a:schemeClr val="tx1"/>
-                </a:solidFill>
-              </a:rPr>
-              <a:t>НИ</a:t>
-            </a:r>
-            <a:r>
-              <a:rPr lang="en-US" dirty="0" smtClean="0">
-                <a:solidFill>
-                  <a:schemeClr val="tx1"/>
-                </a:solidFill>
-              </a:rPr>
-              <a:t>IT</a:t>
-            </a:r>
-          </a:p>
-          <a:p>
-            <a:r>
-              <a:rPr lang="en-US" dirty="0" smtClean="0">
-                <a:solidFill>
-                  <a:schemeClr val="tx1"/>
-                </a:solidFill>
-              </a:rPr>
-              <a:t>2012-2013</a:t>
-            </a:r>
-            <a:endParaRPr lang="ru-RU" dirty="0">
-              <a:solidFill>
-                <a:schemeClr val="tx1"/>
-              </a:solidFill>
-            </a:endParaRPr>
+              <a:rPr lang="en-US" sz="3200" dirty="0" smtClean="0"/>
+              <a:t>2012 – 2013</a:t>
+            </a:r>
+            <a:endParaRPr lang="ru-RU" sz="3200" dirty="0"/>
           </a:p>
         </p:txBody>
       </p:sp>
@@ -3279,16 +3790,39 @@
           <a:chExt cx="0" cy="0"/>
         </a:xfrm>
       </p:grpSpPr>
+      <p:sp>
+        <p:nvSpPr>
+          <p:cNvPr id="2" name="Заголовок 1"/>
+          <p:cNvSpPr>
+            <a:spLocks noGrp="1"/>
+          </p:cNvSpPr>
+          <p:nvPr>
+            <p:ph type="title"/>
+          </p:nvPr>
+        </p:nvSpPr>
+        <p:spPr/>
+        <p:txBody>
+          <a:bodyPr/>
+          <a:lstStyle/>
+          <a:p>
+            <a:r>
+              <a:rPr lang="en-US" dirty="0" smtClean="0"/>
+              <a:t>XML Documents</a:t>
+            </a:r>
+            <a:endParaRPr lang="ru-RU" dirty="0"/>
+          </a:p>
+        </p:txBody>
+      </p:sp>
       <p:pic>
         <p:nvPicPr>
-          <p:cNvPr id="4" name="Picture 5"/>
+          <p:cNvPr id="5122" name="Picture 2"/>
           <p:cNvPicPr>
             <a:picLocks noChangeAspect="1" noChangeArrowheads="1"/>
           </p:cNvPicPr>
           <p:nvPr/>
         </p:nvPicPr>
         <p:blipFill>
-          <a:blip r:embed="rId2" cstate="print">
+          <a:blip r:embed="rId2">
             <a:extLst>
               <a:ext uri="{28A0092B-C50C-407E-A947-70E740481C1C}">
                 <a14:useLocalDpi xmlns:a14="http://schemas.microsoft.com/office/drawing/2010/main" val="0"/>
@@ -3302,8 +3836,8 @@
         </p:blipFill>
         <p:spPr bwMode="auto">
           <a:xfrm>
-            <a:off x="180653" y="2420888"/>
-            <a:ext cx="8826344" cy="3780695"/>
+            <a:off x="1979712" y="622251"/>
+            <a:ext cx="457200" cy="457200"/>
           </a:xfrm>
           <a:prstGeom prst="rect">
             <a:avLst/>
@@ -3343,68 +3877,9 @@
           </a:extLst>
         </p:spPr>
       </p:pic>
-      <p:sp>
-        <p:nvSpPr>
-          <p:cNvPr id="5" name="Объект 2"/>
-          <p:cNvSpPr>
-            <a:spLocks noGrp="1"/>
-          </p:cNvSpPr>
-          <p:nvPr>
-            <p:ph idx="1"/>
-          </p:nvPr>
-        </p:nvSpPr>
-        <p:spPr>
-          <a:xfrm>
-            <a:off x="477884" y="1628800"/>
-            <a:ext cx="8229600" cy="648073"/>
-          </a:xfrm>
-        </p:spPr>
-        <p:txBody>
-          <a:bodyPr>
-            <a:normAutofit/>
-          </a:bodyPr>
-          <a:lstStyle/>
-          <a:p>
-            <a:r>
-              <a:rPr lang="en-US" dirty="0" smtClean="0"/>
-              <a:t>Declarative user interface</a:t>
-            </a:r>
-          </a:p>
-        </p:txBody>
-      </p:sp>
-      <p:sp>
-        <p:nvSpPr>
-          <p:cNvPr id="8" name="Заголовок 1"/>
-          <p:cNvSpPr>
-            <a:spLocks noGrp="1"/>
-          </p:cNvSpPr>
-          <p:nvPr>
-            <p:ph type="title"/>
-          </p:nvPr>
-        </p:nvSpPr>
-        <p:spPr>
-          <a:xfrm>
-            <a:off x="0" y="274638"/>
-            <a:ext cx="9144000" cy="1143000"/>
-          </a:xfrm>
-        </p:spPr>
-        <p:txBody>
-          <a:bodyPr>
-            <a:normAutofit/>
-          </a:bodyPr>
-          <a:lstStyle/>
-          <a:p>
-            <a:r>
-              <a:rPr lang="en-US" dirty="0" smtClean="0"/>
-              <a:t>WPF XAML</a:t>
-            </a:r>
-            <a:endParaRPr lang="ru-RU" dirty="0"/>
-          </a:p>
-        </p:txBody>
-      </p:sp>
       <p:pic>
         <p:nvPicPr>
-          <p:cNvPr id="9221" name="Picture 5"/>
+          <p:cNvPr id="5124" name="Picture 4"/>
           <p:cNvPicPr>
             <a:picLocks noChangeAspect="1" noChangeArrowheads="1"/>
           </p:cNvPicPr>
@@ -3425,8 +3900,8 @@
         </p:blipFill>
         <p:spPr bwMode="auto">
           <a:xfrm>
-            <a:off x="2051720" y="260648"/>
-            <a:ext cx="1219200" cy="1219200"/>
+            <a:off x="0" y="1383904"/>
+            <a:ext cx="9144000" cy="4962525"/>
           </a:xfrm>
           <a:prstGeom prst="rect">
             <a:avLst/>
@@ -3466,10 +3941,2639 @@
           </a:extLst>
         </p:spPr>
       </p:pic>
+      <p:sp>
+        <p:nvSpPr>
+          <p:cNvPr id="8" name="Прямоугольник 7"/>
+          <p:cNvSpPr/>
+          <p:nvPr/>
+        </p:nvSpPr>
+        <p:spPr>
+          <a:xfrm>
+            <a:off x="0" y="1383904"/>
+            <a:ext cx="9144000" cy="4962525"/>
+          </a:xfrm>
+          <a:prstGeom prst="rect">
+            <a:avLst/>
+          </a:prstGeom>
+          <a:solidFill>
+            <a:schemeClr val="bg1">
+              <a:alpha val="75000"/>
+            </a:schemeClr>
+          </a:solidFill>
+          <a:ln>
+            <a:noFill/>
+          </a:ln>
+        </p:spPr>
+        <p:style>
+          <a:lnRef idx="2">
+            <a:schemeClr val="accent1">
+              <a:shade val="50000"/>
+            </a:schemeClr>
+          </a:lnRef>
+          <a:fillRef idx="1">
+            <a:schemeClr val="accent1"/>
+          </a:fillRef>
+          <a:effectRef idx="0">
+            <a:schemeClr val="accent1"/>
+          </a:effectRef>
+          <a:fontRef idx="minor">
+            <a:schemeClr val="lt1"/>
+          </a:fontRef>
+        </p:style>
+        <p:txBody>
+          <a:bodyPr rtlCol="0" anchor="ctr"/>
+          <a:lstStyle/>
+          <a:p>
+            <a:pPr algn="ctr"/>
+            <a:endParaRPr lang="ru-RU"/>
+          </a:p>
+        </p:txBody>
+      </p:sp>
+      <p:sp>
+        <p:nvSpPr>
+          <p:cNvPr id="19" name="Прямоугольник 18"/>
+          <p:cNvSpPr/>
+          <p:nvPr/>
+        </p:nvSpPr>
+        <p:spPr>
+          <a:xfrm>
+            <a:off x="460474" y="2636912"/>
+            <a:ext cx="8223051" cy="2003625"/>
+          </a:xfrm>
+          <a:prstGeom prst="rect">
+            <a:avLst/>
+          </a:prstGeom>
+        </p:spPr>
+        <p:txBody>
+          <a:bodyPr wrap="square">
+            <a:spAutoFit/>
+          </a:bodyPr>
+          <a:lstStyle/>
+          <a:p>
+            <a:pPr>
+              <a:lnSpc>
+                <a:spcPct val="115000"/>
+              </a:lnSpc>
+              <a:spcAft>
+                <a:spcPts val="0"/>
+              </a:spcAft>
+            </a:pPr>
+            <a:r>
+              <a:rPr lang="ru-RU" dirty="0">
+                <a:solidFill>
+                  <a:srgbClr val="0000FF"/>
+                </a:solidFill>
+                <a:effectLst>
+                  <a:glow rad="228600">
+                    <a:schemeClr val="bg1">
+                      <a:alpha val="40000"/>
+                    </a:schemeClr>
+                  </a:glow>
+                </a:effectLst>
+                <a:highlight>
+                  <a:srgbClr val="FFFFFF"/>
+                </a:highlight>
+                <a:latin typeface="Consolas" pitchFamily="49" charset="0"/>
+                <a:ea typeface="Calibri"/>
+                <a:cs typeface="Consolas" pitchFamily="49" charset="0"/>
+              </a:rPr>
+              <a:t>&lt;?</a:t>
+            </a:r>
+            <a:r>
+              <a:rPr lang="ru-RU" dirty="0" err="1">
+                <a:solidFill>
+                  <a:srgbClr val="A31515"/>
+                </a:solidFill>
+                <a:effectLst>
+                  <a:glow rad="228600">
+                    <a:schemeClr val="bg1">
+                      <a:alpha val="40000"/>
+                    </a:schemeClr>
+                  </a:glow>
+                </a:effectLst>
+                <a:highlight>
+                  <a:srgbClr val="FFFFFF"/>
+                </a:highlight>
+                <a:latin typeface="Consolas" pitchFamily="49" charset="0"/>
+                <a:ea typeface="Calibri"/>
+                <a:cs typeface="Consolas" pitchFamily="49" charset="0"/>
+              </a:rPr>
+              <a:t>xml</a:t>
+            </a:r>
+            <a:r>
+              <a:rPr lang="ru-RU" dirty="0">
+                <a:solidFill>
+                  <a:srgbClr val="0000FF"/>
+                </a:solidFill>
+                <a:effectLst>
+                  <a:glow rad="228600">
+                    <a:schemeClr val="bg1">
+                      <a:alpha val="40000"/>
+                    </a:schemeClr>
+                  </a:glow>
+                </a:effectLst>
+                <a:highlight>
+                  <a:srgbClr val="FFFFFF"/>
+                </a:highlight>
+                <a:latin typeface="Consolas" pitchFamily="49" charset="0"/>
+                <a:ea typeface="Calibri"/>
+                <a:cs typeface="Consolas" pitchFamily="49" charset="0"/>
+              </a:rPr>
+              <a:t> </a:t>
+            </a:r>
+            <a:r>
+              <a:rPr lang="ru-RU" dirty="0" err="1">
+                <a:solidFill>
+                  <a:srgbClr val="FF0000"/>
+                </a:solidFill>
+                <a:effectLst>
+                  <a:glow rad="228600">
+                    <a:schemeClr val="bg1">
+                      <a:alpha val="40000"/>
+                    </a:schemeClr>
+                  </a:glow>
+                </a:effectLst>
+                <a:highlight>
+                  <a:srgbClr val="FFFFFF"/>
+                </a:highlight>
+                <a:latin typeface="Consolas" pitchFamily="49" charset="0"/>
+                <a:ea typeface="Calibri"/>
+                <a:cs typeface="Consolas" pitchFamily="49" charset="0"/>
+              </a:rPr>
+              <a:t>version</a:t>
+            </a:r>
+            <a:r>
+              <a:rPr lang="ru-RU" dirty="0">
+                <a:solidFill>
+                  <a:srgbClr val="0000FF"/>
+                </a:solidFill>
+                <a:effectLst>
+                  <a:glow rad="228600">
+                    <a:schemeClr val="bg1">
+                      <a:alpha val="40000"/>
+                    </a:schemeClr>
+                  </a:glow>
+                </a:effectLst>
+                <a:highlight>
+                  <a:srgbClr val="FFFFFF"/>
+                </a:highlight>
+                <a:latin typeface="Consolas" pitchFamily="49" charset="0"/>
+                <a:ea typeface="Calibri"/>
+                <a:cs typeface="Consolas" pitchFamily="49" charset="0"/>
+              </a:rPr>
+              <a:t>=</a:t>
+            </a:r>
+            <a:r>
+              <a:rPr lang="ru-RU" dirty="0">
+                <a:solidFill>
+                  <a:srgbClr val="000000"/>
+                </a:solidFill>
+                <a:effectLst>
+                  <a:glow rad="228600">
+                    <a:schemeClr val="bg1">
+                      <a:alpha val="40000"/>
+                    </a:schemeClr>
+                  </a:glow>
+                </a:effectLst>
+                <a:highlight>
+                  <a:srgbClr val="FFFFFF"/>
+                </a:highlight>
+                <a:latin typeface="Consolas" pitchFamily="49" charset="0"/>
+                <a:ea typeface="Calibri"/>
+                <a:cs typeface="Consolas" pitchFamily="49" charset="0"/>
+              </a:rPr>
+              <a:t>"</a:t>
+            </a:r>
+            <a:r>
+              <a:rPr lang="ru-RU" dirty="0">
+                <a:solidFill>
+                  <a:srgbClr val="0000FF"/>
+                </a:solidFill>
+                <a:effectLst>
+                  <a:glow rad="228600">
+                    <a:schemeClr val="bg1">
+                      <a:alpha val="40000"/>
+                    </a:schemeClr>
+                  </a:glow>
+                </a:effectLst>
+                <a:highlight>
+                  <a:srgbClr val="FFFFFF"/>
+                </a:highlight>
+                <a:latin typeface="Consolas" pitchFamily="49" charset="0"/>
+                <a:ea typeface="Calibri"/>
+                <a:cs typeface="Consolas" pitchFamily="49" charset="0"/>
+              </a:rPr>
+              <a:t>1.0</a:t>
+            </a:r>
+            <a:r>
+              <a:rPr lang="ru-RU" dirty="0">
+                <a:solidFill>
+                  <a:srgbClr val="000000"/>
+                </a:solidFill>
+                <a:effectLst>
+                  <a:glow rad="228600">
+                    <a:schemeClr val="bg1">
+                      <a:alpha val="40000"/>
+                    </a:schemeClr>
+                  </a:glow>
+                </a:effectLst>
+                <a:highlight>
+                  <a:srgbClr val="FFFFFF"/>
+                </a:highlight>
+                <a:latin typeface="Consolas" pitchFamily="49" charset="0"/>
+                <a:ea typeface="Calibri"/>
+                <a:cs typeface="Consolas" pitchFamily="49" charset="0"/>
+              </a:rPr>
+              <a:t>"</a:t>
+            </a:r>
+            <a:r>
+              <a:rPr lang="ru-RU" dirty="0">
+                <a:solidFill>
+                  <a:srgbClr val="0000FF"/>
+                </a:solidFill>
+                <a:effectLst>
+                  <a:glow rad="228600">
+                    <a:schemeClr val="bg1">
+                      <a:alpha val="40000"/>
+                    </a:schemeClr>
+                  </a:glow>
+                </a:effectLst>
+                <a:highlight>
+                  <a:srgbClr val="FFFFFF"/>
+                </a:highlight>
+                <a:latin typeface="Consolas" pitchFamily="49" charset="0"/>
+                <a:ea typeface="Calibri"/>
+                <a:cs typeface="Consolas" pitchFamily="49" charset="0"/>
+              </a:rPr>
+              <a:t> </a:t>
+            </a:r>
+            <a:r>
+              <a:rPr lang="ru-RU" dirty="0" err="1">
+                <a:solidFill>
+                  <a:srgbClr val="FF0000"/>
+                </a:solidFill>
+                <a:effectLst>
+                  <a:glow rad="228600">
+                    <a:schemeClr val="bg1">
+                      <a:alpha val="40000"/>
+                    </a:schemeClr>
+                  </a:glow>
+                </a:effectLst>
+                <a:highlight>
+                  <a:srgbClr val="FFFFFF"/>
+                </a:highlight>
+                <a:latin typeface="Consolas" pitchFamily="49" charset="0"/>
+                <a:ea typeface="Calibri"/>
+                <a:cs typeface="Consolas" pitchFamily="49" charset="0"/>
+              </a:rPr>
+              <a:t>encoding</a:t>
+            </a:r>
+            <a:r>
+              <a:rPr lang="ru-RU" dirty="0">
+                <a:solidFill>
+                  <a:srgbClr val="0000FF"/>
+                </a:solidFill>
+                <a:effectLst>
+                  <a:glow rad="228600">
+                    <a:schemeClr val="bg1">
+                      <a:alpha val="40000"/>
+                    </a:schemeClr>
+                  </a:glow>
+                </a:effectLst>
+                <a:highlight>
+                  <a:srgbClr val="FFFFFF"/>
+                </a:highlight>
+                <a:latin typeface="Consolas" pitchFamily="49" charset="0"/>
+                <a:ea typeface="Calibri"/>
+                <a:cs typeface="Consolas" pitchFamily="49" charset="0"/>
+              </a:rPr>
+              <a:t>=</a:t>
+            </a:r>
+            <a:r>
+              <a:rPr lang="ru-RU" dirty="0">
+                <a:solidFill>
+                  <a:srgbClr val="000000"/>
+                </a:solidFill>
+                <a:effectLst>
+                  <a:glow rad="228600">
+                    <a:schemeClr val="bg1">
+                      <a:alpha val="40000"/>
+                    </a:schemeClr>
+                  </a:glow>
+                </a:effectLst>
+                <a:highlight>
+                  <a:srgbClr val="FFFFFF"/>
+                </a:highlight>
+                <a:latin typeface="Consolas" pitchFamily="49" charset="0"/>
+                <a:ea typeface="Calibri"/>
+                <a:cs typeface="Consolas" pitchFamily="49" charset="0"/>
+              </a:rPr>
+              <a:t>"</a:t>
+            </a:r>
+            <a:r>
+              <a:rPr lang="ru-RU" dirty="0">
+                <a:solidFill>
+                  <a:srgbClr val="0000FF"/>
+                </a:solidFill>
+                <a:effectLst>
+                  <a:glow rad="228600">
+                    <a:schemeClr val="bg1">
+                      <a:alpha val="40000"/>
+                    </a:schemeClr>
+                  </a:glow>
+                </a:effectLst>
+                <a:highlight>
+                  <a:srgbClr val="FFFFFF"/>
+                </a:highlight>
+                <a:latin typeface="Consolas" pitchFamily="49" charset="0"/>
+                <a:ea typeface="Calibri"/>
+                <a:cs typeface="Consolas" pitchFamily="49" charset="0"/>
+              </a:rPr>
+              <a:t>utf-8</a:t>
+            </a:r>
+            <a:r>
+              <a:rPr lang="ru-RU" dirty="0">
+                <a:solidFill>
+                  <a:srgbClr val="000000"/>
+                </a:solidFill>
+                <a:effectLst>
+                  <a:glow rad="228600">
+                    <a:schemeClr val="bg1">
+                      <a:alpha val="40000"/>
+                    </a:schemeClr>
+                  </a:glow>
+                </a:effectLst>
+                <a:highlight>
+                  <a:srgbClr val="FFFFFF"/>
+                </a:highlight>
+                <a:latin typeface="Consolas" pitchFamily="49" charset="0"/>
+                <a:ea typeface="Calibri"/>
+                <a:cs typeface="Consolas" pitchFamily="49" charset="0"/>
+              </a:rPr>
+              <a:t>"</a:t>
+            </a:r>
+            <a:r>
+              <a:rPr lang="ru-RU" dirty="0">
+                <a:solidFill>
+                  <a:srgbClr val="0000FF"/>
+                </a:solidFill>
+                <a:effectLst>
+                  <a:glow rad="228600">
+                    <a:schemeClr val="bg1">
+                      <a:alpha val="40000"/>
+                    </a:schemeClr>
+                  </a:glow>
+                </a:effectLst>
+                <a:highlight>
+                  <a:srgbClr val="FFFFFF"/>
+                </a:highlight>
+                <a:latin typeface="Consolas" pitchFamily="49" charset="0"/>
+                <a:ea typeface="Calibri"/>
+                <a:cs typeface="Consolas" pitchFamily="49" charset="0"/>
+              </a:rPr>
+              <a:t>?&gt;</a:t>
+            </a:r>
+            <a:endParaRPr lang="ru-RU" dirty="0">
+              <a:effectLst>
+                <a:glow rad="228600">
+                  <a:schemeClr val="bg1">
+                    <a:alpha val="40000"/>
+                  </a:schemeClr>
+                </a:glow>
+              </a:effectLst>
+              <a:latin typeface="Consolas" pitchFamily="49" charset="0"/>
+              <a:ea typeface="Calibri"/>
+              <a:cs typeface="Consolas" pitchFamily="49" charset="0"/>
+            </a:endParaRPr>
+          </a:p>
+          <a:p>
+            <a:pPr>
+              <a:lnSpc>
+                <a:spcPct val="115000"/>
+              </a:lnSpc>
+              <a:spcAft>
+                <a:spcPts val="0"/>
+              </a:spcAft>
+            </a:pPr>
+            <a:r>
+              <a:rPr lang="ru-RU" dirty="0">
+                <a:solidFill>
+                  <a:srgbClr val="0000FF"/>
+                </a:solidFill>
+                <a:effectLst>
+                  <a:glow rad="228600">
+                    <a:schemeClr val="bg1">
+                      <a:alpha val="40000"/>
+                    </a:schemeClr>
+                  </a:glow>
+                </a:effectLst>
+                <a:highlight>
+                  <a:srgbClr val="FFFFFF"/>
+                </a:highlight>
+                <a:latin typeface="Consolas" pitchFamily="49" charset="0"/>
+                <a:ea typeface="Calibri"/>
+                <a:cs typeface="Consolas" pitchFamily="49" charset="0"/>
+              </a:rPr>
+              <a:t>&lt;</a:t>
+            </a:r>
+            <a:r>
+              <a:rPr lang="ru-RU" dirty="0" err="1">
+                <a:solidFill>
+                  <a:srgbClr val="A31515"/>
+                </a:solidFill>
+                <a:effectLst>
+                  <a:glow rad="228600">
+                    <a:schemeClr val="bg1">
+                      <a:alpha val="40000"/>
+                    </a:schemeClr>
+                  </a:glow>
+                </a:effectLst>
+                <a:highlight>
+                  <a:srgbClr val="FFFFFF"/>
+                </a:highlight>
+                <a:latin typeface="Consolas" pitchFamily="49" charset="0"/>
+                <a:ea typeface="Calibri"/>
+                <a:cs typeface="Consolas" pitchFamily="49" charset="0"/>
+              </a:rPr>
+              <a:t>content</a:t>
+            </a:r>
+            <a:r>
+              <a:rPr lang="ru-RU" dirty="0">
+                <a:solidFill>
+                  <a:srgbClr val="0000FF"/>
+                </a:solidFill>
+                <a:effectLst>
+                  <a:glow rad="228600">
+                    <a:schemeClr val="bg1">
+                      <a:alpha val="40000"/>
+                    </a:schemeClr>
+                  </a:glow>
+                </a:effectLst>
+                <a:highlight>
+                  <a:srgbClr val="FFFFFF"/>
+                </a:highlight>
+                <a:latin typeface="Consolas" pitchFamily="49" charset="0"/>
+                <a:ea typeface="Calibri"/>
+                <a:cs typeface="Consolas" pitchFamily="49" charset="0"/>
+              </a:rPr>
+              <a:t>&gt;</a:t>
+            </a:r>
+            <a:endParaRPr lang="ru-RU" dirty="0">
+              <a:effectLst>
+                <a:glow rad="228600">
+                  <a:schemeClr val="bg1">
+                    <a:alpha val="40000"/>
+                  </a:schemeClr>
+                </a:glow>
+              </a:effectLst>
+              <a:latin typeface="Consolas" pitchFamily="49" charset="0"/>
+              <a:ea typeface="Calibri"/>
+              <a:cs typeface="Consolas" pitchFamily="49" charset="0"/>
+            </a:endParaRPr>
+          </a:p>
+          <a:p>
+            <a:pPr>
+              <a:lnSpc>
+                <a:spcPct val="115000"/>
+              </a:lnSpc>
+              <a:spcAft>
+                <a:spcPts val="0"/>
+              </a:spcAft>
+            </a:pPr>
+            <a:r>
+              <a:rPr lang="en-US" dirty="0" smtClean="0">
+                <a:solidFill>
+                  <a:srgbClr val="0000FF"/>
+                </a:solidFill>
+                <a:effectLst>
+                  <a:glow rad="228600">
+                    <a:schemeClr val="bg1">
+                      <a:alpha val="40000"/>
+                    </a:schemeClr>
+                  </a:glow>
+                </a:effectLst>
+                <a:highlight>
+                  <a:srgbClr val="FFFFFF"/>
+                </a:highlight>
+                <a:latin typeface="Consolas" pitchFamily="49" charset="0"/>
+                <a:ea typeface="Calibri"/>
+                <a:cs typeface="Consolas" pitchFamily="49" charset="0"/>
+              </a:rPr>
+              <a:t>  </a:t>
+            </a:r>
+            <a:r>
+              <a:rPr lang="ru-RU" dirty="0" smtClean="0">
+                <a:solidFill>
+                  <a:srgbClr val="0000FF"/>
+                </a:solidFill>
+                <a:effectLst>
+                  <a:glow rad="228600">
+                    <a:schemeClr val="bg1">
+                      <a:alpha val="40000"/>
+                    </a:schemeClr>
+                  </a:glow>
+                </a:effectLst>
+                <a:highlight>
+                  <a:srgbClr val="FFFFFF"/>
+                </a:highlight>
+                <a:latin typeface="Consolas" pitchFamily="49" charset="0"/>
+                <a:ea typeface="Calibri"/>
+                <a:cs typeface="Consolas" pitchFamily="49" charset="0"/>
+              </a:rPr>
+              <a:t>&lt;</a:t>
+            </a:r>
+            <a:r>
+              <a:rPr lang="ru-RU" dirty="0" err="1">
+                <a:solidFill>
+                  <a:srgbClr val="A31515"/>
+                </a:solidFill>
+                <a:effectLst>
+                  <a:glow rad="228600">
+                    <a:schemeClr val="bg1">
+                      <a:alpha val="40000"/>
+                    </a:schemeClr>
+                  </a:glow>
+                </a:effectLst>
+                <a:highlight>
+                  <a:srgbClr val="FFFFFF"/>
+                </a:highlight>
+                <a:latin typeface="Consolas" pitchFamily="49" charset="0"/>
+                <a:ea typeface="Calibri"/>
+                <a:cs typeface="Consolas" pitchFamily="49" charset="0"/>
+              </a:rPr>
+              <a:t>NodeControl</a:t>
+            </a:r>
+            <a:r>
+              <a:rPr lang="ru-RU" dirty="0">
+                <a:solidFill>
+                  <a:srgbClr val="0000FF"/>
+                </a:solidFill>
+                <a:effectLst>
+                  <a:glow rad="228600">
+                    <a:schemeClr val="bg1">
+                      <a:alpha val="40000"/>
+                    </a:schemeClr>
+                  </a:glow>
+                </a:effectLst>
+                <a:highlight>
+                  <a:srgbClr val="FFFFFF"/>
+                </a:highlight>
+                <a:latin typeface="Consolas" pitchFamily="49" charset="0"/>
+                <a:ea typeface="Calibri"/>
+                <a:cs typeface="Consolas" pitchFamily="49" charset="0"/>
+              </a:rPr>
+              <a:t> </a:t>
+            </a:r>
+            <a:r>
+              <a:rPr lang="ru-RU" dirty="0" err="1">
+                <a:solidFill>
+                  <a:srgbClr val="FF0000"/>
+                </a:solidFill>
+                <a:effectLst>
+                  <a:glow rad="228600">
+                    <a:schemeClr val="bg1">
+                      <a:alpha val="40000"/>
+                    </a:schemeClr>
+                  </a:glow>
+                </a:effectLst>
+                <a:highlight>
+                  <a:srgbClr val="FFFFFF"/>
+                </a:highlight>
+                <a:latin typeface="Consolas" pitchFamily="49" charset="0"/>
+                <a:ea typeface="Calibri"/>
+                <a:cs typeface="Consolas" pitchFamily="49" charset="0"/>
+              </a:rPr>
+              <a:t>Text</a:t>
+            </a:r>
+            <a:r>
+              <a:rPr lang="ru-RU" dirty="0">
+                <a:solidFill>
+                  <a:srgbClr val="0000FF"/>
+                </a:solidFill>
+                <a:effectLst>
+                  <a:glow rad="228600">
+                    <a:schemeClr val="bg1">
+                      <a:alpha val="40000"/>
+                    </a:schemeClr>
+                  </a:glow>
+                </a:effectLst>
+                <a:highlight>
+                  <a:srgbClr val="FFFFFF"/>
+                </a:highlight>
+                <a:latin typeface="Consolas" pitchFamily="49" charset="0"/>
+                <a:ea typeface="Calibri"/>
+                <a:cs typeface="Consolas" pitchFamily="49" charset="0"/>
+              </a:rPr>
+              <a:t>=</a:t>
+            </a:r>
+            <a:r>
+              <a:rPr lang="ru-RU" dirty="0">
+                <a:solidFill>
+                  <a:srgbClr val="000000"/>
+                </a:solidFill>
+                <a:effectLst>
+                  <a:glow rad="228600">
+                    <a:schemeClr val="bg1">
+                      <a:alpha val="40000"/>
+                    </a:schemeClr>
+                  </a:glow>
+                </a:effectLst>
+                <a:highlight>
+                  <a:srgbClr val="FFFFFF"/>
+                </a:highlight>
+                <a:latin typeface="Consolas" pitchFamily="49" charset="0"/>
+                <a:ea typeface="Calibri"/>
+                <a:cs typeface="Consolas" pitchFamily="49" charset="0"/>
+              </a:rPr>
+              <a:t>"</a:t>
+            </a:r>
+            <a:r>
+              <a:rPr lang="ru-RU" dirty="0" err="1">
+                <a:solidFill>
+                  <a:srgbClr val="0000FF"/>
+                </a:solidFill>
+                <a:effectLst>
+                  <a:glow rad="228600">
+                    <a:schemeClr val="bg1">
+                      <a:alpha val="40000"/>
+                    </a:schemeClr>
+                  </a:glow>
+                </a:effectLst>
+                <a:highlight>
+                  <a:srgbClr val="FFFFFF"/>
+                </a:highlight>
+                <a:latin typeface="Consolas" pitchFamily="49" charset="0"/>
+                <a:ea typeface="Calibri"/>
+                <a:cs typeface="Consolas" pitchFamily="49" charset="0"/>
+              </a:rPr>
+              <a:t>no</a:t>
+            </a:r>
+            <a:r>
+              <a:rPr lang="ru-RU" dirty="0">
+                <a:solidFill>
+                  <a:srgbClr val="0000FF"/>
+                </a:solidFill>
+                <a:effectLst>
+                  <a:glow rad="228600">
+                    <a:schemeClr val="bg1">
+                      <a:alpha val="40000"/>
+                    </a:schemeClr>
+                  </a:glow>
+                </a:effectLst>
+                <a:highlight>
+                  <a:srgbClr val="FFFFFF"/>
+                </a:highlight>
+                <a:latin typeface="Consolas" pitchFamily="49" charset="0"/>
+                <a:ea typeface="Calibri"/>
+                <a:cs typeface="Consolas" pitchFamily="49" charset="0"/>
+              </a:rPr>
+              <a:t> </a:t>
+            </a:r>
+            <a:r>
+              <a:rPr lang="ru-RU" dirty="0" err="1">
+                <a:solidFill>
+                  <a:srgbClr val="0000FF"/>
+                </a:solidFill>
+                <a:effectLst>
+                  <a:glow rad="228600">
+                    <a:schemeClr val="bg1">
+                      <a:alpha val="40000"/>
+                    </a:schemeClr>
+                  </a:glow>
+                </a:effectLst>
+                <a:highlight>
+                  <a:srgbClr val="FFFFFF"/>
+                </a:highlight>
+                <a:latin typeface="Consolas" pitchFamily="49" charset="0"/>
+                <a:ea typeface="Calibri"/>
+                <a:cs typeface="Consolas" pitchFamily="49" charset="0"/>
+              </a:rPr>
+              <a:t>caption</a:t>
+            </a:r>
+            <a:r>
+              <a:rPr lang="ru-RU" dirty="0">
+                <a:solidFill>
+                  <a:srgbClr val="000000"/>
+                </a:solidFill>
+                <a:effectLst>
+                  <a:glow rad="228600">
+                    <a:schemeClr val="bg1">
+                      <a:alpha val="40000"/>
+                    </a:schemeClr>
+                  </a:glow>
+                </a:effectLst>
+                <a:highlight>
+                  <a:srgbClr val="FFFFFF"/>
+                </a:highlight>
+                <a:latin typeface="Consolas" pitchFamily="49" charset="0"/>
+                <a:ea typeface="Calibri"/>
+                <a:cs typeface="Consolas" pitchFamily="49" charset="0"/>
+              </a:rPr>
+              <a:t>"</a:t>
+            </a:r>
+            <a:r>
+              <a:rPr lang="ru-RU" dirty="0">
+                <a:solidFill>
+                  <a:srgbClr val="0000FF"/>
+                </a:solidFill>
+                <a:effectLst>
+                  <a:glow rad="228600">
+                    <a:schemeClr val="bg1">
+                      <a:alpha val="40000"/>
+                    </a:schemeClr>
+                  </a:glow>
+                </a:effectLst>
+                <a:highlight>
+                  <a:srgbClr val="FFFFFF"/>
+                </a:highlight>
+                <a:latin typeface="Consolas" pitchFamily="49" charset="0"/>
+                <a:ea typeface="Calibri"/>
+                <a:cs typeface="Consolas" pitchFamily="49" charset="0"/>
+              </a:rPr>
+              <a:t> </a:t>
+            </a:r>
+            <a:r>
+              <a:rPr lang="ru-RU" dirty="0" err="1">
+                <a:solidFill>
+                  <a:srgbClr val="FF0000"/>
+                </a:solidFill>
+                <a:effectLst>
+                  <a:glow rad="228600">
+                    <a:schemeClr val="bg1">
+                      <a:alpha val="40000"/>
+                    </a:schemeClr>
+                  </a:glow>
+                </a:effectLst>
+                <a:highlight>
+                  <a:srgbClr val="FFFFFF"/>
+                </a:highlight>
+                <a:latin typeface="Consolas" pitchFamily="49" charset="0"/>
+                <a:ea typeface="Calibri"/>
+                <a:cs typeface="Consolas" pitchFamily="49" charset="0"/>
+              </a:rPr>
+              <a:t>Left</a:t>
+            </a:r>
+            <a:r>
+              <a:rPr lang="ru-RU" dirty="0">
+                <a:solidFill>
+                  <a:srgbClr val="0000FF"/>
+                </a:solidFill>
+                <a:effectLst>
+                  <a:glow rad="228600">
+                    <a:schemeClr val="bg1">
+                      <a:alpha val="40000"/>
+                    </a:schemeClr>
+                  </a:glow>
+                </a:effectLst>
+                <a:highlight>
+                  <a:srgbClr val="FFFFFF"/>
+                </a:highlight>
+                <a:latin typeface="Consolas" pitchFamily="49" charset="0"/>
+                <a:ea typeface="Calibri"/>
+                <a:cs typeface="Consolas" pitchFamily="49" charset="0"/>
+              </a:rPr>
+              <a:t>=</a:t>
+            </a:r>
+            <a:r>
+              <a:rPr lang="ru-RU" dirty="0">
+                <a:solidFill>
+                  <a:srgbClr val="000000"/>
+                </a:solidFill>
+                <a:effectLst>
+                  <a:glow rad="228600">
+                    <a:schemeClr val="bg1">
+                      <a:alpha val="40000"/>
+                    </a:schemeClr>
+                  </a:glow>
+                </a:effectLst>
+                <a:highlight>
+                  <a:srgbClr val="FFFFFF"/>
+                </a:highlight>
+                <a:latin typeface="Consolas" pitchFamily="49" charset="0"/>
+                <a:ea typeface="Calibri"/>
+                <a:cs typeface="Consolas" pitchFamily="49" charset="0"/>
+              </a:rPr>
+              <a:t>"</a:t>
+            </a:r>
+            <a:r>
+              <a:rPr lang="ru-RU" dirty="0">
+                <a:solidFill>
+                  <a:srgbClr val="0000FF"/>
+                </a:solidFill>
+                <a:effectLst>
+                  <a:glow rad="228600">
+                    <a:schemeClr val="bg1">
+                      <a:alpha val="40000"/>
+                    </a:schemeClr>
+                  </a:glow>
+                </a:effectLst>
+                <a:highlight>
+                  <a:srgbClr val="FFFFFF"/>
+                </a:highlight>
+                <a:latin typeface="Consolas" pitchFamily="49" charset="0"/>
+                <a:ea typeface="Calibri"/>
+                <a:cs typeface="Consolas" pitchFamily="49" charset="0"/>
+              </a:rPr>
+              <a:t>374</a:t>
+            </a:r>
+            <a:r>
+              <a:rPr lang="ru-RU" dirty="0">
+                <a:solidFill>
+                  <a:srgbClr val="000000"/>
+                </a:solidFill>
+                <a:effectLst>
+                  <a:glow rad="228600">
+                    <a:schemeClr val="bg1">
+                      <a:alpha val="40000"/>
+                    </a:schemeClr>
+                  </a:glow>
+                </a:effectLst>
+                <a:highlight>
+                  <a:srgbClr val="FFFFFF"/>
+                </a:highlight>
+                <a:latin typeface="Consolas" pitchFamily="49" charset="0"/>
+                <a:ea typeface="Calibri"/>
+                <a:cs typeface="Consolas" pitchFamily="49" charset="0"/>
+              </a:rPr>
+              <a:t>"</a:t>
+            </a:r>
+            <a:r>
+              <a:rPr lang="ru-RU" dirty="0">
+                <a:solidFill>
+                  <a:srgbClr val="0000FF"/>
+                </a:solidFill>
+                <a:effectLst>
+                  <a:glow rad="228600">
+                    <a:schemeClr val="bg1">
+                      <a:alpha val="40000"/>
+                    </a:schemeClr>
+                  </a:glow>
+                </a:effectLst>
+                <a:highlight>
+                  <a:srgbClr val="FFFFFF"/>
+                </a:highlight>
+                <a:latin typeface="Consolas" pitchFamily="49" charset="0"/>
+                <a:ea typeface="Calibri"/>
+                <a:cs typeface="Consolas" pitchFamily="49" charset="0"/>
+              </a:rPr>
+              <a:t> </a:t>
+            </a:r>
+            <a:r>
+              <a:rPr lang="ru-RU" dirty="0" err="1">
+                <a:solidFill>
+                  <a:srgbClr val="FF0000"/>
+                </a:solidFill>
+                <a:effectLst>
+                  <a:glow rad="228600">
+                    <a:schemeClr val="bg1">
+                      <a:alpha val="40000"/>
+                    </a:schemeClr>
+                  </a:glow>
+                </a:effectLst>
+                <a:highlight>
+                  <a:srgbClr val="FFFFFF"/>
+                </a:highlight>
+                <a:latin typeface="Consolas" pitchFamily="49" charset="0"/>
+                <a:ea typeface="Calibri"/>
+                <a:cs typeface="Consolas" pitchFamily="49" charset="0"/>
+              </a:rPr>
+              <a:t>Top</a:t>
+            </a:r>
+            <a:r>
+              <a:rPr lang="ru-RU" dirty="0">
+                <a:solidFill>
+                  <a:srgbClr val="0000FF"/>
+                </a:solidFill>
+                <a:effectLst>
+                  <a:glow rad="228600">
+                    <a:schemeClr val="bg1">
+                      <a:alpha val="40000"/>
+                    </a:schemeClr>
+                  </a:glow>
+                </a:effectLst>
+                <a:highlight>
+                  <a:srgbClr val="FFFFFF"/>
+                </a:highlight>
+                <a:latin typeface="Consolas" pitchFamily="49" charset="0"/>
+                <a:ea typeface="Calibri"/>
+                <a:cs typeface="Consolas" pitchFamily="49" charset="0"/>
+              </a:rPr>
+              <a:t>=</a:t>
+            </a:r>
+            <a:r>
+              <a:rPr lang="ru-RU" dirty="0">
+                <a:solidFill>
+                  <a:srgbClr val="000000"/>
+                </a:solidFill>
+                <a:effectLst>
+                  <a:glow rad="228600">
+                    <a:schemeClr val="bg1">
+                      <a:alpha val="40000"/>
+                    </a:schemeClr>
+                  </a:glow>
+                </a:effectLst>
+                <a:highlight>
+                  <a:srgbClr val="FFFFFF"/>
+                </a:highlight>
+                <a:latin typeface="Consolas" pitchFamily="49" charset="0"/>
+                <a:ea typeface="Calibri"/>
+                <a:cs typeface="Consolas" pitchFamily="49" charset="0"/>
+              </a:rPr>
+              <a:t>"</a:t>
+            </a:r>
+            <a:r>
+              <a:rPr lang="ru-RU" dirty="0">
+                <a:solidFill>
+                  <a:srgbClr val="0000FF"/>
+                </a:solidFill>
+                <a:effectLst>
+                  <a:glow rad="228600">
+                    <a:schemeClr val="bg1">
+                      <a:alpha val="40000"/>
+                    </a:schemeClr>
+                  </a:glow>
+                </a:effectLst>
+                <a:highlight>
+                  <a:srgbClr val="FFFFFF"/>
+                </a:highlight>
+                <a:latin typeface="Consolas" pitchFamily="49" charset="0"/>
+                <a:ea typeface="Calibri"/>
+                <a:cs typeface="Consolas" pitchFamily="49" charset="0"/>
+              </a:rPr>
+              <a:t>617</a:t>
+            </a:r>
+            <a:r>
+              <a:rPr lang="ru-RU" dirty="0">
+                <a:solidFill>
+                  <a:srgbClr val="000000"/>
+                </a:solidFill>
+                <a:effectLst>
+                  <a:glow rad="228600">
+                    <a:schemeClr val="bg1">
+                      <a:alpha val="40000"/>
+                    </a:schemeClr>
+                  </a:glow>
+                </a:effectLst>
+                <a:highlight>
+                  <a:srgbClr val="FFFFFF"/>
+                </a:highlight>
+                <a:latin typeface="Consolas" pitchFamily="49" charset="0"/>
+                <a:ea typeface="Calibri"/>
+                <a:cs typeface="Consolas" pitchFamily="49" charset="0"/>
+              </a:rPr>
+              <a:t>"</a:t>
+            </a:r>
+            <a:r>
+              <a:rPr lang="ru-RU" dirty="0">
+                <a:solidFill>
+                  <a:srgbClr val="0000FF"/>
+                </a:solidFill>
+                <a:effectLst>
+                  <a:glow rad="228600">
+                    <a:schemeClr val="bg1">
+                      <a:alpha val="40000"/>
+                    </a:schemeClr>
+                  </a:glow>
+                </a:effectLst>
+                <a:highlight>
+                  <a:srgbClr val="FFFFFF"/>
+                </a:highlight>
+                <a:latin typeface="Consolas" pitchFamily="49" charset="0"/>
+                <a:ea typeface="Calibri"/>
+                <a:cs typeface="Consolas" pitchFamily="49" charset="0"/>
+              </a:rPr>
+              <a:t> </a:t>
+            </a:r>
+            <a:r>
+              <a:rPr lang="ru-RU" dirty="0" err="1">
+                <a:solidFill>
+                  <a:srgbClr val="FF0000"/>
+                </a:solidFill>
+                <a:effectLst>
+                  <a:glow rad="228600">
+                    <a:schemeClr val="bg1">
+                      <a:alpha val="40000"/>
+                    </a:schemeClr>
+                  </a:glow>
+                </a:effectLst>
+                <a:highlight>
+                  <a:srgbClr val="FFFFFF"/>
+                </a:highlight>
+                <a:latin typeface="Consolas" pitchFamily="49" charset="0"/>
+                <a:ea typeface="Calibri"/>
+                <a:cs typeface="Consolas" pitchFamily="49" charset="0"/>
+              </a:rPr>
+              <a:t>id</a:t>
+            </a:r>
+            <a:r>
+              <a:rPr lang="ru-RU" dirty="0">
+                <a:solidFill>
+                  <a:srgbClr val="0000FF"/>
+                </a:solidFill>
+                <a:effectLst>
+                  <a:glow rad="228600">
+                    <a:schemeClr val="bg1">
+                      <a:alpha val="40000"/>
+                    </a:schemeClr>
+                  </a:glow>
+                </a:effectLst>
+                <a:highlight>
+                  <a:srgbClr val="FFFFFF"/>
+                </a:highlight>
+                <a:latin typeface="Consolas" pitchFamily="49" charset="0"/>
+                <a:ea typeface="Calibri"/>
+                <a:cs typeface="Consolas" pitchFamily="49" charset="0"/>
+              </a:rPr>
+              <a:t>=</a:t>
+            </a:r>
+            <a:r>
+              <a:rPr lang="ru-RU" dirty="0">
+                <a:solidFill>
+                  <a:srgbClr val="000000"/>
+                </a:solidFill>
+                <a:effectLst>
+                  <a:glow rad="228600">
+                    <a:schemeClr val="bg1">
+                      <a:alpha val="40000"/>
+                    </a:schemeClr>
+                  </a:glow>
+                </a:effectLst>
+                <a:highlight>
+                  <a:srgbClr val="FFFFFF"/>
+                </a:highlight>
+                <a:latin typeface="Consolas" pitchFamily="49" charset="0"/>
+                <a:ea typeface="Calibri"/>
+                <a:cs typeface="Consolas" pitchFamily="49" charset="0"/>
+              </a:rPr>
+              <a:t>"</a:t>
+            </a:r>
+            <a:r>
+              <a:rPr lang="ru-RU" dirty="0">
+                <a:solidFill>
+                  <a:srgbClr val="0000FF"/>
+                </a:solidFill>
+                <a:effectLst>
+                  <a:glow rad="228600">
+                    <a:schemeClr val="bg1">
+                      <a:alpha val="40000"/>
+                    </a:schemeClr>
+                  </a:glow>
+                </a:effectLst>
+                <a:highlight>
+                  <a:srgbClr val="FFFFFF"/>
+                </a:highlight>
+                <a:latin typeface="Consolas" pitchFamily="49" charset="0"/>
+                <a:ea typeface="Calibri"/>
+                <a:cs typeface="Consolas" pitchFamily="49" charset="0"/>
+              </a:rPr>
+              <a:t>2</a:t>
+            </a:r>
+            <a:r>
+              <a:rPr lang="ru-RU" dirty="0">
+                <a:solidFill>
+                  <a:srgbClr val="000000"/>
+                </a:solidFill>
+                <a:effectLst>
+                  <a:glow rad="228600">
+                    <a:schemeClr val="bg1">
+                      <a:alpha val="40000"/>
+                    </a:schemeClr>
+                  </a:glow>
+                </a:effectLst>
+                <a:highlight>
+                  <a:srgbClr val="FFFFFF"/>
+                </a:highlight>
+                <a:latin typeface="Consolas" pitchFamily="49" charset="0"/>
+                <a:ea typeface="Calibri"/>
+                <a:cs typeface="Consolas" pitchFamily="49" charset="0"/>
+              </a:rPr>
+              <a:t>"</a:t>
+            </a:r>
+            <a:r>
+              <a:rPr lang="ru-RU" dirty="0">
+                <a:solidFill>
+                  <a:srgbClr val="0000FF"/>
+                </a:solidFill>
+                <a:effectLst>
+                  <a:glow rad="228600">
+                    <a:schemeClr val="bg1">
+                      <a:alpha val="40000"/>
+                    </a:schemeClr>
+                  </a:glow>
+                </a:effectLst>
+                <a:highlight>
+                  <a:srgbClr val="FFFFFF"/>
+                </a:highlight>
+                <a:latin typeface="Consolas" pitchFamily="49" charset="0"/>
+                <a:ea typeface="Calibri"/>
+                <a:cs typeface="Consolas" pitchFamily="49" charset="0"/>
+              </a:rPr>
+              <a:t> /&gt;</a:t>
+            </a:r>
+            <a:endParaRPr lang="ru-RU" dirty="0">
+              <a:effectLst>
+                <a:glow rad="228600">
+                  <a:schemeClr val="bg1">
+                    <a:alpha val="40000"/>
+                  </a:schemeClr>
+                </a:glow>
+              </a:effectLst>
+              <a:latin typeface="Consolas" pitchFamily="49" charset="0"/>
+              <a:ea typeface="Calibri"/>
+              <a:cs typeface="Consolas" pitchFamily="49" charset="0"/>
+            </a:endParaRPr>
+          </a:p>
+          <a:p>
+            <a:pPr>
+              <a:lnSpc>
+                <a:spcPct val="115000"/>
+              </a:lnSpc>
+              <a:spcAft>
+                <a:spcPts val="0"/>
+              </a:spcAft>
+            </a:pPr>
+            <a:r>
+              <a:rPr lang="en-US" dirty="0" smtClean="0">
+                <a:solidFill>
+                  <a:srgbClr val="0000FF"/>
+                </a:solidFill>
+                <a:effectLst>
+                  <a:glow rad="228600">
+                    <a:schemeClr val="bg1">
+                      <a:alpha val="40000"/>
+                    </a:schemeClr>
+                  </a:glow>
+                </a:effectLst>
+                <a:highlight>
+                  <a:srgbClr val="FFFFFF"/>
+                </a:highlight>
+                <a:latin typeface="Consolas" pitchFamily="49" charset="0"/>
+                <a:ea typeface="Calibri"/>
+                <a:cs typeface="Consolas" pitchFamily="49" charset="0"/>
+              </a:rPr>
+              <a:t>  </a:t>
+            </a:r>
+            <a:r>
+              <a:rPr lang="ru-RU" dirty="0" smtClean="0">
+                <a:solidFill>
+                  <a:srgbClr val="0000FF"/>
+                </a:solidFill>
+                <a:effectLst>
+                  <a:glow rad="228600">
+                    <a:schemeClr val="bg1">
+                      <a:alpha val="40000"/>
+                    </a:schemeClr>
+                  </a:glow>
+                </a:effectLst>
+                <a:highlight>
+                  <a:srgbClr val="FFFFFF"/>
+                </a:highlight>
+                <a:latin typeface="Consolas" pitchFamily="49" charset="0"/>
+                <a:ea typeface="Calibri"/>
+                <a:cs typeface="Consolas" pitchFamily="49" charset="0"/>
+              </a:rPr>
+              <a:t>&lt;</a:t>
+            </a:r>
+            <a:r>
+              <a:rPr lang="ru-RU" dirty="0" err="1">
+                <a:solidFill>
+                  <a:srgbClr val="A31515"/>
+                </a:solidFill>
+                <a:effectLst>
+                  <a:glow rad="228600">
+                    <a:schemeClr val="bg1">
+                      <a:alpha val="40000"/>
+                    </a:schemeClr>
+                  </a:glow>
+                </a:effectLst>
+                <a:highlight>
+                  <a:srgbClr val="FFFFFF"/>
+                </a:highlight>
+                <a:latin typeface="Consolas" pitchFamily="49" charset="0"/>
+                <a:ea typeface="Calibri"/>
+                <a:cs typeface="Consolas" pitchFamily="49" charset="0"/>
+              </a:rPr>
+              <a:t>NodeControl</a:t>
+            </a:r>
+            <a:r>
+              <a:rPr lang="ru-RU" dirty="0">
+                <a:solidFill>
+                  <a:srgbClr val="0000FF"/>
+                </a:solidFill>
+                <a:effectLst>
+                  <a:glow rad="228600">
+                    <a:schemeClr val="bg1">
+                      <a:alpha val="40000"/>
+                    </a:schemeClr>
+                  </a:glow>
+                </a:effectLst>
+                <a:highlight>
+                  <a:srgbClr val="FFFFFF"/>
+                </a:highlight>
+                <a:latin typeface="Consolas" pitchFamily="49" charset="0"/>
+                <a:ea typeface="Calibri"/>
+                <a:cs typeface="Consolas" pitchFamily="49" charset="0"/>
+              </a:rPr>
+              <a:t> </a:t>
+            </a:r>
+            <a:r>
+              <a:rPr lang="ru-RU" dirty="0" err="1">
+                <a:solidFill>
+                  <a:srgbClr val="FF0000"/>
+                </a:solidFill>
+                <a:effectLst>
+                  <a:glow rad="228600">
+                    <a:schemeClr val="bg1">
+                      <a:alpha val="40000"/>
+                    </a:schemeClr>
+                  </a:glow>
+                </a:effectLst>
+                <a:highlight>
+                  <a:srgbClr val="FFFFFF"/>
+                </a:highlight>
+                <a:latin typeface="Consolas" pitchFamily="49" charset="0"/>
+                <a:ea typeface="Calibri"/>
+                <a:cs typeface="Consolas" pitchFamily="49" charset="0"/>
+              </a:rPr>
+              <a:t>Text</a:t>
+            </a:r>
+            <a:r>
+              <a:rPr lang="ru-RU" dirty="0">
+                <a:solidFill>
+                  <a:srgbClr val="0000FF"/>
+                </a:solidFill>
+                <a:effectLst>
+                  <a:glow rad="228600">
+                    <a:schemeClr val="bg1">
+                      <a:alpha val="40000"/>
+                    </a:schemeClr>
+                  </a:glow>
+                </a:effectLst>
+                <a:highlight>
+                  <a:srgbClr val="FFFFFF"/>
+                </a:highlight>
+                <a:latin typeface="Consolas" pitchFamily="49" charset="0"/>
+                <a:ea typeface="Calibri"/>
+                <a:cs typeface="Consolas" pitchFamily="49" charset="0"/>
+              </a:rPr>
+              <a:t>=</a:t>
+            </a:r>
+            <a:r>
+              <a:rPr lang="ru-RU" dirty="0">
+                <a:solidFill>
+                  <a:srgbClr val="000000"/>
+                </a:solidFill>
+                <a:effectLst>
+                  <a:glow rad="228600">
+                    <a:schemeClr val="bg1">
+                      <a:alpha val="40000"/>
+                    </a:schemeClr>
+                  </a:glow>
+                </a:effectLst>
+                <a:highlight>
+                  <a:srgbClr val="FFFFFF"/>
+                </a:highlight>
+                <a:latin typeface="Consolas" pitchFamily="49" charset="0"/>
+                <a:ea typeface="Calibri"/>
+                <a:cs typeface="Consolas" pitchFamily="49" charset="0"/>
+              </a:rPr>
+              <a:t>"</a:t>
+            </a:r>
+            <a:r>
+              <a:rPr lang="ru-RU" dirty="0" err="1">
+                <a:solidFill>
+                  <a:srgbClr val="0000FF"/>
+                </a:solidFill>
+                <a:effectLst>
+                  <a:glow rad="228600">
+                    <a:schemeClr val="bg1">
+                      <a:alpha val="40000"/>
+                    </a:schemeClr>
+                  </a:glow>
+                </a:effectLst>
+                <a:highlight>
+                  <a:srgbClr val="FFFFFF"/>
+                </a:highlight>
+                <a:latin typeface="Consolas" pitchFamily="49" charset="0"/>
+                <a:ea typeface="Calibri"/>
+                <a:cs typeface="Consolas" pitchFamily="49" charset="0"/>
+              </a:rPr>
+              <a:t>no</a:t>
+            </a:r>
+            <a:r>
+              <a:rPr lang="ru-RU" dirty="0">
+                <a:solidFill>
+                  <a:srgbClr val="0000FF"/>
+                </a:solidFill>
+                <a:effectLst>
+                  <a:glow rad="228600">
+                    <a:schemeClr val="bg1">
+                      <a:alpha val="40000"/>
+                    </a:schemeClr>
+                  </a:glow>
+                </a:effectLst>
+                <a:highlight>
+                  <a:srgbClr val="FFFFFF"/>
+                </a:highlight>
+                <a:latin typeface="Consolas" pitchFamily="49" charset="0"/>
+                <a:ea typeface="Calibri"/>
+                <a:cs typeface="Consolas" pitchFamily="49" charset="0"/>
+              </a:rPr>
+              <a:t> </a:t>
+            </a:r>
+            <a:r>
+              <a:rPr lang="ru-RU" dirty="0" err="1">
+                <a:solidFill>
+                  <a:srgbClr val="0000FF"/>
+                </a:solidFill>
+                <a:effectLst>
+                  <a:glow rad="228600">
+                    <a:schemeClr val="bg1">
+                      <a:alpha val="40000"/>
+                    </a:schemeClr>
+                  </a:glow>
+                </a:effectLst>
+                <a:highlight>
+                  <a:srgbClr val="FFFFFF"/>
+                </a:highlight>
+                <a:latin typeface="Consolas" pitchFamily="49" charset="0"/>
+                <a:ea typeface="Calibri"/>
+                <a:cs typeface="Consolas" pitchFamily="49" charset="0"/>
+              </a:rPr>
+              <a:t>caption</a:t>
+            </a:r>
+            <a:r>
+              <a:rPr lang="ru-RU" dirty="0">
+                <a:solidFill>
+                  <a:srgbClr val="000000"/>
+                </a:solidFill>
+                <a:effectLst>
+                  <a:glow rad="228600">
+                    <a:schemeClr val="bg1">
+                      <a:alpha val="40000"/>
+                    </a:schemeClr>
+                  </a:glow>
+                </a:effectLst>
+                <a:highlight>
+                  <a:srgbClr val="FFFFFF"/>
+                </a:highlight>
+                <a:latin typeface="Consolas" pitchFamily="49" charset="0"/>
+                <a:ea typeface="Calibri"/>
+                <a:cs typeface="Consolas" pitchFamily="49" charset="0"/>
+              </a:rPr>
+              <a:t>"</a:t>
+            </a:r>
+            <a:r>
+              <a:rPr lang="ru-RU" dirty="0">
+                <a:solidFill>
+                  <a:srgbClr val="0000FF"/>
+                </a:solidFill>
+                <a:effectLst>
+                  <a:glow rad="228600">
+                    <a:schemeClr val="bg1">
+                      <a:alpha val="40000"/>
+                    </a:schemeClr>
+                  </a:glow>
+                </a:effectLst>
+                <a:highlight>
+                  <a:srgbClr val="FFFFFF"/>
+                </a:highlight>
+                <a:latin typeface="Consolas" pitchFamily="49" charset="0"/>
+                <a:ea typeface="Calibri"/>
+                <a:cs typeface="Consolas" pitchFamily="49" charset="0"/>
+              </a:rPr>
+              <a:t> </a:t>
+            </a:r>
+            <a:r>
+              <a:rPr lang="ru-RU" dirty="0" err="1">
+                <a:solidFill>
+                  <a:srgbClr val="FF0000"/>
+                </a:solidFill>
+                <a:effectLst>
+                  <a:glow rad="228600">
+                    <a:schemeClr val="bg1">
+                      <a:alpha val="40000"/>
+                    </a:schemeClr>
+                  </a:glow>
+                </a:effectLst>
+                <a:highlight>
+                  <a:srgbClr val="FFFFFF"/>
+                </a:highlight>
+                <a:latin typeface="Consolas" pitchFamily="49" charset="0"/>
+                <a:ea typeface="Calibri"/>
+                <a:cs typeface="Consolas" pitchFamily="49" charset="0"/>
+              </a:rPr>
+              <a:t>Left</a:t>
+            </a:r>
+            <a:r>
+              <a:rPr lang="ru-RU" dirty="0">
+                <a:solidFill>
+                  <a:srgbClr val="0000FF"/>
+                </a:solidFill>
+                <a:effectLst>
+                  <a:glow rad="228600">
+                    <a:schemeClr val="bg1">
+                      <a:alpha val="40000"/>
+                    </a:schemeClr>
+                  </a:glow>
+                </a:effectLst>
+                <a:highlight>
+                  <a:srgbClr val="FFFFFF"/>
+                </a:highlight>
+                <a:latin typeface="Consolas" pitchFamily="49" charset="0"/>
+                <a:ea typeface="Calibri"/>
+                <a:cs typeface="Consolas" pitchFamily="49" charset="0"/>
+              </a:rPr>
+              <a:t>=</a:t>
+            </a:r>
+            <a:r>
+              <a:rPr lang="ru-RU" dirty="0">
+                <a:solidFill>
+                  <a:srgbClr val="000000"/>
+                </a:solidFill>
+                <a:effectLst>
+                  <a:glow rad="228600">
+                    <a:schemeClr val="bg1">
+                      <a:alpha val="40000"/>
+                    </a:schemeClr>
+                  </a:glow>
+                </a:effectLst>
+                <a:highlight>
+                  <a:srgbClr val="FFFFFF"/>
+                </a:highlight>
+                <a:latin typeface="Consolas" pitchFamily="49" charset="0"/>
+                <a:ea typeface="Calibri"/>
+                <a:cs typeface="Consolas" pitchFamily="49" charset="0"/>
+              </a:rPr>
+              <a:t>"</a:t>
+            </a:r>
+            <a:r>
+              <a:rPr lang="ru-RU" dirty="0">
+                <a:solidFill>
+                  <a:srgbClr val="0000FF"/>
+                </a:solidFill>
+                <a:effectLst>
+                  <a:glow rad="228600">
+                    <a:schemeClr val="bg1">
+                      <a:alpha val="40000"/>
+                    </a:schemeClr>
+                  </a:glow>
+                </a:effectLst>
+                <a:highlight>
+                  <a:srgbClr val="FFFFFF"/>
+                </a:highlight>
+                <a:latin typeface="Consolas" pitchFamily="49" charset="0"/>
+                <a:ea typeface="Calibri"/>
+                <a:cs typeface="Consolas" pitchFamily="49" charset="0"/>
+              </a:rPr>
+              <a:t>140</a:t>
+            </a:r>
+            <a:r>
+              <a:rPr lang="ru-RU" dirty="0">
+                <a:solidFill>
+                  <a:srgbClr val="000000"/>
+                </a:solidFill>
+                <a:effectLst>
+                  <a:glow rad="228600">
+                    <a:schemeClr val="bg1">
+                      <a:alpha val="40000"/>
+                    </a:schemeClr>
+                  </a:glow>
+                </a:effectLst>
+                <a:highlight>
+                  <a:srgbClr val="FFFFFF"/>
+                </a:highlight>
+                <a:latin typeface="Consolas" pitchFamily="49" charset="0"/>
+                <a:ea typeface="Calibri"/>
+                <a:cs typeface="Consolas" pitchFamily="49" charset="0"/>
+              </a:rPr>
+              <a:t>"</a:t>
+            </a:r>
+            <a:r>
+              <a:rPr lang="ru-RU" dirty="0">
+                <a:solidFill>
+                  <a:srgbClr val="0000FF"/>
+                </a:solidFill>
+                <a:effectLst>
+                  <a:glow rad="228600">
+                    <a:schemeClr val="bg1">
+                      <a:alpha val="40000"/>
+                    </a:schemeClr>
+                  </a:glow>
+                </a:effectLst>
+                <a:highlight>
+                  <a:srgbClr val="FFFFFF"/>
+                </a:highlight>
+                <a:latin typeface="Consolas" pitchFamily="49" charset="0"/>
+                <a:ea typeface="Calibri"/>
+                <a:cs typeface="Consolas" pitchFamily="49" charset="0"/>
+              </a:rPr>
+              <a:t> </a:t>
+            </a:r>
+            <a:r>
+              <a:rPr lang="ru-RU" dirty="0" err="1">
+                <a:solidFill>
+                  <a:srgbClr val="FF0000"/>
+                </a:solidFill>
+                <a:effectLst>
+                  <a:glow rad="228600">
+                    <a:schemeClr val="bg1">
+                      <a:alpha val="40000"/>
+                    </a:schemeClr>
+                  </a:glow>
+                </a:effectLst>
+                <a:highlight>
+                  <a:srgbClr val="FFFFFF"/>
+                </a:highlight>
+                <a:latin typeface="Consolas" pitchFamily="49" charset="0"/>
+                <a:ea typeface="Calibri"/>
+                <a:cs typeface="Consolas" pitchFamily="49" charset="0"/>
+              </a:rPr>
+              <a:t>Top</a:t>
+            </a:r>
+            <a:r>
+              <a:rPr lang="ru-RU" dirty="0">
+                <a:solidFill>
+                  <a:srgbClr val="0000FF"/>
+                </a:solidFill>
+                <a:effectLst>
+                  <a:glow rad="228600">
+                    <a:schemeClr val="bg1">
+                      <a:alpha val="40000"/>
+                    </a:schemeClr>
+                  </a:glow>
+                </a:effectLst>
+                <a:highlight>
+                  <a:srgbClr val="FFFFFF"/>
+                </a:highlight>
+                <a:latin typeface="Consolas" pitchFamily="49" charset="0"/>
+                <a:ea typeface="Calibri"/>
+                <a:cs typeface="Consolas" pitchFamily="49" charset="0"/>
+              </a:rPr>
+              <a:t>=</a:t>
+            </a:r>
+            <a:r>
+              <a:rPr lang="ru-RU" dirty="0">
+                <a:solidFill>
+                  <a:srgbClr val="000000"/>
+                </a:solidFill>
+                <a:effectLst>
+                  <a:glow rad="228600">
+                    <a:schemeClr val="bg1">
+                      <a:alpha val="40000"/>
+                    </a:schemeClr>
+                  </a:glow>
+                </a:effectLst>
+                <a:highlight>
+                  <a:srgbClr val="FFFFFF"/>
+                </a:highlight>
+                <a:latin typeface="Consolas" pitchFamily="49" charset="0"/>
+                <a:ea typeface="Calibri"/>
+                <a:cs typeface="Consolas" pitchFamily="49" charset="0"/>
+              </a:rPr>
+              <a:t>"</a:t>
+            </a:r>
+            <a:r>
+              <a:rPr lang="ru-RU" dirty="0">
+                <a:solidFill>
+                  <a:srgbClr val="0000FF"/>
+                </a:solidFill>
+                <a:effectLst>
+                  <a:glow rad="228600">
+                    <a:schemeClr val="bg1">
+                      <a:alpha val="40000"/>
+                    </a:schemeClr>
+                  </a:glow>
+                </a:effectLst>
+                <a:highlight>
+                  <a:srgbClr val="FFFFFF"/>
+                </a:highlight>
+                <a:latin typeface="Consolas" pitchFamily="49" charset="0"/>
+                <a:ea typeface="Calibri"/>
+                <a:cs typeface="Consolas" pitchFamily="49" charset="0"/>
+              </a:rPr>
+              <a:t>737</a:t>
+            </a:r>
+            <a:r>
+              <a:rPr lang="ru-RU" dirty="0">
+                <a:solidFill>
+                  <a:srgbClr val="000000"/>
+                </a:solidFill>
+                <a:effectLst>
+                  <a:glow rad="228600">
+                    <a:schemeClr val="bg1">
+                      <a:alpha val="40000"/>
+                    </a:schemeClr>
+                  </a:glow>
+                </a:effectLst>
+                <a:highlight>
+                  <a:srgbClr val="FFFFFF"/>
+                </a:highlight>
+                <a:latin typeface="Consolas" pitchFamily="49" charset="0"/>
+                <a:ea typeface="Calibri"/>
+                <a:cs typeface="Consolas" pitchFamily="49" charset="0"/>
+              </a:rPr>
+              <a:t>"</a:t>
+            </a:r>
+            <a:r>
+              <a:rPr lang="ru-RU" dirty="0">
+                <a:solidFill>
+                  <a:srgbClr val="0000FF"/>
+                </a:solidFill>
+                <a:effectLst>
+                  <a:glow rad="228600">
+                    <a:schemeClr val="bg1">
+                      <a:alpha val="40000"/>
+                    </a:schemeClr>
+                  </a:glow>
+                </a:effectLst>
+                <a:highlight>
+                  <a:srgbClr val="FFFFFF"/>
+                </a:highlight>
+                <a:latin typeface="Consolas" pitchFamily="49" charset="0"/>
+                <a:ea typeface="Calibri"/>
+                <a:cs typeface="Consolas" pitchFamily="49" charset="0"/>
+              </a:rPr>
+              <a:t> </a:t>
+            </a:r>
+            <a:r>
+              <a:rPr lang="ru-RU" dirty="0" err="1">
+                <a:solidFill>
+                  <a:srgbClr val="FF0000"/>
+                </a:solidFill>
+                <a:effectLst>
+                  <a:glow rad="228600">
+                    <a:schemeClr val="bg1">
+                      <a:alpha val="40000"/>
+                    </a:schemeClr>
+                  </a:glow>
+                </a:effectLst>
+                <a:highlight>
+                  <a:srgbClr val="FFFFFF"/>
+                </a:highlight>
+                <a:latin typeface="Consolas" pitchFamily="49" charset="0"/>
+                <a:ea typeface="Calibri"/>
+                <a:cs typeface="Consolas" pitchFamily="49" charset="0"/>
+              </a:rPr>
+              <a:t>id</a:t>
+            </a:r>
+            <a:r>
+              <a:rPr lang="ru-RU" dirty="0">
+                <a:solidFill>
+                  <a:srgbClr val="0000FF"/>
+                </a:solidFill>
+                <a:effectLst>
+                  <a:glow rad="228600">
+                    <a:schemeClr val="bg1">
+                      <a:alpha val="40000"/>
+                    </a:schemeClr>
+                  </a:glow>
+                </a:effectLst>
+                <a:highlight>
+                  <a:srgbClr val="FFFFFF"/>
+                </a:highlight>
+                <a:latin typeface="Consolas" pitchFamily="49" charset="0"/>
+                <a:ea typeface="Calibri"/>
+                <a:cs typeface="Consolas" pitchFamily="49" charset="0"/>
+              </a:rPr>
+              <a:t>=</a:t>
+            </a:r>
+            <a:r>
+              <a:rPr lang="ru-RU" dirty="0">
+                <a:solidFill>
+                  <a:srgbClr val="000000"/>
+                </a:solidFill>
+                <a:effectLst>
+                  <a:glow rad="228600">
+                    <a:schemeClr val="bg1">
+                      <a:alpha val="40000"/>
+                    </a:schemeClr>
+                  </a:glow>
+                </a:effectLst>
+                <a:highlight>
+                  <a:srgbClr val="FFFFFF"/>
+                </a:highlight>
+                <a:latin typeface="Consolas" pitchFamily="49" charset="0"/>
+                <a:ea typeface="Calibri"/>
+                <a:cs typeface="Consolas" pitchFamily="49" charset="0"/>
+              </a:rPr>
+              <a:t>"</a:t>
+            </a:r>
+            <a:r>
+              <a:rPr lang="ru-RU" dirty="0">
+                <a:solidFill>
+                  <a:srgbClr val="0000FF"/>
+                </a:solidFill>
+                <a:effectLst>
+                  <a:glow rad="228600">
+                    <a:schemeClr val="bg1">
+                      <a:alpha val="40000"/>
+                    </a:schemeClr>
+                  </a:glow>
+                </a:effectLst>
+                <a:highlight>
+                  <a:srgbClr val="FFFFFF"/>
+                </a:highlight>
+                <a:latin typeface="Consolas" pitchFamily="49" charset="0"/>
+                <a:ea typeface="Calibri"/>
+                <a:cs typeface="Consolas" pitchFamily="49" charset="0"/>
+              </a:rPr>
+              <a:t>5</a:t>
+            </a:r>
+            <a:r>
+              <a:rPr lang="ru-RU" dirty="0">
+                <a:solidFill>
+                  <a:srgbClr val="000000"/>
+                </a:solidFill>
+                <a:effectLst>
+                  <a:glow rad="228600">
+                    <a:schemeClr val="bg1">
+                      <a:alpha val="40000"/>
+                    </a:schemeClr>
+                  </a:glow>
+                </a:effectLst>
+                <a:highlight>
+                  <a:srgbClr val="FFFFFF"/>
+                </a:highlight>
+                <a:latin typeface="Consolas" pitchFamily="49" charset="0"/>
+                <a:ea typeface="Calibri"/>
+                <a:cs typeface="Consolas" pitchFamily="49" charset="0"/>
+              </a:rPr>
+              <a:t>"</a:t>
+            </a:r>
+            <a:r>
+              <a:rPr lang="ru-RU" dirty="0">
+                <a:solidFill>
+                  <a:srgbClr val="0000FF"/>
+                </a:solidFill>
+                <a:effectLst>
+                  <a:glow rad="228600">
+                    <a:schemeClr val="bg1">
+                      <a:alpha val="40000"/>
+                    </a:schemeClr>
+                  </a:glow>
+                </a:effectLst>
+                <a:highlight>
+                  <a:srgbClr val="FFFFFF"/>
+                </a:highlight>
+                <a:latin typeface="Consolas" pitchFamily="49" charset="0"/>
+                <a:ea typeface="Calibri"/>
+                <a:cs typeface="Consolas" pitchFamily="49" charset="0"/>
+              </a:rPr>
+              <a:t> </a:t>
+            </a:r>
+            <a:r>
+              <a:rPr lang="ru-RU" dirty="0" smtClean="0">
+                <a:solidFill>
+                  <a:srgbClr val="0000FF"/>
+                </a:solidFill>
+                <a:effectLst>
+                  <a:glow rad="228600">
+                    <a:schemeClr val="bg1">
+                      <a:alpha val="40000"/>
+                    </a:schemeClr>
+                  </a:glow>
+                </a:effectLst>
+                <a:highlight>
+                  <a:srgbClr val="FFFFFF"/>
+                </a:highlight>
+                <a:latin typeface="Consolas" pitchFamily="49" charset="0"/>
+                <a:ea typeface="Calibri"/>
+                <a:cs typeface="Consolas" pitchFamily="49" charset="0"/>
+              </a:rPr>
+              <a:t>/&gt;</a:t>
+            </a:r>
+            <a:endParaRPr lang="en-US" dirty="0">
+              <a:solidFill>
+                <a:srgbClr val="0000FF"/>
+              </a:solidFill>
+              <a:effectLst>
+                <a:glow rad="228600">
+                  <a:schemeClr val="bg1">
+                    <a:alpha val="40000"/>
+                  </a:schemeClr>
+                </a:glow>
+              </a:effectLst>
+              <a:highlight>
+                <a:srgbClr val="FFFFFF"/>
+              </a:highlight>
+              <a:latin typeface="Consolas" pitchFamily="49" charset="0"/>
+              <a:ea typeface="Calibri"/>
+              <a:cs typeface="Consolas" pitchFamily="49" charset="0"/>
+            </a:endParaRPr>
+          </a:p>
+          <a:p>
+            <a:pPr>
+              <a:lnSpc>
+                <a:spcPct val="115000"/>
+              </a:lnSpc>
+              <a:spcAft>
+                <a:spcPts val="0"/>
+              </a:spcAft>
+            </a:pPr>
+            <a:r>
+              <a:rPr lang="en-US" dirty="0" smtClean="0">
+                <a:solidFill>
+                  <a:srgbClr val="0000FF"/>
+                </a:solidFill>
+                <a:effectLst>
+                  <a:glow rad="228600">
+                    <a:schemeClr val="bg1">
+                      <a:alpha val="40000"/>
+                    </a:schemeClr>
+                  </a:glow>
+                </a:effectLst>
+                <a:highlight>
+                  <a:srgbClr val="FFFFFF"/>
+                </a:highlight>
+                <a:latin typeface="Consolas" pitchFamily="49" charset="0"/>
+                <a:ea typeface="Calibri"/>
+                <a:cs typeface="Consolas" pitchFamily="49" charset="0"/>
+              </a:rPr>
+              <a:t>  </a:t>
+            </a:r>
+            <a:r>
+              <a:rPr lang="ru-RU" dirty="0" smtClean="0">
+                <a:solidFill>
+                  <a:srgbClr val="0000FF"/>
+                </a:solidFill>
+                <a:effectLst>
+                  <a:glow rad="228600">
+                    <a:schemeClr val="bg1">
+                      <a:alpha val="40000"/>
+                    </a:schemeClr>
+                  </a:glow>
+                </a:effectLst>
+                <a:highlight>
+                  <a:srgbClr val="FFFFFF"/>
+                </a:highlight>
+                <a:latin typeface="Consolas" pitchFamily="49" charset="0"/>
+                <a:ea typeface="Calibri"/>
+                <a:cs typeface="Consolas" pitchFamily="49" charset="0"/>
+              </a:rPr>
+              <a:t>&lt;</a:t>
+            </a:r>
+            <a:r>
+              <a:rPr lang="ru-RU" dirty="0" err="1" smtClean="0">
+                <a:solidFill>
+                  <a:srgbClr val="A31515"/>
+                </a:solidFill>
+                <a:effectLst>
+                  <a:glow rad="228600">
+                    <a:schemeClr val="bg1">
+                      <a:alpha val="40000"/>
+                    </a:schemeClr>
+                  </a:glow>
+                </a:effectLst>
+                <a:highlight>
+                  <a:srgbClr val="FFFFFF"/>
+                </a:highlight>
+                <a:latin typeface="Consolas" pitchFamily="49" charset="0"/>
+                <a:ea typeface="Calibri"/>
+                <a:cs typeface="Consolas" pitchFamily="49" charset="0"/>
+              </a:rPr>
+              <a:t>LinkControl</a:t>
+            </a:r>
+            <a:r>
+              <a:rPr lang="ru-RU" dirty="0" smtClean="0">
+                <a:solidFill>
+                  <a:srgbClr val="0000FF"/>
+                </a:solidFill>
+                <a:effectLst>
+                  <a:glow rad="228600">
+                    <a:schemeClr val="bg1">
+                      <a:alpha val="40000"/>
+                    </a:schemeClr>
+                  </a:glow>
+                </a:effectLst>
+                <a:highlight>
+                  <a:srgbClr val="FFFFFF"/>
+                </a:highlight>
+                <a:latin typeface="Consolas" pitchFamily="49" charset="0"/>
+                <a:ea typeface="Calibri"/>
+                <a:cs typeface="Consolas" pitchFamily="49" charset="0"/>
+              </a:rPr>
+              <a:t> </a:t>
+            </a:r>
+            <a:r>
+              <a:rPr lang="ru-RU" dirty="0" smtClean="0">
+                <a:solidFill>
+                  <a:srgbClr val="FF0000"/>
+                </a:solidFill>
+                <a:effectLst>
+                  <a:glow rad="228600">
+                    <a:schemeClr val="bg1">
+                      <a:alpha val="40000"/>
+                    </a:schemeClr>
+                  </a:glow>
+                </a:effectLst>
+                <a:highlight>
+                  <a:srgbClr val="FFFFFF"/>
+                </a:highlight>
+                <a:latin typeface="Consolas" pitchFamily="49" charset="0"/>
+                <a:ea typeface="Calibri"/>
+                <a:cs typeface="Consolas" pitchFamily="49" charset="0"/>
+              </a:rPr>
+              <a:t>Node1</a:t>
+            </a:r>
+            <a:r>
+              <a:rPr lang="ru-RU" dirty="0" smtClean="0">
+                <a:solidFill>
+                  <a:srgbClr val="0000FF"/>
+                </a:solidFill>
+                <a:effectLst>
+                  <a:glow rad="228600">
+                    <a:schemeClr val="bg1">
+                      <a:alpha val="40000"/>
+                    </a:schemeClr>
+                  </a:glow>
+                </a:effectLst>
+                <a:highlight>
+                  <a:srgbClr val="FFFFFF"/>
+                </a:highlight>
+                <a:latin typeface="Consolas" pitchFamily="49" charset="0"/>
+                <a:ea typeface="Calibri"/>
+                <a:cs typeface="Consolas" pitchFamily="49" charset="0"/>
+              </a:rPr>
+              <a:t>=</a:t>
+            </a:r>
+            <a:r>
+              <a:rPr lang="ru-RU" dirty="0" smtClean="0">
+                <a:solidFill>
+                  <a:srgbClr val="000000"/>
+                </a:solidFill>
+                <a:effectLst>
+                  <a:glow rad="228600">
+                    <a:schemeClr val="bg1">
+                      <a:alpha val="40000"/>
+                    </a:schemeClr>
+                  </a:glow>
+                </a:effectLst>
+                <a:highlight>
+                  <a:srgbClr val="FFFFFF"/>
+                </a:highlight>
+                <a:latin typeface="Consolas" pitchFamily="49" charset="0"/>
+                <a:ea typeface="Calibri"/>
+                <a:cs typeface="Consolas" pitchFamily="49" charset="0"/>
+              </a:rPr>
+              <a:t>"</a:t>
+            </a:r>
+            <a:r>
+              <a:rPr lang="ru-RU" dirty="0" smtClean="0">
+                <a:solidFill>
+                  <a:srgbClr val="0000FF"/>
+                </a:solidFill>
+                <a:effectLst>
+                  <a:glow rad="228600">
+                    <a:schemeClr val="bg1">
+                      <a:alpha val="40000"/>
+                    </a:schemeClr>
+                  </a:glow>
+                </a:effectLst>
+                <a:highlight>
+                  <a:srgbClr val="FFFFFF"/>
+                </a:highlight>
+                <a:latin typeface="Consolas" pitchFamily="49" charset="0"/>
+                <a:ea typeface="Calibri"/>
+                <a:cs typeface="Consolas" pitchFamily="49" charset="0"/>
+              </a:rPr>
+              <a:t>2</a:t>
+            </a:r>
+            <a:r>
+              <a:rPr lang="ru-RU" dirty="0" smtClean="0">
+                <a:solidFill>
+                  <a:srgbClr val="000000"/>
+                </a:solidFill>
+                <a:effectLst>
+                  <a:glow rad="228600">
+                    <a:schemeClr val="bg1">
+                      <a:alpha val="40000"/>
+                    </a:schemeClr>
+                  </a:glow>
+                </a:effectLst>
+                <a:highlight>
+                  <a:srgbClr val="FFFFFF"/>
+                </a:highlight>
+                <a:latin typeface="Consolas" pitchFamily="49" charset="0"/>
+                <a:ea typeface="Calibri"/>
+                <a:cs typeface="Consolas" pitchFamily="49" charset="0"/>
+              </a:rPr>
+              <a:t>"</a:t>
+            </a:r>
+            <a:r>
+              <a:rPr lang="ru-RU" dirty="0" smtClean="0">
+                <a:solidFill>
+                  <a:srgbClr val="0000FF"/>
+                </a:solidFill>
+                <a:effectLst>
+                  <a:glow rad="228600">
+                    <a:schemeClr val="bg1">
+                      <a:alpha val="40000"/>
+                    </a:schemeClr>
+                  </a:glow>
+                </a:effectLst>
+                <a:highlight>
+                  <a:srgbClr val="FFFFFF"/>
+                </a:highlight>
+                <a:latin typeface="Consolas" pitchFamily="49" charset="0"/>
+                <a:ea typeface="Calibri"/>
+                <a:cs typeface="Consolas" pitchFamily="49" charset="0"/>
+              </a:rPr>
+              <a:t> </a:t>
+            </a:r>
+            <a:r>
+              <a:rPr lang="ru-RU" dirty="0" smtClean="0">
+                <a:solidFill>
+                  <a:srgbClr val="FF0000"/>
+                </a:solidFill>
+                <a:effectLst>
+                  <a:glow rad="228600">
+                    <a:schemeClr val="bg1">
+                      <a:alpha val="40000"/>
+                    </a:schemeClr>
+                  </a:glow>
+                </a:effectLst>
+                <a:highlight>
+                  <a:srgbClr val="FFFFFF"/>
+                </a:highlight>
+                <a:latin typeface="Consolas" pitchFamily="49" charset="0"/>
+                <a:ea typeface="Calibri"/>
+                <a:cs typeface="Consolas" pitchFamily="49" charset="0"/>
+              </a:rPr>
+              <a:t>Node2</a:t>
+            </a:r>
+            <a:r>
+              <a:rPr lang="ru-RU" dirty="0" smtClean="0">
+                <a:solidFill>
+                  <a:srgbClr val="0000FF"/>
+                </a:solidFill>
+                <a:effectLst>
+                  <a:glow rad="228600">
+                    <a:schemeClr val="bg1">
+                      <a:alpha val="40000"/>
+                    </a:schemeClr>
+                  </a:glow>
+                </a:effectLst>
+                <a:highlight>
+                  <a:srgbClr val="FFFFFF"/>
+                </a:highlight>
+                <a:latin typeface="Consolas" pitchFamily="49" charset="0"/>
+                <a:ea typeface="Calibri"/>
+                <a:cs typeface="Consolas" pitchFamily="49" charset="0"/>
+              </a:rPr>
+              <a:t>=</a:t>
+            </a:r>
+            <a:r>
+              <a:rPr lang="ru-RU" dirty="0" smtClean="0">
+                <a:solidFill>
+                  <a:srgbClr val="000000"/>
+                </a:solidFill>
+                <a:effectLst>
+                  <a:glow rad="228600">
+                    <a:schemeClr val="bg1">
+                      <a:alpha val="40000"/>
+                    </a:schemeClr>
+                  </a:glow>
+                </a:effectLst>
+                <a:highlight>
+                  <a:srgbClr val="FFFFFF"/>
+                </a:highlight>
+                <a:latin typeface="Consolas" pitchFamily="49" charset="0"/>
+                <a:ea typeface="Calibri"/>
+                <a:cs typeface="Consolas" pitchFamily="49" charset="0"/>
+              </a:rPr>
+              <a:t>"</a:t>
+            </a:r>
+            <a:r>
+              <a:rPr lang="ru-RU" dirty="0" smtClean="0">
+                <a:solidFill>
+                  <a:srgbClr val="0000FF"/>
+                </a:solidFill>
+                <a:effectLst>
+                  <a:glow rad="228600">
+                    <a:schemeClr val="bg1">
+                      <a:alpha val="40000"/>
+                    </a:schemeClr>
+                  </a:glow>
+                </a:effectLst>
+                <a:highlight>
+                  <a:srgbClr val="FFFFFF"/>
+                </a:highlight>
+                <a:latin typeface="Consolas" pitchFamily="49" charset="0"/>
+                <a:ea typeface="Calibri"/>
+                <a:cs typeface="Consolas" pitchFamily="49" charset="0"/>
+              </a:rPr>
+              <a:t>5</a:t>
+            </a:r>
+            <a:r>
+              <a:rPr lang="ru-RU" dirty="0" smtClean="0">
+                <a:solidFill>
+                  <a:srgbClr val="000000"/>
+                </a:solidFill>
+                <a:effectLst>
+                  <a:glow rad="228600">
+                    <a:schemeClr val="bg1">
+                      <a:alpha val="40000"/>
+                    </a:schemeClr>
+                  </a:glow>
+                </a:effectLst>
+                <a:highlight>
+                  <a:srgbClr val="FFFFFF"/>
+                </a:highlight>
+                <a:latin typeface="Consolas" pitchFamily="49" charset="0"/>
+                <a:ea typeface="Calibri"/>
+                <a:cs typeface="Consolas" pitchFamily="49" charset="0"/>
+              </a:rPr>
+              <a:t>"</a:t>
+            </a:r>
+            <a:r>
+              <a:rPr lang="ru-RU" dirty="0" smtClean="0">
+                <a:solidFill>
+                  <a:srgbClr val="0000FF"/>
+                </a:solidFill>
+                <a:effectLst>
+                  <a:glow rad="228600">
+                    <a:schemeClr val="bg1">
+                      <a:alpha val="40000"/>
+                    </a:schemeClr>
+                  </a:glow>
+                </a:effectLst>
+                <a:highlight>
+                  <a:srgbClr val="FFFFFF"/>
+                </a:highlight>
+                <a:latin typeface="Consolas" pitchFamily="49" charset="0"/>
+                <a:ea typeface="Calibri"/>
+                <a:cs typeface="Consolas" pitchFamily="49" charset="0"/>
+              </a:rPr>
+              <a:t> </a:t>
+            </a:r>
+            <a:r>
+              <a:rPr lang="ru-RU" dirty="0" err="1" smtClean="0">
+                <a:solidFill>
+                  <a:srgbClr val="FF0000"/>
+                </a:solidFill>
+                <a:effectLst>
+                  <a:glow rad="228600">
+                    <a:schemeClr val="bg1">
+                      <a:alpha val="40000"/>
+                    </a:schemeClr>
+                  </a:glow>
+                </a:effectLst>
+                <a:highlight>
+                  <a:srgbClr val="FFFFFF"/>
+                </a:highlight>
+                <a:latin typeface="Consolas" pitchFamily="49" charset="0"/>
+                <a:ea typeface="Calibri"/>
+                <a:cs typeface="Consolas" pitchFamily="49" charset="0"/>
+              </a:rPr>
+              <a:t>id</a:t>
+            </a:r>
+            <a:r>
+              <a:rPr lang="ru-RU" dirty="0" smtClean="0">
+                <a:solidFill>
+                  <a:srgbClr val="0000FF"/>
+                </a:solidFill>
+                <a:effectLst>
+                  <a:glow rad="228600">
+                    <a:schemeClr val="bg1">
+                      <a:alpha val="40000"/>
+                    </a:schemeClr>
+                  </a:glow>
+                </a:effectLst>
+                <a:highlight>
+                  <a:srgbClr val="FFFFFF"/>
+                </a:highlight>
+                <a:latin typeface="Consolas" pitchFamily="49" charset="0"/>
+                <a:ea typeface="Calibri"/>
+                <a:cs typeface="Consolas" pitchFamily="49" charset="0"/>
+              </a:rPr>
+              <a:t>=</a:t>
+            </a:r>
+            <a:r>
+              <a:rPr lang="ru-RU" dirty="0" smtClean="0">
+                <a:solidFill>
+                  <a:srgbClr val="000000"/>
+                </a:solidFill>
+                <a:effectLst>
+                  <a:glow rad="228600">
+                    <a:schemeClr val="bg1">
+                      <a:alpha val="40000"/>
+                    </a:schemeClr>
+                  </a:glow>
+                </a:effectLst>
+                <a:highlight>
+                  <a:srgbClr val="FFFFFF"/>
+                </a:highlight>
+                <a:latin typeface="Consolas" pitchFamily="49" charset="0"/>
+                <a:ea typeface="Calibri"/>
+                <a:cs typeface="Consolas" pitchFamily="49" charset="0"/>
+              </a:rPr>
+              <a:t>"</a:t>
+            </a:r>
+            <a:r>
+              <a:rPr lang="ru-RU" dirty="0" smtClean="0">
+                <a:solidFill>
+                  <a:srgbClr val="0000FF"/>
+                </a:solidFill>
+                <a:effectLst>
+                  <a:glow rad="228600">
+                    <a:schemeClr val="bg1">
+                      <a:alpha val="40000"/>
+                    </a:schemeClr>
+                  </a:glow>
+                </a:effectLst>
+                <a:highlight>
+                  <a:srgbClr val="FFFFFF"/>
+                </a:highlight>
+                <a:latin typeface="Consolas" pitchFamily="49" charset="0"/>
+                <a:ea typeface="Calibri"/>
+                <a:cs typeface="Consolas" pitchFamily="49" charset="0"/>
+              </a:rPr>
+              <a:t>20</a:t>
+            </a:r>
+            <a:r>
+              <a:rPr lang="ru-RU" dirty="0" smtClean="0">
+                <a:solidFill>
+                  <a:srgbClr val="000000"/>
+                </a:solidFill>
+                <a:effectLst>
+                  <a:glow rad="228600">
+                    <a:schemeClr val="bg1">
+                      <a:alpha val="40000"/>
+                    </a:schemeClr>
+                  </a:glow>
+                </a:effectLst>
+                <a:highlight>
+                  <a:srgbClr val="FFFFFF"/>
+                </a:highlight>
+                <a:latin typeface="Consolas" pitchFamily="49" charset="0"/>
+                <a:ea typeface="Calibri"/>
+                <a:cs typeface="Consolas" pitchFamily="49" charset="0"/>
+              </a:rPr>
+              <a:t>"</a:t>
+            </a:r>
+            <a:r>
+              <a:rPr lang="ru-RU" dirty="0" smtClean="0">
+                <a:solidFill>
+                  <a:srgbClr val="0000FF"/>
+                </a:solidFill>
+                <a:effectLst>
+                  <a:glow rad="228600">
+                    <a:schemeClr val="bg1">
+                      <a:alpha val="40000"/>
+                    </a:schemeClr>
+                  </a:glow>
+                </a:effectLst>
+                <a:highlight>
+                  <a:srgbClr val="FFFFFF"/>
+                </a:highlight>
+                <a:latin typeface="Consolas" pitchFamily="49" charset="0"/>
+                <a:ea typeface="Calibri"/>
+                <a:cs typeface="Consolas" pitchFamily="49" charset="0"/>
+              </a:rPr>
+              <a:t> /&gt;</a:t>
+            </a:r>
+            <a:endParaRPr lang="ru-RU" dirty="0" smtClean="0">
+              <a:effectLst>
+                <a:glow rad="228600">
+                  <a:schemeClr val="bg1">
+                    <a:alpha val="40000"/>
+                  </a:schemeClr>
+                </a:glow>
+              </a:effectLst>
+              <a:latin typeface="Consolas" pitchFamily="49" charset="0"/>
+              <a:ea typeface="Calibri"/>
+              <a:cs typeface="Consolas" pitchFamily="49" charset="0"/>
+            </a:endParaRPr>
+          </a:p>
+          <a:p>
+            <a:pPr>
+              <a:lnSpc>
+                <a:spcPct val="115000"/>
+              </a:lnSpc>
+              <a:spcAft>
+                <a:spcPts val="1000"/>
+              </a:spcAft>
+            </a:pPr>
+            <a:r>
+              <a:rPr lang="ru-RU" dirty="0" smtClean="0">
+                <a:solidFill>
+                  <a:srgbClr val="0000FF"/>
+                </a:solidFill>
+                <a:effectLst>
+                  <a:glow rad="228600">
+                    <a:schemeClr val="bg1">
+                      <a:alpha val="40000"/>
+                    </a:schemeClr>
+                  </a:glow>
+                </a:effectLst>
+                <a:highlight>
+                  <a:srgbClr val="FFFFFF"/>
+                </a:highlight>
+                <a:latin typeface="Consolas" pitchFamily="49" charset="0"/>
+                <a:ea typeface="Calibri"/>
+                <a:cs typeface="Consolas" pitchFamily="49" charset="0"/>
+              </a:rPr>
+              <a:t>&lt;/</a:t>
+            </a:r>
+            <a:r>
+              <a:rPr lang="ru-RU" dirty="0" err="1">
+                <a:solidFill>
+                  <a:srgbClr val="A31515"/>
+                </a:solidFill>
+                <a:effectLst>
+                  <a:glow rad="228600">
+                    <a:schemeClr val="bg1">
+                      <a:alpha val="40000"/>
+                    </a:schemeClr>
+                  </a:glow>
+                </a:effectLst>
+                <a:highlight>
+                  <a:srgbClr val="FFFFFF"/>
+                </a:highlight>
+                <a:latin typeface="Consolas" pitchFamily="49" charset="0"/>
+                <a:ea typeface="Calibri"/>
+                <a:cs typeface="Consolas" pitchFamily="49" charset="0"/>
+              </a:rPr>
+              <a:t>content</a:t>
+            </a:r>
+            <a:r>
+              <a:rPr lang="ru-RU" dirty="0">
+                <a:solidFill>
+                  <a:srgbClr val="0000FF"/>
+                </a:solidFill>
+                <a:effectLst>
+                  <a:glow rad="228600">
+                    <a:schemeClr val="bg1">
+                      <a:alpha val="40000"/>
+                    </a:schemeClr>
+                  </a:glow>
+                </a:effectLst>
+                <a:highlight>
+                  <a:srgbClr val="FFFFFF"/>
+                </a:highlight>
+                <a:latin typeface="Consolas" pitchFamily="49" charset="0"/>
+                <a:ea typeface="Calibri"/>
+                <a:cs typeface="Consolas" pitchFamily="49" charset="0"/>
+              </a:rPr>
+              <a:t>&gt;</a:t>
+            </a:r>
+            <a:endParaRPr lang="ru-RU" dirty="0">
+              <a:effectLst>
+                <a:glow rad="228600">
+                  <a:schemeClr val="bg1">
+                    <a:alpha val="40000"/>
+                  </a:schemeClr>
+                </a:glow>
+              </a:effectLst>
+              <a:latin typeface="Consolas" pitchFamily="49" charset="0"/>
+              <a:ea typeface="Calibri"/>
+              <a:cs typeface="Consolas" pitchFamily="49" charset="0"/>
+            </a:endParaRPr>
+          </a:p>
+        </p:txBody>
+      </p:sp>
+      <p:pic>
+        <p:nvPicPr>
+          <p:cNvPr id="5131" name="Picture 11"/>
+          <p:cNvPicPr>
+            <a:picLocks noChangeAspect="1" noChangeArrowheads="1"/>
+          </p:cNvPicPr>
+          <p:nvPr/>
+        </p:nvPicPr>
+        <p:blipFill>
+          <a:blip r:embed="rId4">
+            <a:extLst>
+              <a:ext uri="{28A0092B-C50C-407E-A947-70E740481C1C}">
+                <a14:useLocalDpi xmlns:a14="http://schemas.microsoft.com/office/drawing/2010/main" val="0"/>
+              </a:ext>
+            </a:extLst>
+          </a:blip>
+          <a:srcRect/>
+          <a:stretch>
+            <a:fillRect/>
+          </a:stretch>
+        </p:blipFill>
+        <p:spPr bwMode="auto">
+          <a:xfrm>
+            <a:off x="231874" y="3381375"/>
+            <a:ext cx="228600" cy="228600"/>
+          </a:xfrm>
+          <a:prstGeom prst="rect">
+            <a:avLst/>
+          </a:prstGeom>
+          <a:noFill/>
+          <a:ln>
+            <a:noFill/>
+          </a:ln>
+          <a:effectLst/>
+          <a:extLst>
+            <a:ext uri="{909E8E84-426E-40DD-AFC4-6F175D3DCCD1}">
+              <a14:hiddenFill xmlns:a14="http://schemas.microsoft.com/office/drawing/2010/main">
+                <a:solidFill>
+                  <a:schemeClr val="accent1"/>
+                </a:solidFill>
+              </a14:hiddenFill>
+            </a:ext>
+            <a:ext uri="{91240B29-F687-4F45-9708-019B960494DF}">
+              <a14:hiddenLine xmlns:a14="http://schemas.microsoft.com/office/drawing/2010/main" w="9525">
+                <a:solidFill>
+                  <a:schemeClr val="tx1"/>
+                </a:solidFill>
+                <a:miter lim="800000"/>
+                <a:headEnd/>
+                <a:tailEnd/>
+              </a14:hiddenLine>
+            </a:ext>
+            <a:ext uri="{AF507438-7753-43E0-B8FC-AC1667EBCBE1}">
+              <a14:hiddenEffects xmlns:a14="http://schemas.microsoft.com/office/drawing/2010/main">
+                <a:effectLst>
+                  <a:outerShdw dist="35921" dir="2700000" algn="ctr" rotWithShape="0">
+                    <a:schemeClr val="bg2"/>
+                  </a:outerShdw>
+                </a:effectLst>
+              </a14:hiddenEffects>
+            </a:ext>
+          </a:extLst>
+        </p:spPr>
+      </p:pic>
+      <p:pic>
+        <p:nvPicPr>
+          <p:cNvPr id="5132" name="Picture 12"/>
+          <p:cNvPicPr>
+            <a:picLocks noChangeAspect="1" noChangeArrowheads="1"/>
+          </p:cNvPicPr>
+          <p:nvPr/>
+        </p:nvPicPr>
+        <p:blipFill>
+          <a:blip r:embed="rId4">
+            <a:extLst>
+              <a:ext uri="{28A0092B-C50C-407E-A947-70E740481C1C}">
+                <a14:useLocalDpi xmlns:a14="http://schemas.microsoft.com/office/drawing/2010/main" val="0"/>
+              </a:ext>
+            </a:extLst>
+          </a:blip>
+          <a:srcRect/>
+          <a:stretch>
+            <a:fillRect/>
+          </a:stretch>
+        </p:blipFill>
+        <p:spPr bwMode="auto">
+          <a:xfrm>
+            <a:off x="231874" y="3686175"/>
+            <a:ext cx="228600" cy="228600"/>
+          </a:xfrm>
+          <a:prstGeom prst="rect">
+            <a:avLst/>
+          </a:prstGeom>
+          <a:noFill/>
+          <a:ln>
+            <a:noFill/>
+          </a:ln>
+          <a:effectLst/>
+          <a:extLst>
+            <a:ext uri="{909E8E84-426E-40DD-AFC4-6F175D3DCCD1}">
+              <a14:hiddenFill xmlns:a14="http://schemas.microsoft.com/office/drawing/2010/main">
+                <a:solidFill>
+                  <a:schemeClr val="accent1"/>
+                </a:solidFill>
+              </a14:hiddenFill>
+            </a:ext>
+            <a:ext uri="{91240B29-F687-4F45-9708-019B960494DF}">
+              <a14:hiddenLine xmlns:a14="http://schemas.microsoft.com/office/drawing/2010/main" w="9525">
+                <a:solidFill>
+                  <a:schemeClr val="tx1"/>
+                </a:solidFill>
+                <a:miter lim="800000"/>
+                <a:headEnd/>
+                <a:tailEnd/>
+              </a14:hiddenLine>
+            </a:ext>
+            <a:ext uri="{AF507438-7753-43E0-B8FC-AC1667EBCBE1}">
+              <a14:hiddenEffects xmlns:a14="http://schemas.microsoft.com/office/drawing/2010/main">
+                <a:effectLst>
+                  <a:outerShdw dist="35921" dir="2700000" algn="ctr" rotWithShape="0">
+                    <a:schemeClr val="bg2"/>
+                  </a:outerShdw>
+                </a:effectLst>
+              </a14:hiddenEffects>
+            </a:ext>
+          </a:extLst>
+        </p:spPr>
+      </p:pic>
+      <p:pic>
+        <p:nvPicPr>
+          <p:cNvPr id="5133" name="Picture 13"/>
+          <p:cNvPicPr>
+            <a:picLocks noChangeAspect="1" noChangeArrowheads="1"/>
+          </p:cNvPicPr>
+          <p:nvPr/>
+        </p:nvPicPr>
+        <p:blipFill>
+          <a:blip r:embed="rId5">
+            <a:extLst>
+              <a:ext uri="{28A0092B-C50C-407E-A947-70E740481C1C}">
+                <a14:useLocalDpi xmlns:a14="http://schemas.microsoft.com/office/drawing/2010/main" val="0"/>
+              </a:ext>
+            </a:extLst>
+          </a:blip>
+          <a:srcRect/>
+          <a:stretch>
+            <a:fillRect/>
+          </a:stretch>
+        </p:blipFill>
+        <p:spPr bwMode="auto">
+          <a:xfrm>
+            <a:off x="231874" y="4005064"/>
+            <a:ext cx="228600" cy="228600"/>
+          </a:xfrm>
+          <a:prstGeom prst="rect">
+            <a:avLst/>
+          </a:prstGeom>
+          <a:noFill/>
+          <a:ln>
+            <a:noFill/>
+          </a:ln>
+          <a:effectLst/>
+          <a:extLst>
+            <a:ext uri="{909E8E84-426E-40DD-AFC4-6F175D3DCCD1}">
+              <a14:hiddenFill xmlns:a14="http://schemas.microsoft.com/office/drawing/2010/main">
+                <a:solidFill>
+                  <a:schemeClr val="accent1"/>
+                </a:solidFill>
+              </a14:hiddenFill>
+            </a:ext>
+            <a:ext uri="{91240B29-F687-4F45-9708-019B960494DF}">
+              <a14:hiddenLine xmlns:a14="http://schemas.microsoft.com/office/drawing/2010/main" w="9525">
+                <a:solidFill>
+                  <a:schemeClr val="tx1"/>
+                </a:solidFill>
+                <a:miter lim="800000"/>
+                <a:headEnd/>
+                <a:tailEnd/>
+              </a14:hiddenLine>
+            </a:ext>
+            <a:ext uri="{AF507438-7753-43E0-B8FC-AC1667EBCBE1}">
+              <a14:hiddenEffects xmlns:a14="http://schemas.microsoft.com/office/drawing/2010/main">
+                <a:effectLst>
+                  <a:outerShdw dist="35921" dir="2700000" algn="ctr" rotWithShape="0">
+                    <a:schemeClr val="bg2"/>
+                  </a:outerShdw>
+                </a:effectLst>
+              </a14:hiddenEffects>
+            </a:ext>
+          </a:extLst>
+        </p:spPr>
+      </p:pic>
+      <p:sp>
+        <p:nvSpPr>
+          <p:cNvPr id="16" name="Прямоугольник 15"/>
+          <p:cNvSpPr/>
+          <p:nvPr/>
+        </p:nvSpPr>
+        <p:spPr>
+          <a:xfrm>
+            <a:off x="179512" y="2636911"/>
+            <a:ext cx="315788" cy="2003625"/>
+          </a:xfrm>
+          <a:prstGeom prst="rect">
+            <a:avLst/>
+          </a:prstGeom>
+          <a:solidFill>
+            <a:schemeClr val="accent1">
+              <a:alpha val="25000"/>
+            </a:schemeClr>
+          </a:solidFill>
+        </p:spPr>
+        <p:style>
+          <a:lnRef idx="2">
+            <a:schemeClr val="accent1">
+              <a:shade val="50000"/>
+            </a:schemeClr>
+          </a:lnRef>
+          <a:fillRef idx="1">
+            <a:schemeClr val="accent1"/>
+          </a:fillRef>
+          <a:effectRef idx="0">
+            <a:schemeClr val="accent1"/>
+          </a:effectRef>
+          <a:fontRef idx="minor">
+            <a:schemeClr val="lt1"/>
+          </a:fontRef>
+        </p:style>
+        <p:txBody>
+          <a:bodyPr rtlCol="0" anchor="ctr"/>
+          <a:lstStyle/>
+          <a:p>
+            <a:pPr algn="ctr"/>
+            <a:endParaRPr lang="ru-RU"/>
+          </a:p>
+        </p:txBody>
+      </p:sp>
     </p:spTree>
     <p:extLst>
       <p:ext uri="{BB962C8B-B14F-4D97-AF65-F5344CB8AC3E}">
-        <p14:creationId xmlns:p14="http://schemas.microsoft.com/office/powerpoint/2010/main" val="3005272018"/>
+        <p14:creationId xmlns:p14="http://schemas.microsoft.com/office/powerpoint/2010/main" val="1320271269"/>
       </p:ext>
     </p:extLst>
   </p:cSld>
@@ -3530,6 +6634,688 @@
           <a:p>
             <a:r>
               <a:rPr lang="en-US" dirty="0" smtClean="0"/>
+              <a:t>Windows Presentation Foundation</a:t>
+            </a:r>
+            <a:endParaRPr lang="ru-RU" dirty="0"/>
+          </a:p>
+        </p:txBody>
+      </p:sp>
+      <p:sp>
+        <p:nvSpPr>
+          <p:cNvPr id="3" name="Объект 2"/>
+          <p:cNvSpPr>
+            <a:spLocks noGrp="1"/>
+          </p:cNvSpPr>
+          <p:nvPr>
+            <p:ph idx="1"/>
+          </p:nvPr>
+        </p:nvSpPr>
+        <p:spPr>
+          <a:xfrm>
+            <a:off x="2483768" y="2734072"/>
+            <a:ext cx="4186808" cy="2116832"/>
+          </a:xfrm>
+        </p:spPr>
+        <p:txBody>
+          <a:bodyPr/>
+          <a:lstStyle/>
+          <a:p>
+            <a:pPr marL="0" indent="0">
+              <a:buNone/>
+            </a:pPr>
+            <a:r>
+              <a:rPr lang="en-US" dirty="0" smtClean="0"/>
+              <a:t>Hardware acceleration</a:t>
+            </a:r>
+          </a:p>
+          <a:p>
+            <a:pPr marL="0" indent="0">
+              <a:buNone/>
+            </a:pPr>
+            <a:r>
+              <a:rPr lang="en-US" dirty="0" smtClean="0"/>
+              <a:t>Resolution independent</a:t>
+            </a:r>
+          </a:p>
+          <a:p>
+            <a:pPr marL="0" indent="0">
+              <a:buNone/>
+            </a:pPr>
+            <a:r>
+              <a:rPr lang="en-US" dirty="0" smtClean="0"/>
+              <a:t>Styling</a:t>
+            </a:r>
+          </a:p>
+        </p:txBody>
+      </p:sp>
+      <p:pic>
+        <p:nvPicPr>
+          <p:cNvPr id="7171" name="Picture 3"/>
+          <p:cNvPicPr>
+            <a:picLocks noChangeAspect="1" noChangeArrowheads="1"/>
+          </p:cNvPicPr>
+          <p:nvPr/>
+        </p:nvPicPr>
+        <p:blipFill>
+          <a:blip r:embed="rId2">
+            <a:extLst>
+              <a:ext uri="{28A0092B-C50C-407E-A947-70E740481C1C}">
+                <a14:useLocalDpi xmlns:a14="http://schemas.microsoft.com/office/drawing/2010/main" val="0"/>
+              </a:ext>
+            </a:extLst>
+          </a:blip>
+          <a:srcRect/>
+          <a:stretch>
+            <a:fillRect/>
+          </a:stretch>
+        </p:blipFill>
+        <p:spPr bwMode="auto">
+          <a:xfrm>
+            <a:off x="8653463" y="7143"/>
+            <a:ext cx="457200" cy="457200"/>
+          </a:xfrm>
+          <a:prstGeom prst="rect">
+            <a:avLst/>
+          </a:prstGeom>
+          <a:noFill/>
+          <a:ln>
+            <a:noFill/>
+          </a:ln>
+          <a:effectLst/>
+          <a:extLst>
+            <a:ext uri="{909E8E84-426E-40DD-AFC4-6F175D3DCCD1}">
+              <a14:hiddenFill xmlns:a14="http://schemas.microsoft.com/office/drawing/2010/main">
+                <a:solidFill>
+                  <a:schemeClr val="accent1"/>
+                </a:solidFill>
+              </a14:hiddenFill>
+            </a:ext>
+            <a:ext uri="{91240B29-F687-4F45-9708-019B960494DF}">
+              <a14:hiddenLine xmlns:a14="http://schemas.microsoft.com/office/drawing/2010/main" w="9525">
+                <a:solidFill>
+                  <a:schemeClr val="tx1"/>
+                </a:solidFill>
+                <a:miter lim="800000"/>
+                <a:headEnd/>
+                <a:tailEnd/>
+              </a14:hiddenLine>
+            </a:ext>
+            <a:ext uri="{AF507438-7753-43E0-B8FC-AC1667EBCBE1}">
+              <a14:hiddenEffects xmlns:a14="http://schemas.microsoft.com/office/drawing/2010/main">
+                <a:effectLst>
+                  <a:outerShdw dist="35921" dir="2700000" algn="ctr" rotWithShape="0">
+                    <a:schemeClr val="bg2"/>
+                  </a:outerShdw>
+                </a:effectLst>
+              </a14:hiddenEffects>
+            </a:ext>
+          </a:extLst>
+        </p:spPr>
+      </p:pic>
+      <p:pic>
+        <p:nvPicPr>
+          <p:cNvPr id="1026" name="Picture 2"/>
+          <p:cNvPicPr>
+            <a:picLocks noChangeAspect="1" noChangeArrowheads="1"/>
+          </p:cNvPicPr>
+          <p:nvPr/>
+        </p:nvPicPr>
+        <p:blipFill>
+          <a:blip r:embed="rId3">
+            <a:extLst>
+              <a:ext uri="{28A0092B-C50C-407E-A947-70E740481C1C}">
+                <a14:useLocalDpi xmlns:a14="http://schemas.microsoft.com/office/drawing/2010/main" val="0"/>
+              </a:ext>
+            </a:extLst>
+          </a:blip>
+          <a:srcRect/>
+          <a:stretch>
+            <a:fillRect/>
+          </a:stretch>
+        </p:blipFill>
+        <p:spPr bwMode="auto">
+          <a:xfrm>
+            <a:off x="1918048" y="3410743"/>
+            <a:ext cx="457200" cy="457200"/>
+          </a:xfrm>
+          <a:prstGeom prst="rect">
+            <a:avLst/>
+          </a:prstGeom>
+          <a:noFill/>
+          <a:ln>
+            <a:noFill/>
+          </a:ln>
+          <a:effectLst/>
+          <a:extLst>
+            <a:ext uri="{909E8E84-426E-40DD-AFC4-6F175D3DCCD1}">
+              <a14:hiddenFill xmlns:a14="http://schemas.microsoft.com/office/drawing/2010/main">
+                <a:solidFill>
+                  <a:schemeClr val="accent1"/>
+                </a:solidFill>
+              </a14:hiddenFill>
+            </a:ext>
+            <a:ext uri="{91240B29-F687-4F45-9708-019B960494DF}">
+              <a14:hiddenLine xmlns:a14="http://schemas.microsoft.com/office/drawing/2010/main" w="9525">
+                <a:solidFill>
+                  <a:schemeClr val="tx1"/>
+                </a:solidFill>
+                <a:miter lim="800000"/>
+                <a:headEnd/>
+                <a:tailEnd/>
+              </a14:hiddenLine>
+            </a:ext>
+            <a:ext uri="{AF507438-7753-43E0-B8FC-AC1667EBCBE1}">
+              <a14:hiddenEffects xmlns:a14="http://schemas.microsoft.com/office/drawing/2010/main">
+                <a:effectLst>
+                  <a:outerShdw dist="35921" dir="2700000" algn="ctr" rotWithShape="0">
+                    <a:schemeClr val="bg2"/>
+                  </a:outerShdw>
+                </a:effectLst>
+              </a14:hiddenEffects>
+            </a:ext>
+          </a:extLst>
+        </p:spPr>
+      </p:pic>
+      <p:pic>
+        <p:nvPicPr>
+          <p:cNvPr id="1028" name="Picture 4"/>
+          <p:cNvPicPr>
+            <a:picLocks noChangeAspect="1" noChangeArrowheads="1"/>
+          </p:cNvPicPr>
+          <p:nvPr/>
+        </p:nvPicPr>
+        <p:blipFill>
+          <a:blip r:embed="rId4">
+            <a:extLst>
+              <a:ext uri="{28A0092B-C50C-407E-A947-70E740481C1C}">
+                <a14:useLocalDpi xmlns:a14="http://schemas.microsoft.com/office/drawing/2010/main" val="0"/>
+              </a:ext>
+            </a:extLst>
+          </a:blip>
+          <a:srcRect/>
+          <a:stretch>
+            <a:fillRect/>
+          </a:stretch>
+        </p:blipFill>
+        <p:spPr bwMode="auto">
+          <a:xfrm>
+            <a:off x="1918048" y="3986807"/>
+            <a:ext cx="457200" cy="457200"/>
+          </a:xfrm>
+          <a:prstGeom prst="rect">
+            <a:avLst/>
+          </a:prstGeom>
+          <a:noFill/>
+          <a:ln>
+            <a:noFill/>
+          </a:ln>
+          <a:effectLst/>
+          <a:extLst>
+            <a:ext uri="{909E8E84-426E-40DD-AFC4-6F175D3DCCD1}">
+              <a14:hiddenFill xmlns:a14="http://schemas.microsoft.com/office/drawing/2010/main">
+                <a:solidFill>
+                  <a:schemeClr val="accent1"/>
+                </a:solidFill>
+              </a14:hiddenFill>
+            </a:ext>
+            <a:ext uri="{91240B29-F687-4F45-9708-019B960494DF}">
+              <a14:hiddenLine xmlns:a14="http://schemas.microsoft.com/office/drawing/2010/main" w="9525">
+                <a:solidFill>
+                  <a:schemeClr val="tx1"/>
+                </a:solidFill>
+                <a:miter lim="800000"/>
+                <a:headEnd/>
+                <a:tailEnd/>
+              </a14:hiddenLine>
+            </a:ext>
+            <a:ext uri="{AF507438-7753-43E0-B8FC-AC1667EBCBE1}">
+              <a14:hiddenEffects xmlns:a14="http://schemas.microsoft.com/office/drawing/2010/main">
+                <a:effectLst>
+                  <a:outerShdw dist="35921" dir="2700000" algn="ctr" rotWithShape="0">
+                    <a:schemeClr val="bg2"/>
+                  </a:outerShdw>
+                </a:effectLst>
+              </a14:hiddenEffects>
+            </a:ext>
+          </a:extLst>
+        </p:spPr>
+      </p:pic>
+      <p:pic>
+        <p:nvPicPr>
+          <p:cNvPr id="1029" name="Picture 5"/>
+          <p:cNvPicPr>
+            <a:picLocks noChangeAspect="1" noChangeArrowheads="1"/>
+          </p:cNvPicPr>
+          <p:nvPr/>
+        </p:nvPicPr>
+        <p:blipFill>
+          <a:blip r:embed="rId5">
+            <a:extLst>
+              <a:ext uri="{28A0092B-C50C-407E-A947-70E740481C1C}">
+                <a14:useLocalDpi xmlns:a14="http://schemas.microsoft.com/office/drawing/2010/main" val="0"/>
+              </a:ext>
+            </a:extLst>
+          </a:blip>
+          <a:srcRect/>
+          <a:stretch>
+            <a:fillRect/>
+          </a:stretch>
+        </p:blipFill>
+        <p:spPr bwMode="auto">
+          <a:xfrm>
+            <a:off x="1918048" y="2780928"/>
+            <a:ext cx="457200" cy="457200"/>
+          </a:xfrm>
+          <a:prstGeom prst="rect">
+            <a:avLst/>
+          </a:prstGeom>
+          <a:noFill/>
+          <a:ln>
+            <a:noFill/>
+          </a:ln>
+          <a:effectLst/>
+          <a:extLst>
+            <a:ext uri="{909E8E84-426E-40DD-AFC4-6F175D3DCCD1}">
+              <a14:hiddenFill xmlns:a14="http://schemas.microsoft.com/office/drawing/2010/main">
+                <a:solidFill>
+                  <a:schemeClr val="accent1"/>
+                </a:solidFill>
+              </a14:hiddenFill>
+            </a:ext>
+            <a:ext uri="{91240B29-F687-4F45-9708-019B960494DF}">
+              <a14:hiddenLine xmlns:a14="http://schemas.microsoft.com/office/drawing/2010/main" w="9525">
+                <a:solidFill>
+                  <a:schemeClr val="tx1"/>
+                </a:solidFill>
+                <a:miter lim="800000"/>
+                <a:headEnd/>
+                <a:tailEnd/>
+              </a14:hiddenLine>
+            </a:ext>
+            <a:ext uri="{AF507438-7753-43E0-B8FC-AC1667EBCBE1}">
+              <a14:hiddenEffects xmlns:a14="http://schemas.microsoft.com/office/drawing/2010/main">
+                <a:effectLst>
+                  <a:outerShdw dist="35921" dir="2700000" algn="ctr" rotWithShape="0">
+                    <a:schemeClr val="bg2"/>
+                  </a:outerShdw>
+                </a:effectLst>
+              </a14:hiddenEffects>
+            </a:ext>
+          </a:extLst>
+        </p:spPr>
+      </p:pic>
+    </p:spTree>
+    <p:extLst>
+      <p:ext uri="{BB962C8B-B14F-4D97-AF65-F5344CB8AC3E}">
+        <p14:creationId xmlns:p14="http://schemas.microsoft.com/office/powerpoint/2010/main" val="1969998787"/>
+      </p:ext>
+    </p:extLst>
+  </p:cSld>
+  <p:clrMapOvr>
+    <a:masterClrMapping/>
+  </p:clrMapOvr>
+  <p:transition spd="slow">
+    <p:push/>
+  </p:transition>
+  <p:timing>
+    <p:tnLst>
+      <p:par>
+        <p:cTn id="1" dur="indefinite" restart="never" nodeType="tmRoot"/>
+      </p:par>
+    </p:tnLst>
+  </p:timing>
+</p:sld>
+</file>
+
+<file path=ppt/slides/slide12.xml><?xml version="1.0" encoding="utf-8"?>
+<p:sld xmlns:a="http://schemas.openxmlformats.org/drawingml/2006/main" xmlns:r="http://schemas.openxmlformats.org/officeDocument/2006/relationships" xmlns:p="http://schemas.openxmlformats.org/presentationml/2006/main">
+  <p:cSld>
+    <p:spTree>
+      <p:nvGrpSpPr>
+        <p:cNvPr id="1" name=""/>
+        <p:cNvGrpSpPr/>
+        <p:nvPr/>
+      </p:nvGrpSpPr>
+      <p:grpSpPr>
+        <a:xfrm>
+          <a:off x="0" y="0"/>
+          <a:ext cx="0" cy="0"/>
+          <a:chOff x="0" y="0"/>
+          <a:chExt cx="0" cy="0"/>
+        </a:xfrm>
+      </p:grpSpPr>
+      <p:pic>
+        <p:nvPicPr>
+          <p:cNvPr id="4" name="Picture 9" descr="http://thewire.vertigo.com/wp-content/uploads/devexpressDash.jpg"/>
+          <p:cNvPicPr>
+            <a:picLocks noChangeAspect="1" noChangeArrowheads="1"/>
+          </p:cNvPicPr>
+          <p:nvPr/>
+        </p:nvPicPr>
+        <p:blipFill>
+          <a:blip r:embed="rId2">
+            <a:extLst>
+              <a:ext uri="{28A0092B-C50C-407E-A947-70E740481C1C}">
+                <a14:useLocalDpi xmlns:a14="http://schemas.microsoft.com/office/drawing/2010/main" val="0"/>
+              </a:ext>
+            </a:extLst>
+          </a:blip>
+          <a:srcRect/>
+          <a:stretch>
+            <a:fillRect/>
+          </a:stretch>
+        </p:blipFill>
+        <p:spPr bwMode="auto">
+          <a:xfrm>
+            <a:off x="-24251" y="836712"/>
+            <a:ext cx="9162521" cy="5157192"/>
+          </a:xfrm>
+          <a:prstGeom prst="rect">
+            <a:avLst/>
+          </a:prstGeom>
+          <a:noFill/>
+          <a:extLst>
+            <a:ext uri="{909E8E84-426E-40DD-AFC4-6F175D3DCCD1}">
+              <a14:hiddenFill xmlns:a14="http://schemas.microsoft.com/office/drawing/2010/main">
+                <a:solidFill>
+                  <a:srgbClr val="FFFFFF"/>
+                </a:solidFill>
+              </a14:hiddenFill>
+            </a:ext>
+          </a:extLst>
+        </p:spPr>
+      </p:pic>
+    </p:spTree>
+    <p:extLst>
+      <p:ext uri="{BB962C8B-B14F-4D97-AF65-F5344CB8AC3E}">
+        <p14:creationId xmlns:p14="http://schemas.microsoft.com/office/powerpoint/2010/main" val="18147403"/>
+      </p:ext>
+    </p:extLst>
+  </p:cSld>
+  <p:clrMapOvr>
+    <a:masterClrMapping/>
+  </p:clrMapOvr>
+  <p:transition spd="slow">
+    <p:push/>
+  </p:transition>
+  <p:timing>
+    <p:tnLst>
+      <p:par>
+        <p:cTn id="1" dur="indefinite" restart="never" nodeType="tmRoot"/>
+      </p:par>
+    </p:tnLst>
+  </p:timing>
+</p:sld>
+</file>
+
+<file path=ppt/slides/slide13.xml><?xml version="1.0" encoding="utf-8"?>
+<p:sld xmlns:a="http://schemas.openxmlformats.org/drawingml/2006/main" xmlns:r="http://schemas.openxmlformats.org/officeDocument/2006/relationships" xmlns:p="http://schemas.openxmlformats.org/presentationml/2006/main">
+  <p:cSld>
+    <p:spTree>
+      <p:nvGrpSpPr>
+        <p:cNvPr id="1" name=""/>
+        <p:cNvGrpSpPr/>
+        <p:nvPr/>
+      </p:nvGrpSpPr>
+      <p:grpSpPr>
+        <a:xfrm>
+          <a:off x="0" y="0"/>
+          <a:ext cx="0" cy="0"/>
+          <a:chOff x="0" y="0"/>
+          <a:chExt cx="0" cy="0"/>
+        </a:xfrm>
+      </p:grpSpPr>
+      <p:pic>
+        <p:nvPicPr>
+          <p:cNvPr id="4" name="Picture 5"/>
+          <p:cNvPicPr>
+            <a:picLocks noChangeAspect="1" noChangeArrowheads="1"/>
+          </p:cNvPicPr>
+          <p:nvPr/>
+        </p:nvPicPr>
+        <p:blipFill>
+          <a:blip r:embed="rId2" cstate="print">
+            <a:extLst>
+              <a:ext uri="{28A0092B-C50C-407E-A947-70E740481C1C}">
+                <a14:useLocalDpi xmlns:a14="http://schemas.microsoft.com/office/drawing/2010/main" val="0"/>
+              </a:ext>
+            </a:extLst>
+          </a:blip>
+          <a:srcRect/>
+          <a:stretch>
+            <a:fillRect/>
+          </a:stretch>
+        </p:blipFill>
+        <p:spPr bwMode="auto">
+          <a:xfrm>
+            <a:off x="180653" y="2420888"/>
+            <a:ext cx="8826344" cy="3780695"/>
+          </a:xfrm>
+          <a:prstGeom prst="rect">
+            <a:avLst/>
+          </a:prstGeom>
+          <a:noFill/>
+          <a:ln>
+            <a:noFill/>
+          </a:ln>
+          <a:effectLst/>
+          <a:extLst>
+            <a:ext uri="{909E8E84-426E-40DD-AFC4-6F175D3DCCD1}">
+              <a14:hiddenFill xmlns:a14="http://schemas.microsoft.com/office/drawing/2010/main">
+                <a:solidFill>
+                  <a:schemeClr val="accent1"/>
+                </a:solidFill>
+              </a14:hiddenFill>
+            </a:ext>
+            <a:ext uri="{91240B29-F687-4F45-9708-019B960494DF}">
+              <a14:hiddenLine xmlns:a14="http://schemas.microsoft.com/office/drawing/2010/main" w="9525">
+                <a:solidFill>
+                  <a:schemeClr val="tx1"/>
+                </a:solidFill>
+                <a:miter lim="800000"/>
+                <a:headEnd/>
+                <a:tailEnd/>
+              </a14:hiddenLine>
+            </a:ext>
+            <a:ext uri="{AF507438-7753-43E0-B8FC-AC1667EBCBE1}">
+              <a14:hiddenEffects xmlns:a14="http://schemas.microsoft.com/office/drawing/2010/main">
+                <a:effectLst>
+                  <a:outerShdw dist="35921" dir="2700000" algn="ctr" rotWithShape="0">
+                    <a:schemeClr val="bg2"/>
+                  </a:outerShdw>
+                </a:effectLst>
+              </a14:hiddenEffects>
+            </a:ext>
+          </a:extLst>
+        </p:spPr>
+      </p:pic>
+      <p:sp>
+        <p:nvSpPr>
+          <p:cNvPr id="5" name="Объект 2"/>
+          <p:cNvSpPr>
+            <a:spLocks noGrp="1"/>
+          </p:cNvSpPr>
+          <p:nvPr>
+            <p:ph idx="1"/>
+          </p:nvPr>
+        </p:nvSpPr>
+        <p:spPr>
+          <a:xfrm>
+            <a:off x="477884" y="1628800"/>
+            <a:ext cx="8229600" cy="648073"/>
+          </a:xfrm>
+        </p:spPr>
+        <p:txBody>
+          <a:bodyPr>
+            <a:normAutofit/>
+          </a:bodyPr>
+          <a:lstStyle/>
+          <a:p>
+            <a:r>
+              <a:rPr lang="en-US" dirty="0" smtClean="0"/>
+              <a:t>Declarative user interface</a:t>
+            </a:r>
+          </a:p>
+        </p:txBody>
+      </p:sp>
+      <p:sp>
+        <p:nvSpPr>
+          <p:cNvPr id="8" name="Заголовок 1"/>
+          <p:cNvSpPr>
+            <a:spLocks noGrp="1"/>
+          </p:cNvSpPr>
+          <p:nvPr>
+            <p:ph type="title"/>
+          </p:nvPr>
+        </p:nvSpPr>
+        <p:spPr>
+          <a:xfrm>
+            <a:off x="0" y="274638"/>
+            <a:ext cx="9144000" cy="1143000"/>
+          </a:xfrm>
+        </p:spPr>
+        <p:txBody>
+          <a:bodyPr>
+            <a:normAutofit/>
+          </a:bodyPr>
+          <a:lstStyle/>
+          <a:p>
+            <a:r>
+              <a:rPr lang="en-US" dirty="0" smtClean="0"/>
+              <a:t>WPF XAML</a:t>
+            </a:r>
+            <a:endParaRPr lang="ru-RU" dirty="0"/>
+          </a:p>
+        </p:txBody>
+      </p:sp>
+      <p:pic>
+        <p:nvPicPr>
+          <p:cNvPr id="9221" name="Picture 5"/>
+          <p:cNvPicPr>
+            <a:picLocks noChangeAspect="1" noChangeArrowheads="1"/>
+          </p:cNvPicPr>
+          <p:nvPr/>
+        </p:nvPicPr>
+        <p:blipFill>
+          <a:blip r:embed="rId3">
+            <a:extLst>
+              <a:ext uri="{28A0092B-C50C-407E-A947-70E740481C1C}">
+                <a14:useLocalDpi xmlns:a14="http://schemas.microsoft.com/office/drawing/2010/main" val="0"/>
+              </a:ext>
+            </a:extLst>
+          </a:blip>
+          <a:srcRect/>
+          <a:stretch>
+            <a:fillRect/>
+          </a:stretch>
+        </p:blipFill>
+        <p:spPr bwMode="auto">
+          <a:xfrm>
+            <a:off x="2051720" y="260648"/>
+            <a:ext cx="1219200" cy="1219200"/>
+          </a:xfrm>
+          <a:prstGeom prst="rect">
+            <a:avLst/>
+          </a:prstGeom>
+          <a:noFill/>
+          <a:ln>
+            <a:noFill/>
+          </a:ln>
+          <a:effectLst/>
+          <a:extLst>
+            <a:ext uri="{909E8E84-426E-40DD-AFC4-6F175D3DCCD1}">
+              <a14:hiddenFill xmlns:a14="http://schemas.microsoft.com/office/drawing/2010/main">
+                <a:solidFill>
+                  <a:schemeClr val="accent1"/>
+                </a:solidFill>
+              </a14:hiddenFill>
+            </a:ext>
+            <a:ext uri="{91240B29-F687-4F45-9708-019B960494DF}">
+              <a14:hiddenLine xmlns:a14="http://schemas.microsoft.com/office/drawing/2010/main" w="9525">
+                <a:solidFill>
+                  <a:schemeClr val="tx1"/>
+                </a:solidFill>
+                <a:miter lim="800000"/>
+                <a:headEnd/>
+                <a:tailEnd/>
+              </a14:hiddenLine>
+            </a:ext>
+            <a:ext uri="{AF507438-7753-43E0-B8FC-AC1667EBCBE1}">
+              <a14:hiddenEffects xmlns:a14="http://schemas.microsoft.com/office/drawing/2010/main">
+                <a:effectLst>
+                  <a:outerShdw dist="35921" dir="2700000" algn="ctr" rotWithShape="0">
+                    <a:schemeClr val="bg2"/>
+                  </a:outerShdw>
+                </a:effectLst>
+              </a14:hiddenEffects>
+            </a:ext>
+          </a:extLst>
+        </p:spPr>
+      </p:pic>
+    </p:spTree>
+    <p:extLst>
+      <p:ext uri="{BB962C8B-B14F-4D97-AF65-F5344CB8AC3E}">
+        <p14:creationId xmlns:p14="http://schemas.microsoft.com/office/powerpoint/2010/main" val="3005272018"/>
+      </p:ext>
+    </p:extLst>
+  </p:cSld>
+  <p:clrMapOvr>
+    <a:masterClrMapping/>
+  </p:clrMapOvr>
+  <p:transition spd="slow">
+    <p:push/>
+  </p:transition>
+  <p:timing>
+    <p:tnLst>
+      <p:par>
+        <p:cTn id="1" dur="indefinite" restart="never" nodeType="tmRoot"/>
+      </p:par>
+    </p:tnLst>
+  </p:timing>
+</p:sld>
+</file>
+
+<file path=ppt/slides/slide14.xml><?xml version="1.0" encoding="utf-8"?>
+<p:sld xmlns:a="http://schemas.openxmlformats.org/drawingml/2006/main" xmlns:r="http://schemas.openxmlformats.org/officeDocument/2006/relationships" xmlns:p="http://schemas.openxmlformats.org/presentationml/2006/main">
+  <p:cSld>
+    <p:spTree>
+      <p:nvGrpSpPr>
+        <p:cNvPr id="1" name=""/>
+        <p:cNvGrpSpPr/>
+        <p:nvPr/>
+      </p:nvGrpSpPr>
+      <p:grpSpPr>
+        <a:xfrm>
+          <a:off x="0" y="0"/>
+          <a:ext cx="0" cy="0"/>
+          <a:chOff x="0" y="0"/>
+          <a:chExt cx="0" cy="0"/>
+        </a:xfrm>
+      </p:grpSpPr>
+      <p:sp>
+        <p:nvSpPr>
+          <p:cNvPr id="2" name="Заголовок 1"/>
+          <p:cNvSpPr>
+            <a:spLocks noGrp="1"/>
+          </p:cNvSpPr>
+          <p:nvPr>
+            <p:ph type="title"/>
+          </p:nvPr>
+        </p:nvSpPr>
+        <p:spPr>
+          <a:xfrm>
+            <a:off x="0" y="274638"/>
+            <a:ext cx="9144000" cy="1143000"/>
+          </a:xfrm>
+        </p:spPr>
+        <p:txBody>
+          <a:bodyPr>
+            <a:normAutofit/>
+          </a:bodyPr>
+          <a:lstStyle/>
+          <a:p>
+            <a:r>
+              <a:rPr lang="en-US" dirty="0" smtClean="0"/>
               <a:t>WPF Data Binding</a:t>
             </a:r>
             <a:endParaRPr lang="ru-RU" dirty="0"/>
@@ -4556,1241 +8342,7 @@
 </p:sld>
 </file>
 
-<file path=ppt/slides/slide12.xml><?xml version="1.0" encoding="utf-8"?>
-<p:sld xmlns:a="http://schemas.openxmlformats.org/drawingml/2006/main" xmlns:r="http://schemas.openxmlformats.org/officeDocument/2006/relationships" xmlns:p="http://schemas.openxmlformats.org/presentationml/2006/main">
-  <p:cSld>
-    <p:spTree>
-      <p:nvGrpSpPr>
-        <p:cNvPr id="1" name=""/>
-        <p:cNvGrpSpPr/>
-        <p:nvPr/>
-      </p:nvGrpSpPr>
-      <p:grpSpPr>
-        <a:xfrm>
-          <a:off x="0" y="0"/>
-          <a:ext cx="0" cy="0"/>
-          <a:chOff x="0" y="0"/>
-          <a:chExt cx="0" cy="0"/>
-        </a:xfrm>
-      </p:grpSpPr>
-      <p:sp>
-        <p:nvSpPr>
-          <p:cNvPr id="2" name="Заголовок 1"/>
-          <p:cNvSpPr>
-            <a:spLocks noGrp="1"/>
-          </p:cNvSpPr>
-          <p:nvPr>
-            <p:ph type="title"/>
-          </p:nvPr>
-        </p:nvSpPr>
-        <p:spPr/>
-        <p:txBody>
-          <a:bodyPr/>
-          <a:lstStyle/>
-          <a:p>
-            <a:r>
-              <a:rPr lang="en-GB" dirty="0" smtClean="0"/>
-              <a:t> Features</a:t>
-            </a:r>
-            <a:endParaRPr lang="ru-RU" dirty="0"/>
-          </a:p>
-        </p:txBody>
-      </p:sp>
-      <p:sp>
-        <p:nvSpPr>
-          <p:cNvPr id="3" name="Объект 2"/>
-          <p:cNvSpPr>
-            <a:spLocks noGrp="1"/>
-          </p:cNvSpPr>
-          <p:nvPr>
-            <p:ph idx="1"/>
-          </p:nvPr>
-        </p:nvSpPr>
-        <p:spPr>
-          <a:xfrm>
-            <a:off x="922090" y="2631182"/>
-            <a:ext cx="7751712" cy="676672"/>
-          </a:xfrm>
-        </p:spPr>
-        <p:txBody>
-          <a:bodyPr>
-            <a:normAutofit/>
-          </a:bodyPr>
-          <a:lstStyle/>
-          <a:p>
-            <a:pPr marL="0" indent="0">
-              <a:buNone/>
-            </a:pPr>
-            <a:r>
-              <a:rPr lang="en-US" dirty="0" smtClean="0"/>
-              <a:t>Microsoft LINQ (Language Integrated Query)</a:t>
-            </a:r>
-          </a:p>
-        </p:txBody>
-      </p:sp>
-      <p:pic>
-        <p:nvPicPr>
-          <p:cNvPr id="10243" name="Picture 3"/>
-          <p:cNvPicPr>
-            <a:picLocks noChangeAspect="1" noChangeArrowheads="1"/>
-          </p:cNvPicPr>
-          <p:nvPr/>
-        </p:nvPicPr>
-        <p:blipFill>
-          <a:blip r:embed="rId2">
-            <a:extLst>
-              <a:ext uri="{28A0092B-C50C-407E-A947-70E740481C1C}">
-                <a14:useLocalDpi xmlns:a14="http://schemas.microsoft.com/office/drawing/2010/main" val="0"/>
-              </a:ext>
-            </a:extLst>
-          </a:blip>
-          <a:srcRect/>
-          <a:stretch>
-            <a:fillRect/>
-          </a:stretch>
-        </p:blipFill>
-        <p:spPr bwMode="auto">
-          <a:xfrm>
-            <a:off x="2427040" y="327720"/>
-            <a:ext cx="1085056" cy="1085056"/>
-          </a:xfrm>
-          <a:prstGeom prst="rect">
-            <a:avLst/>
-          </a:prstGeom>
-          <a:noFill/>
-          <a:ln>
-            <a:noFill/>
-          </a:ln>
-          <a:effectLst/>
-          <a:extLst>
-            <a:ext uri="{909E8E84-426E-40DD-AFC4-6F175D3DCCD1}">
-              <a14:hiddenFill xmlns:a14="http://schemas.microsoft.com/office/drawing/2010/main">
-                <a:solidFill>
-                  <a:schemeClr val="accent1"/>
-                </a:solidFill>
-              </a14:hiddenFill>
-            </a:ext>
-            <a:ext uri="{91240B29-F687-4F45-9708-019B960494DF}">
-              <a14:hiddenLine xmlns:a14="http://schemas.microsoft.com/office/drawing/2010/main" w="9525">
-                <a:solidFill>
-                  <a:schemeClr val="tx1"/>
-                </a:solidFill>
-                <a:miter lim="800000"/>
-                <a:headEnd/>
-                <a:tailEnd/>
-              </a14:hiddenLine>
-            </a:ext>
-            <a:ext uri="{AF507438-7753-43E0-B8FC-AC1667EBCBE1}">
-              <a14:hiddenEffects xmlns:a14="http://schemas.microsoft.com/office/drawing/2010/main">
-                <a:effectLst>
-                  <a:outerShdw dist="35921" dir="2700000" algn="ctr" rotWithShape="0">
-                    <a:schemeClr val="bg2"/>
-                  </a:outerShdw>
-                </a:effectLst>
-              </a14:hiddenEffects>
-            </a:ext>
-          </a:extLst>
-        </p:spPr>
-      </p:pic>
-      <p:sp>
-        <p:nvSpPr>
-          <p:cNvPr id="5" name="Прямоугольник 4"/>
-          <p:cNvSpPr/>
-          <p:nvPr/>
-        </p:nvSpPr>
-        <p:spPr>
-          <a:xfrm>
-            <a:off x="-2654" y="3307853"/>
-            <a:ext cx="9144000" cy="1323439"/>
-          </a:xfrm>
-          <a:prstGeom prst="rect">
-            <a:avLst/>
-          </a:prstGeom>
-        </p:spPr>
-        <p:txBody>
-          <a:bodyPr wrap="square">
-            <a:spAutoFit/>
-          </a:bodyPr>
-          <a:lstStyle/>
-          <a:p>
-            <a:r>
-              <a:rPr lang="en-GB" sz="1600" dirty="0" err="1">
-                <a:solidFill>
-                  <a:srgbClr val="0000FF"/>
-                </a:solidFill>
-                <a:highlight>
-                  <a:srgbClr val="FFFFFF"/>
-                </a:highlight>
-                <a:latin typeface="Consolas"/>
-              </a:rPr>
-              <a:t>var</a:t>
-            </a:r>
-            <a:r>
-              <a:rPr lang="en-GB" sz="1600" dirty="0">
-                <a:solidFill>
-                  <a:srgbClr val="000000"/>
-                </a:solidFill>
-                <a:highlight>
-                  <a:srgbClr val="FFFFFF"/>
-                </a:highlight>
-                <a:latin typeface="Consolas"/>
-              </a:rPr>
-              <a:t> </a:t>
-            </a:r>
-            <a:r>
-              <a:rPr lang="en-GB" sz="1600" dirty="0" err="1">
-                <a:solidFill>
-                  <a:srgbClr val="000000"/>
-                </a:solidFill>
-                <a:highlight>
-                  <a:srgbClr val="FFFFFF"/>
-                </a:highlight>
-                <a:latin typeface="Consolas"/>
-              </a:rPr>
-              <a:t>associatedLinks</a:t>
-            </a:r>
-            <a:r>
-              <a:rPr lang="en-GB" sz="1600" dirty="0">
-                <a:solidFill>
-                  <a:srgbClr val="000000"/>
-                </a:solidFill>
-                <a:highlight>
-                  <a:srgbClr val="FFFFFF"/>
-                </a:highlight>
-                <a:latin typeface="Consolas"/>
-              </a:rPr>
-              <a:t> =</a:t>
-            </a:r>
-          </a:p>
-          <a:p>
-            <a:r>
-              <a:rPr lang="en-GB" sz="1600" dirty="0" smtClean="0">
-                <a:solidFill>
-                  <a:srgbClr val="0000FF"/>
-                </a:solidFill>
-                <a:highlight>
-                  <a:srgbClr val="FFFFFF"/>
-                </a:highlight>
-                <a:latin typeface="Consolas"/>
-              </a:rPr>
-              <a:t>	from</a:t>
-            </a:r>
-            <a:r>
-              <a:rPr lang="en-GB" sz="1600" dirty="0" smtClean="0">
-                <a:solidFill>
-                  <a:srgbClr val="000000"/>
-                </a:solidFill>
-                <a:highlight>
-                  <a:srgbClr val="FFFFFF"/>
-                </a:highlight>
-                <a:latin typeface="Consolas"/>
-              </a:rPr>
-              <a:t> </a:t>
-            </a:r>
-            <a:r>
-              <a:rPr lang="en-GB" sz="1600" dirty="0">
-                <a:solidFill>
-                  <a:srgbClr val="000000"/>
-                </a:solidFill>
-                <a:highlight>
-                  <a:srgbClr val="FFFFFF"/>
-                </a:highlight>
-                <a:latin typeface="Consolas"/>
-              </a:rPr>
-              <a:t>link</a:t>
-            </a:r>
-          </a:p>
-          <a:p>
-            <a:r>
-              <a:rPr lang="en-GB" sz="1600" dirty="0" smtClean="0">
-                <a:solidFill>
-                  <a:srgbClr val="0000FF"/>
-                </a:solidFill>
-                <a:highlight>
-                  <a:srgbClr val="FFFFFF"/>
-                </a:highlight>
-                <a:latin typeface="Consolas"/>
-              </a:rPr>
-              <a:t>	in</a:t>
-            </a:r>
-            <a:r>
-              <a:rPr lang="en-GB" sz="1600" dirty="0" smtClean="0">
-                <a:solidFill>
-                  <a:srgbClr val="000000"/>
-                </a:solidFill>
-                <a:highlight>
-                  <a:srgbClr val="FFFFFF"/>
-                </a:highlight>
-                <a:latin typeface="Consolas"/>
-              </a:rPr>
-              <a:t> </a:t>
-            </a:r>
-            <a:r>
-              <a:rPr lang="en-GB" sz="1600" dirty="0">
-                <a:solidFill>
-                  <a:srgbClr val="000000"/>
-                </a:solidFill>
-                <a:highlight>
-                  <a:srgbClr val="FFFFFF"/>
-                </a:highlight>
-                <a:latin typeface="Consolas"/>
-              </a:rPr>
-              <a:t>links</a:t>
-            </a:r>
-          </a:p>
-          <a:p>
-            <a:r>
-              <a:rPr lang="en-GB" sz="1600" dirty="0" smtClean="0">
-                <a:solidFill>
-                  <a:srgbClr val="0000FF"/>
-                </a:solidFill>
-                <a:highlight>
-                  <a:srgbClr val="FFFFFF"/>
-                </a:highlight>
-                <a:latin typeface="Consolas"/>
-              </a:rPr>
-              <a:t>	where</a:t>
-            </a:r>
-            <a:r>
-              <a:rPr lang="en-GB" sz="1600" dirty="0" smtClean="0">
-                <a:solidFill>
-                  <a:srgbClr val="000000"/>
-                </a:solidFill>
-                <a:highlight>
-                  <a:srgbClr val="FFFFFF"/>
-                </a:highlight>
-                <a:latin typeface="Consolas"/>
-              </a:rPr>
-              <a:t> </a:t>
-            </a:r>
-            <a:r>
-              <a:rPr lang="en-GB" sz="1600" dirty="0">
-                <a:solidFill>
-                  <a:srgbClr val="000000"/>
-                </a:solidFill>
-                <a:highlight>
-                  <a:srgbClr val="FFFFFF"/>
-                </a:highlight>
-                <a:latin typeface="Consolas"/>
-              </a:rPr>
-              <a:t>link.LinkedNodes.Item1 == </a:t>
-            </a:r>
-            <a:r>
-              <a:rPr lang="en-GB" sz="1600" dirty="0">
-                <a:solidFill>
-                  <a:srgbClr val="0000FF"/>
-                </a:solidFill>
-                <a:highlight>
-                  <a:srgbClr val="FFFFFF"/>
-                </a:highlight>
-                <a:latin typeface="Consolas"/>
-              </a:rPr>
-              <a:t>this</a:t>
-            </a:r>
-            <a:r>
-              <a:rPr lang="en-GB" sz="1600" dirty="0">
-                <a:solidFill>
-                  <a:srgbClr val="000000"/>
-                </a:solidFill>
-                <a:highlight>
-                  <a:srgbClr val="FFFFFF"/>
-                </a:highlight>
-                <a:latin typeface="Consolas"/>
-              </a:rPr>
-              <a:t> || link.LinkedNodes.Item2 == </a:t>
-            </a:r>
-            <a:r>
-              <a:rPr lang="en-GB" sz="1600" dirty="0">
-                <a:solidFill>
-                  <a:srgbClr val="0000FF"/>
-                </a:solidFill>
-                <a:highlight>
-                  <a:srgbClr val="FFFFFF"/>
-                </a:highlight>
-                <a:latin typeface="Consolas"/>
-              </a:rPr>
-              <a:t>this</a:t>
-            </a:r>
-            <a:endParaRPr lang="en-GB" sz="1600" dirty="0">
-              <a:solidFill>
-                <a:srgbClr val="000000"/>
-              </a:solidFill>
-              <a:highlight>
-                <a:srgbClr val="FFFFFF"/>
-              </a:highlight>
-              <a:latin typeface="Consolas"/>
-            </a:endParaRPr>
-          </a:p>
-          <a:p>
-            <a:r>
-              <a:rPr lang="en-GB" sz="1600" dirty="0" smtClean="0">
-                <a:solidFill>
-                  <a:srgbClr val="0000FF"/>
-                </a:solidFill>
-                <a:highlight>
-                  <a:srgbClr val="FFFFFF"/>
-                </a:highlight>
-                <a:latin typeface="Consolas"/>
-              </a:rPr>
-              <a:t>	select</a:t>
-            </a:r>
-            <a:r>
-              <a:rPr lang="en-GB" sz="1600" dirty="0" smtClean="0">
-                <a:solidFill>
-                  <a:srgbClr val="000000"/>
-                </a:solidFill>
-                <a:highlight>
-                  <a:srgbClr val="FFFFFF"/>
-                </a:highlight>
-                <a:latin typeface="Consolas"/>
-              </a:rPr>
-              <a:t> </a:t>
-            </a:r>
-            <a:r>
-              <a:rPr lang="en-GB" sz="1600" dirty="0">
-                <a:solidFill>
-                  <a:srgbClr val="000000"/>
-                </a:solidFill>
-                <a:highlight>
-                  <a:srgbClr val="FFFFFF"/>
-                </a:highlight>
-                <a:latin typeface="Consolas"/>
-              </a:rPr>
-              <a:t>link;</a:t>
-            </a:r>
-          </a:p>
-        </p:txBody>
-      </p:sp>
-      <p:pic>
-        <p:nvPicPr>
-          <p:cNvPr id="10246" name="Picture 6"/>
-          <p:cNvPicPr>
-            <a:picLocks noChangeAspect="1" noChangeArrowheads="1"/>
-          </p:cNvPicPr>
-          <p:nvPr/>
-        </p:nvPicPr>
-        <p:blipFill>
-          <a:blip r:embed="rId3">
-            <a:extLst>
-              <a:ext uri="{28A0092B-C50C-407E-A947-70E740481C1C}">
-                <a14:useLocalDpi xmlns:a14="http://schemas.microsoft.com/office/drawing/2010/main" val="0"/>
-              </a:ext>
-            </a:extLst>
-          </a:blip>
-          <a:srcRect/>
-          <a:stretch>
-            <a:fillRect/>
-          </a:stretch>
-        </p:blipFill>
-        <p:spPr bwMode="auto">
-          <a:xfrm>
-            <a:off x="426790" y="2731789"/>
-            <a:ext cx="457200" cy="457200"/>
-          </a:xfrm>
-          <a:prstGeom prst="rect">
-            <a:avLst/>
-          </a:prstGeom>
-          <a:noFill/>
-          <a:ln>
-            <a:noFill/>
-          </a:ln>
-          <a:effectLst/>
-          <a:extLst>
-            <a:ext uri="{909E8E84-426E-40DD-AFC4-6F175D3DCCD1}">
-              <a14:hiddenFill xmlns:a14="http://schemas.microsoft.com/office/drawing/2010/main">
-                <a:solidFill>
-                  <a:schemeClr val="accent1"/>
-                </a:solidFill>
-              </a14:hiddenFill>
-            </a:ext>
-            <a:ext uri="{91240B29-F687-4F45-9708-019B960494DF}">
-              <a14:hiddenLine xmlns:a14="http://schemas.microsoft.com/office/drawing/2010/main" w="9525">
-                <a:solidFill>
-                  <a:schemeClr val="tx1"/>
-                </a:solidFill>
-                <a:miter lim="800000"/>
-                <a:headEnd/>
-                <a:tailEnd/>
-              </a14:hiddenLine>
-            </a:ext>
-            <a:ext uri="{AF507438-7753-43E0-B8FC-AC1667EBCBE1}">
-              <a14:hiddenEffects xmlns:a14="http://schemas.microsoft.com/office/drawing/2010/main">
-                <a:effectLst>
-                  <a:outerShdw dist="35921" dir="2700000" algn="ctr" rotWithShape="0">
-                    <a:schemeClr val="bg2"/>
-                  </a:outerShdw>
-                </a:effectLst>
-              </a14:hiddenEffects>
-            </a:ext>
-          </a:extLst>
-        </p:spPr>
-      </p:pic>
-    </p:spTree>
-    <p:extLst>
-      <p:ext uri="{BB962C8B-B14F-4D97-AF65-F5344CB8AC3E}">
-        <p14:creationId xmlns:p14="http://schemas.microsoft.com/office/powerpoint/2010/main" val="1725258072"/>
-      </p:ext>
-    </p:extLst>
-  </p:cSld>
-  <p:clrMapOvr>
-    <a:masterClrMapping/>
-  </p:clrMapOvr>
-  <p:transition spd="slow">
-    <p:push/>
-  </p:transition>
-  <p:timing>
-    <p:tnLst>
-      <p:par>
-        <p:cTn id="1" dur="indefinite" restart="never" nodeType="tmRoot"/>
-      </p:par>
-    </p:tnLst>
-  </p:timing>
-</p:sld>
-</file>
-
-<file path=ppt/slides/slide13.xml><?xml version="1.0" encoding="utf-8"?>
-<p:sld xmlns:a="http://schemas.openxmlformats.org/drawingml/2006/main" xmlns:r="http://schemas.openxmlformats.org/officeDocument/2006/relationships" xmlns:p="http://schemas.openxmlformats.org/presentationml/2006/main">
-  <p:cSld>
-    <p:spTree>
-      <p:nvGrpSpPr>
-        <p:cNvPr id="1" name=""/>
-        <p:cNvGrpSpPr/>
-        <p:nvPr/>
-      </p:nvGrpSpPr>
-      <p:grpSpPr>
-        <a:xfrm>
-          <a:off x="0" y="0"/>
-          <a:ext cx="0" cy="0"/>
-          <a:chOff x="0" y="0"/>
-          <a:chExt cx="0" cy="0"/>
-        </a:xfrm>
-      </p:grpSpPr>
-      <p:sp>
-        <p:nvSpPr>
-          <p:cNvPr id="4" name="Заголовок 1"/>
-          <p:cNvSpPr txBox="1">
-            <a:spLocks/>
-          </p:cNvSpPr>
-          <p:nvPr/>
-        </p:nvSpPr>
-        <p:spPr>
-          <a:xfrm>
-            <a:off x="457200" y="274638"/>
-            <a:ext cx="8219256" cy="1143000"/>
-          </a:xfrm>
-          <a:prstGeom prst="rect">
-            <a:avLst/>
-          </a:prstGeom>
-        </p:spPr>
-        <p:txBody>
-          <a:bodyPr vert="horz" lIns="91440" tIns="45720" rIns="91440" bIns="45720" rtlCol="0" anchor="ctr">
-            <a:normAutofit/>
-          </a:bodyPr>
-          <a:lstStyle>
-            <a:lvl1pPr algn="ctr" defTabSz="914400" rtl="0" eaLnBrk="1" latinLnBrk="0" hangingPunct="1">
-              <a:spcBef>
-                <a:spcPct val="0"/>
-              </a:spcBef>
-              <a:buNone/>
-              <a:defRPr sz="4400" kern="1200">
-                <a:solidFill>
-                  <a:schemeClr val="tx1"/>
-                </a:solidFill>
-                <a:latin typeface="+mj-lt"/>
-                <a:ea typeface="+mj-ea"/>
-                <a:cs typeface="+mj-cs"/>
-              </a:defRPr>
-            </a:lvl1pPr>
-          </a:lstStyle>
-          <a:p>
-            <a:r>
-              <a:rPr lang="en-GB" dirty="0" smtClean="0"/>
-              <a:t> Features</a:t>
-            </a:r>
-            <a:endParaRPr lang="ru-RU" dirty="0"/>
-          </a:p>
-        </p:txBody>
-      </p:sp>
-      <p:pic>
-        <p:nvPicPr>
-          <p:cNvPr id="5" name="Picture 3"/>
-          <p:cNvPicPr>
-            <a:picLocks noChangeAspect="1" noChangeArrowheads="1"/>
-          </p:cNvPicPr>
-          <p:nvPr/>
-        </p:nvPicPr>
-        <p:blipFill>
-          <a:blip r:embed="rId2">
-            <a:extLst>
-              <a:ext uri="{28A0092B-C50C-407E-A947-70E740481C1C}">
-                <a14:useLocalDpi xmlns:a14="http://schemas.microsoft.com/office/drawing/2010/main" val="0"/>
-              </a:ext>
-            </a:extLst>
-          </a:blip>
-          <a:srcRect/>
-          <a:stretch>
-            <a:fillRect/>
-          </a:stretch>
-        </p:blipFill>
-        <p:spPr bwMode="auto">
-          <a:xfrm>
-            <a:off x="2419349" y="327720"/>
-            <a:ext cx="1095375" cy="1085056"/>
-          </a:xfrm>
-          <a:prstGeom prst="rect">
-            <a:avLst/>
-          </a:prstGeom>
-          <a:noFill/>
-          <a:ln>
-            <a:noFill/>
-          </a:ln>
-          <a:effectLst/>
-          <a:extLst>
-            <a:ext uri="{909E8E84-426E-40DD-AFC4-6F175D3DCCD1}">
-              <a14:hiddenFill xmlns:a14="http://schemas.microsoft.com/office/drawing/2010/main">
-                <a:solidFill>
-                  <a:schemeClr val="accent1"/>
-                </a:solidFill>
-              </a14:hiddenFill>
-            </a:ext>
-            <a:ext uri="{91240B29-F687-4F45-9708-019B960494DF}">
-              <a14:hiddenLine xmlns:a14="http://schemas.microsoft.com/office/drawing/2010/main" w="9525">
-                <a:solidFill>
-                  <a:schemeClr val="tx1"/>
-                </a:solidFill>
-                <a:miter lim="800000"/>
-                <a:headEnd/>
-                <a:tailEnd/>
-              </a14:hiddenLine>
-            </a:ext>
-            <a:ext uri="{AF507438-7753-43E0-B8FC-AC1667EBCBE1}">
-              <a14:hiddenEffects xmlns:a14="http://schemas.microsoft.com/office/drawing/2010/main">
-                <a:effectLst>
-                  <a:outerShdw dist="35921" dir="2700000" algn="ctr" rotWithShape="0">
-                    <a:schemeClr val="bg2"/>
-                  </a:outerShdw>
-                </a:effectLst>
-              </a14:hiddenEffects>
-            </a:ext>
-          </a:extLst>
-        </p:spPr>
-      </p:pic>
-      <p:sp>
-        <p:nvSpPr>
-          <p:cNvPr id="6" name="Объект 2"/>
-          <p:cNvSpPr txBox="1">
-            <a:spLocks/>
-          </p:cNvSpPr>
-          <p:nvPr/>
-        </p:nvSpPr>
-        <p:spPr>
-          <a:xfrm>
-            <a:off x="924743" y="2615337"/>
-            <a:ext cx="3451193" cy="676672"/>
-          </a:xfrm>
-          <a:prstGeom prst="rect">
-            <a:avLst/>
-          </a:prstGeom>
-        </p:spPr>
-        <p:txBody>
-          <a:bodyPr vert="horz" lIns="91440" tIns="45720" rIns="91440" bIns="45720" rtlCol="0">
-            <a:normAutofit fontScale="92500"/>
-          </a:bodyPr>
-          <a:lstStyle>
-            <a:lvl1pPr marL="342900" indent="-342900" algn="l" defTabSz="914400" rtl="0" eaLnBrk="1" latinLnBrk="0" hangingPunct="1">
-              <a:spcBef>
-                <a:spcPct val="20000"/>
-              </a:spcBef>
-              <a:buFont typeface="Arial" pitchFamily="34" charset="0"/>
-              <a:buChar char="•"/>
-              <a:defRPr sz="3200" kern="1200">
-                <a:solidFill>
-                  <a:schemeClr val="tx1"/>
-                </a:solidFill>
-                <a:latin typeface="+mn-lt"/>
-                <a:ea typeface="+mn-ea"/>
-                <a:cs typeface="+mn-cs"/>
-              </a:defRPr>
-            </a:lvl1pPr>
-            <a:lvl2pPr marL="742950" indent="-285750" algn="l" defTabSz="914400" rtl="0" eaLnBrk="1" latinLnBrk="0" hangingPunct="1">
-              <a:spcBef>
-                <a:spcPct val="20000"/>
-              </a:spcBef>
-              <a:buFont typeface="Arial" pitchFamily="34" charset="0"/>
-              <a:buChar char="–"/>
-              <a:defRPr sz="2800" kern="1200">
-                <a:solidFill>
-                  <a:schemeClr val="tx1"/>
-                </a:solidFill>
-                <a:latin typeface="+mn-lt"/>
-                <a:ea typeface="+mn-ea"/>
-                <a:cs typeface="+mn-cs"/>
-              </a:defRPr>
-            </a:lvl2pPr>
-            <a:lvl3pPr marL="1143000" indent="-228600" algn="l" defTabSz="914400" rtl="0" eaLnBrk="1" latinLnBrk="0" hangingPunct="1">
-              <a:spcBef>
-                <a:spcPct val="20000"/>
-              </a:spcBef>
-              <a:buFont typeface="Arial" pitchFamily="34" charset="0"/>
-              <a:buChar char="•"/>
-              <a:defRPr sz="2400" kern="1200">
-                <a:solidFill>
-                  <a:schemeClr val="tx1"/>
-                </a:solidFill>
-                <a:latin typeface="+mn-lt"/>
-                <a:ea typeface="+mn-ea"/>
-                <a:cs typeface="+mn-cs"/>
-              </a:defRPr>
-            </a:lvl3pPr>
-            <a:lvl4pPr marL="1600200" indent="-228600" algn="l" defTabSz="914400" rtl="0" eaLnBrk="1" latinLnBrk="0" hangingPunct="1">
-              <a:spcBef>
-                <a:spcPct val="20000"/>
-              </a:spcBef>
-              <a:buFont typeface="Arial" pitchFamily="34" charset="0"/>
-              <a:buChar char="–"/>
-              <a:defRPr sz="2000" kern="1200">
-                <a:solidFill>
-                  <a:schemeClr val="tx1"/>
-                </a:solidFill>
-                <a:latin typeface="+mn-lt"/>
-                <a:ea typeface="+mn-ea"/>
-                <a:cs typeface="+mn-cs"/>
-              </a:defRPr>
-            </a:lvl4pPr>
-            <a:lvl5pPr marL="2057400" indent="-228600" algn="l" defTabSz="914400" rtl="0" eaLnBrk="1" latinLnBrk="0" hangingPunct="1">
-              <a:spcBef>
-                <a:spcPct val="20000"/>
-              </a:spcBef>
-              <a:buFont typeface="Arial" pitchFamily="34" charset="0"/>
-              <a:buChar char="»"/>
-              <a:defRPr sz="2000" kern="1200">
-                <a:solidFill>
-                  <a:schemeClr val="tx1"/>
-                </a:solidFill>
-                <a:latin typeface="+mn-lt"/>
-                <a:ea typeface="+mn-ea"/>
-                <a:cs typeface="+mn-cs"/>
-              </a:defRPr>
-            </a:lvl5pPr>
-            <a:lvl6pPr marL="2514600" indent="-228600" algn="l" defTabSz="914400" rtl="0" eaLnBrk="1" latinLnBrk="0" hangingPunct="1">
-              <a:spcBef>
-                <a:spcPct val="20000"/>
-              </a:spcBef>
-              <a:buFont typeface="Arial" pitchFamily="34" charset="0"/>
-              <a:buChar char="•"/>
-              <a:defRPr sz="2000" kern="1200">
-                <a:solidFill>
-                  <a:schemeClr val="tx1"/>
-                </a:solidFill>
-                <a:latin typeface="+mn-lt"/>
-                <a:ea typeface="+mn-ea"/>
-                <a:cs typeface="+mn-cs"/>
-              </a:defRPr>
-            </a:lvl6pPr>
-            <a:lvl7pPr marL="2971800" indent="-228600" algn="l" defTabSz="914400" rtl="0" eaLnBrk="1" latinLnBrk="0" hangingPunct="1">
-              <a:spcBef>
-                <a:spcPct val="20000"/>
-              </a:spcBef>
-              <a:buFont typeface="Arial" pitchFamily="34" charset="0"/>
-              <a:buChar char="•"/>
-              <a:defRPr sz="2000" kern="1200">
-                <a:solidFill>
-                  <a:schemeClr val="tx1"/>
-                </a:solidFill>
-                <a:latin typeface="+mn-lt"/>
-                <a:ea typeface="+mn-ea"/>
-                <a:cs typeface="+mn-cs"/>
-              </a:defRPr>
-            </a:lvl7pPr>
-            <a:lvl8pPr marL="3429000" indent="-228600" algn="l" defTabSz="914400" rtl="0" eaLnBrk="1" latinLnBrk="0" hangingPunct="1">
-              <a:spcBef>
-                <a:spcPct val="20000"/>
-              </a:spcBef>
-              <a:buFont typeface="Arial" pitchFamily="34" charset="0"/>
-              <a:buChar char="•"/>
-              <a:defRPr sz="2000" kern="1200">
-                <a:solidFill>
-                  <a:schemeClr val="tx1"/>
-                </a:solidFill>
-                <a:latin typeface="+mn-lt"/>
-                <a:ea typeface="+mn-ea"/>
-                <a:cs typeface="+mn-cs"/>
-              </a:defRPr>
-            </a:lvl8pPr>
-            <a:lvl9pPr marL="3886200" indent="-228600" algn="l" defTabSz="914400" rtl="0" eaLnBrk="1" latinLnBrk="0" hangingPunct="1">
-              <a:spcBef>
-                <a:spcPct val="20000"/>
-              </a:spcBef>
-              <a:buFont typeface="Arial" pitchFamily="34" charset="0"/>
-              <a:buChar char="•"/>
-              <a:defRPr sz="2000" kern="1200">
-                <a:solidFill>
-                  <a:schemeClr val="tx1"/>
-                </a:solidFill>
-                <a:latin typeface="+mn-lt"/>
-                <a:ea typeface="+mn-ea"/>
-                <a:cs typeface="+mn-cs"/>
-              </a:defRPr>
-            </a:lvl9pPr>
-          </a:lstStyle>
-          <a:p>
-            <a:pPr marL="0" indent="0">
-              <a:buFont typeface="Arial" pitchFamily="34" charset="0"/>
-              <a:buNone/>
-            </a:pPr>
-            <a:r>
-              <a:rPr lang="en-US" dirty="0" smtClean="0"/>
-              <a:t>Lambda expressions</a:t>
-            </a:r>
-          </a:p>
-        </p:txBody>
-      </p:sp>
-      <p:pic>
-        <p:nvPicPr>
-          <p:cNvPr id="7" name="Picture 7"/>
-          <p:cNvPicPr>
-            <a:picLocks noChangeAspect="1" noChangeArrowheads="1"/>
-          </p:cNvPicPr>
-          <p:nvPr/>
-        </p:nvPicPr>
-        <p:blipFill>
-          <a:blip r:embed="rId3">
-            <a:extLst>
-              <a:ext uri="{28A0092B-C50C-407E-A947-70E740481C1C}">
-                <a14:useLocalDpi xmlns:a14="http://schemas.microsoft.com/office/drawing/2010/main" val="0"/>
-              </a:ext>
-            </a:extLst>
-          </a:blip>
-          <a:srcRect/>
-          <a:stretch>
-            <a:fillRect/>
-          </a:stretch>
-        </p:blipFill>
-        <p:spPr bwMode="auto">
-          <a:xfrm>
-            <a:off x="429443" y="2659936"/>
-            <a:ext cx="432623" cy="457200"/>
-          </a:xfrm>
-          <a:prstGeom prst="rect">
-            <a:avLst/>
-          </a:prstGeom>
-          <a:noFill/>
-          <a:ln>
-            <a:noFill/>
-          </a:ln>
-          <a:effectLst/>
-          <a:extLst>
-            <a:ext uri="{909E8E84-426E-40DD-AFC4-6F175D3DCCD1}">
-              <a14:hiddenFill xmlns:a14="http://schemas.microsoft.com/office/drawing/2010/main">
-                <a:solidFill>
-                  <a:schemeClr val="accent1"/>
-                </a:solidFill>
-              </a14:hiddenFill>
-            </a:ext>
-            <a:ext uri="{91240B29-F687-4F45-9708-019B960494DF}">
-              <a14:hiddenLine xmlns:a14="http://schemas.microsoft.com/office/drawing/2010/main" w="9525">
-                <a:solidFill>
-                  <a:schemeClr val="tx1"/>
-                </a:solidFill>
-                <a:miter lim="800000"/>
-                <a:headEnd/>
-                <a:tailEnd/>
-              </a14:hiddenLine>
-            </a:ext>
-            <a:ext uri="{AF507438-7753-43E0-B8FC-AC1667EBCBE1}">
-              <a14:hiddenEffects xmlns:a14="http://schemas.microsoft.com/office/drawing/2010/main">
-                <a:effectLst>
-                  <a:outerShdw dist="35921" dir="2700000" algn="ctr" rotWithShape="0">
-                    <a:schemeClr val="bg2"/>
-                  </a:outerShdw>
-                </a:effectLst>
-              </a14:hiddenEffects>
-            </a:ext>
-          </a:extLst>
-        </p:spPr>
-      </p:pic>
-      <p:sp>
-        <p:nvSpPr>
-          <p:cNvPr id="8" name="Прямоугольник 7"/>
-          <p:cNvSpPr/>
-          <p:nvPr/>
-        </p:nvSpPr>
-        <p:spPr>
-          <a:xfrm>
-            <a:off x="975048" y="3555900"/>
-            <a:ext cx="7587403" cy="1323439"/>
-          </a:xfrm>
-          <a:prstGeom prst="rect">
-            <a:avLst/>
-          </a:prstGeom>
-          <a:noFill/>
-        </p:spPr>
-        <p:txBody>
-          <a:bodyPr wrap="square">
-            <a:spAutoFit/>
-          </a:bodyPr>
-          <a:lstStyle/>
-          <a:p>
-            <a:r>
-              <a:rPr lang="en-GB" sz="1600" dirty="0" err="1">
-                <a:solidFill>
-                  <a:schemeClr val="accent1">
-                    <a:lumMod val="75000"/>
-                  </a:schemeClr>
-                </a:solidFill>
-                <a:highlight>
-                  <a:srgbClr val="FFFFFF"/>
-                </a:highlight>
-                <a:latin typeface="Consolas"/>
-              </a:rPr>
-              <a:t>ForEach</a:t>
-            </a:r>
-            <a:r>
-              <a:rPr lang="en-GB" sz="1600" dirty="0" err="1">
-                <a:solidFill>
-                  <a:srgbClr val="000000"/>
-                </a:solidFill>
-                <a:highlight>
-                  <a:srgbClr val="FFFFFF"/>
-                </a:highlight>
-                <a:latin typeface="Consolas"/>
-              </a:rPr>
-              <a:t>.MatchingType</a:t>
-            </a:r>
-            <a:r>
-              <a:rPr lang="en-GB" sz="1600" dirty="0">
-                <a:solidFill>
-                  <a:srgbClr val="000000"/>
-                </a:solidFill>
-                <a:highlight>
-                  <a:srgbClr val="FFFFFF"/>
-                </a:highlight>
-                <a:latin typeface="Consolas"/>
-              </a:rPr>
-              <a:t>&lt;</a:t>
-            </a:r>
-            <a:r>
-              <a:rPr lang="en-GB" sz="1600" dirty="0" err="1">
-                <a:solidFill>
-                  <a:schemeClr val="accent1">
-                    <a:lumMod val="75000"/>
-                  </a:schemeClr>
-                </a:solidFill>
-                <a:highlight>
-                  <a:srgbClr val="FFFFFF"/>
-                </a:highlight>
-                <a:latin typeface="Consolas"/>
-              </a:rPr>
-              <a:t>DependencyObject</a:t>
-            </a:r>
-            <a:r>
-              <a:rPr lang="en-GB" sz="1600" dirty="0">
-                <a:solidFill>
-                  <a:srgbClr val="000000"/>
-                </a:solidFill>
-                <a:highlight>
-                  <a:srgbClr val="FFFFFF"/>
-                </a:highlight>
-                <a:latin typeface="Consolas"/>
-              </a:rPr>
-              <a:t>&gt;(</a:t>
-            </a:r>
-          </a:p>
-          <a:p>
-            <a:r>
-              <a:rPr lang="en-GB" sz="1600" dirty="0" smtClean="0">
-                <a:solidFill>
-                  <a:srgbClr val="000000"/>
-                </a:solidFill>
-                <a:highlight>
-                  <a:srgbClr val="FFFFFF"/>
-                </a:highlight>
-                <a:latin typeface="Consolas"/>
-              </a:rPr>
-              <a:t>	</a:t>
-            </a:r>
-            <a:r>
-              <a:rPr lang="en-GB" sz="1600" dirty="0" err="1" smtClean="0">
-                <a:solidFill>
-                  <a:srgbClr val="000000"/>
-                </a:solidFill>
-                <a:highlight>
-                  <a:srgbClr val="FFFFFF"/>
-                </a:highlight>
-                <a:latin typeface="Consolas"/>
-              </a:rPr>
-              <a:t>TheCanvas.Children</a:t>
-            </a:r>
-            <a:r>
-              <a:rPr lang="en-GB" sz="1600" dirty="0">
-                <a:solidFill>
-                  <a:srgbClr val="000000"/>
-                </a:solidFill>
-                <a:highlight>
-                  <a:srgbClr val="FFFFFF"/>
-                </a:highlight>
-                <a:latin typeface="Consolas"/>
-              </a:rPr>
-              <a:t>,</a:t>
-            </a:r>
-          </a:p>
-          <a:p>
-            <a:r>
-              <a:rPr lang="en-GB" sz="1600" dirty="0" smtClean="0">
-                <a:solidFill>
-                  <a:srgbClr val="000000"/>
-                </a:solidFill>
-                <a:highlight>
-                  <a:srgbClr val="FFFFFF"/>
-                </a:highlight>
-                <a:latin typeface="Consolas"/>
-              </a:rPr>
-              <a:t>	(</a:t>
-            </a:r>
-            <a:r>
-              <a:rPr lang="en-GB" sz="1600" dirty="0">
-                <a:solidFill>
-                  <a:srgbClr val="000000"/>
-                </a:solidFill>
-                <a:highlight>
-                  <a:srgbClr val="FFFFFF"/>
-                </a:highlight>
-                <a:latin typeface="Consolas"/>
-              </a:rPr>
-              <a:t>element) </a:t>
-            </a:r>
-            <a:r>
-              <a:rPr lang="en-GB" sz="1600" b="1" dirty="0">
-                <a:solidFill>
-                  <a:srgbClr val="000000"/>
-                </a:solidFill>
-                <a:highlight>
-                  <a:srgbClr val="FFFFFF"/>
-                </a:highlight>
-                <a:uFill>
-                  <a:solidFill>
-                    <a:srgbClr val="C00000"/>
-                  </a:solidFill>
-                </a:uFill>
-                <a:latin typeface="Consolas"/>
-              </a:rPr>
-              <a:t>=&gt;</a:t>
-            </a:r>
-            <a:r>
-              <a:rPr lang="en-GB" sz="1600" dirty="0">
-                <a:solidFill>
-                  <a:srgbClr val="000000"/>
-                </a:solidFill>
-                <a:highlight>
-                  <a:srgbClr val="FFFFFF"/>
-                </a:highlight>
-                <a:latin typeface="Consolas"/>
-              </a:rPr>
-              <a:t> </a:t>
-            </a:r>
-          </a:p>
-          <a:p>
-            <a:r>
-              <a:rPr lang="en-GB" sz="1600" dirty="0" smtClean="0">
-                <a:solidFill>
-                  <a:srgbClr val="000000"/>
-                </a:solidFill>
-                <a:highlight>
-                  <a:srgbClr val="FFFFFF"/>
-                </a:highlight>
-                <a:latin typeface="Consolas"/>
-              </a:rPr>
-              <a:t>		</a:t>
-            </a:r>
-            <a:r>
-              <a:rPr lang="en-GB" sz="1600" dirty="0" err="1" smtClean="0">
-                <a:solidFill>
-                  <a:srgbClr val="000000"/>
-                </a:solidFill>
-                <a:highlight>
-                  <a:srgbClr val="FFFFFF"/>
-                </a:highlight>
-                <a:latin typeface="Consolas"/>
-              </a:rPr>
-              <a:t>element.SetValue</a:t>
-            </a:r>
-            <a:r>
-              <a:rPr lang="en-GB" sz="1600" dirty="0" smtClean="0">
-                <a:solidFill>
-                  <a:srgbClr val="000000"/>
-                </a:solidFill>
-                <a:highlight>
-                  <a:srgbClr val="FFFFFF"/>
-                </a:highlight>
-                <a:latin typeface="Consolas"/>
-              </a:rPr>
-              <a:t>(</a:t>
-            </a:r>
-            <a:r>
-              <a:rPr lang="en-GB" sz="1600" dirty="0" err="1" smtClean="0">
-                <a:solidFill>
-                  <a:srgbClr val="000000"/>
-                </a:solidFill>
-                <a:highlight>
-                  <a:srgbClr val="FFFFFF"/>
-                </a:highlight>
-                <a:latin typeface="Consolas"/>
-              </a:rPr>
-              <a:t>IdProperty</a:t>
-            </a:r>
-            <a:r>
-              <a:rPr lang="en-GB" sz="1600" dirty="0">
-                <a:solidFill>
-                  <a:srgbClr val="000000"/>
-                </a:solidFill>
-                <a:highlight>
-                  <a:srgbClr val="FFFFFF"/>
-                </a:highlight>
-                <a:latin typeface="Consolas"/>
-              </a:rPr>
-              <a:t>, </a:t>
-            </a:r>
-            <a:r>
-              <a:rPr lang="en-GB" sz="1600" dirty="0" err="1">
-                <a:solidFill>
-                  <a:srgbClr val="000000"/>
-                </a:solidFill>
-                <a:highlight>
-                  <a:srgbClr val="FFFFFF"/>
-                </a:highlight>
-                <a:latin typeface="Consolas"/>
-              </a:rPr>
-              <a:t>GetNewId</a:t>
-            </a:r>
-            <a:r>
-              <a:rPr lang="en-GB" sz="1600" dirty="0">
-                <a:solidFill>
-                  <a:srgbClr val="000000"/>
-                </a:solidFill>
-                <a:highlight>
-                  <a:srgbClr val="FFFFFF"/>
-                </a:highlight>
-                <a:latin typeface="Consolas"/>
-              </a:rPr>
-              <a:t>(element</a:t>
-            </a:r>
-            <a:r>
-              <a:rPr lang="en-GB" sz="1600" dirty="0" smtClean="0">
-                <a:solidFill>
-                  <a:srgbClr val="000000"/>
-                </a:solidFill>
-                <a:highlight>
-                  <a:srgbClr val="FFFFFF"/>
-                </a:highlight>
-                <a:latin typeface="Consolas"/>
-              </a:rPr>
-              <a:t>))</a:t>
-            </a:r>
-            <a:endParaRPr lang="en-GB" sz="1600" dirty="0">
-              <a:solidFill>
-                <a:srgbClr val="000000"/>
-              </a:solidFill>
-              <a:highlight>
-                <a:srgbClr val="FFFFFF"/>
-              </a:highlight>
-              <a:latin typeface="Consolas"/>
-            </a:endParaRPr>
-          </a:p>
-          <a:p>
-            <a:r>
-              <a:rPr lang="ru-RU" sz="1600" dirty="0" smtClean="0">
-                <a:solidFill>
-                  <a:srgbClr val="000000"/>
-                </a:solidFill>
-                <a:highlight>
-                  <a:srgbClr val="FFFFFF"/>
-                </a:highlight>
-                <a:latin typeface="Consolas"/>
-              </a:rPr>
-              <a:t>);</a:t>
-            </a:r>
-            <a:endParaRPr lang="ru-RU" sz="1600" dirty="0">
-              <a:solidFill>
-                <a:srgbClr val="000000"/>
-              </a:solidFill>
-              <a:highlight>
-                <a:srgbClr val="FFFFFF"/>
-              </a:highlight>
-              <a:latin typeface="Consolas"/>
-            </a:endParaRPr>
-          </a:p>
-        </p:txBody>
-      </p:sp>
-      <p:sp>
-        <p:nvSpPr>
-          <p:cNvPr id="11" name="Скругленный прямоугольник 10"/>
-          <p:cNvSpPr/>
-          <p:nvPr/>
-        </p:nvSpPr>
-        <p:spPr>
-          <a:xfrm>
-            <a:off x="1962150" y="4095750"/>
-            <a:ext cx="6210250" cy="514350"/>
-          </a:xfrm>
-          <a:prstGeom prst="roundRect">
-            <a:avLst/>
-          </a:prstGeom>
-          <a:noFill/>
-          <a:ln>
-            <a:solidFill>
-              <a:srgbClr val="00B050"/>
-            </a:solidFill>
-          </a:ln>
-        </p:spPr>
-        <p:style>
-          <a:lnRef idx="2">
-            <a:schemeClr val="accent1">
-              <a:shade val="50000"/>
-            </a:schemeClr>
-          </a:lnRef>
-          <a:fillRef idx="1">
-            <a:schemeClr val="accent1"/>
-          </a:fillRef>
-          <a:effectRef idx="0">
-            <a:schemeClr val="accent1"/>
-          </a:effectRef>
-          <a:fontRef idx="minor">
-            <a:schemeClr val="lt1"/>
-          </a:fontRef>
-        </p:style>
-        <p:txBody>
-          <a:bodyPr rtlCol="0" anchor="ctr"/>
-          <a:lstStyle/>
-          <a:p>
-            <a:pPr algn="ctr"/>
-            <a:endParaRPr lang="ru-RU"/>
-          </a:p>
-        </p:txBody>
-      </p:sp>
-    </p:spTree>
-    <p:extLst>
-      <p:ext uri="{BB962C8B-B14F-4D97-AF65-F5344CB8AC3E}">
-        <p14:creationId xmlns:p14="http://schemas.microsoft.com/office/powerpoint/2010/main" val="3182621379"/>
-      </p:ext>
-    </p:extLst>
-  </p:cSld>
-  <p:clrMapOvr>
-    <a:masterClrMapping/>
-  </p:clrMapOvr>
-  <p:transition spd="slow">
-    <p:push/>
-  </p:transition>
-  <p:timing>
-    <p:tnLst>
-      <p:par>
-        <p:cTn id="1" dur="indefinite" restart="never" nodeType="tmRoot"/>
-      </p:par>
-    </p:tnLst>
-  </p:timing>
-</p:sld>
-</file>
-
-<file path=ppt/slides/slide14.xml><?xml version="1.0" encoding="utf-8"?>
+<file path=ppt/slides/slide15.xml><?xml version="1.0" encoding="utf-8"?>
 <p:sld xmlns:a="http://schemas.openxmlformats.org/drawingml/2006/main" xmlns:r="http://schemas.openxmlformats.org/officeDocument/2006/relationships" xmlns:p="http://schemas.openxmlformats.org/presentationml/2006/main">
   <p:cSld>
     <p:spTree>
@@ -6014,6 +8566,153 @@
       </p:grpSpPr>
       <p:sp>
         <p:nvSpPr>
+          <p:cNvPr id="10" name="Заголовок 1"/>
+          <p:cNvSpPr txBox="1">
+            <a:spLocks/>
+          </p:cNvSpPr>
+          <p:nvPr/>
+        </p:nvSpPr>
+        <p:spPr>
+          <a:xfrm>
+            <a:off x="-15602" y="2636912"/>
+            <a:ext cx="9159602" cy="1470025"/>
+          </a:xfrm>
+          <a:prstGeom prst="rect">
+            <a:avLst/>
+          </a:prstGeom>
+        </p:spPr>
+        <p:txBody>
+          <a:bodyPr vert="horz" lIns="91440" tIns="45720" rIns="91440" bIns="45720" rtlCol="0" anchor="ctr">
+            <a:normAutofit/>
+          </a:bodyPr>
+          <a:lstStyle>
+            <a:lvl1pPr algn="ctr" defTabSz="914400" rtl="0" eaLnBrk="1" latinLnBrk="0" hangingPunct="1">
+              <a:spcBef>
+                <a:spcPct val="0"/>
+              </a:spcBef>
+              <a:buNone/>
+              <a:defRPr sz="4400" kern="1200">
+                <a:solidFill>
+                  <a:schemeClr val="tx1"/>
+                </a:solidFill>
+                <a:latin typeface="+mj-lt"/>
+                <a:ea typeface="+mj-ea"/>
+                <a:cs typeface="+mj-cs"/>
+              </a:defRPr>
+            </a:lvl1pPr>
+          </a:lstStyle>
+          <a:p>
+            <a:r>
+              <a:rPr lang="en-US" dirty="0" smtClean="0"/>
+              <a:t>Visual Graph Editor</a:t>
+            </a:r>
+            <a:endParaRPr lang="ru-RU" dirty="0"/>
+          </a:p>
+        </p:txBody>
+      </p:sp>
+      <p:pic>
+        <p:nvPicPr>
+          <p:cNvPr id="3075" name="Picture 3"/>
+          <p:cNvPicPr>
+            <a:picLocks noChangeAspect="1" noChangeArrowheads="1"/>
+          </p:cNvPicPr>
+          <p:nvPr/>
+        </p:nvPicPr>
+        <p:blipFill>
+          <a:blip r:embed="rId2">
+            <a:extLst>
+              <a:ext uri="{28A0092B-C50C-407E-A947-70E740481C1C}">
+                <a14:useLocalDpi xmlns:a14="http://schemas.microsoft.com/office/drawing/2010/main" val="0"/>
+              </a:ext>
+            </a:extLst>
+          </a:blip>
+          <a:srcRect/>
+          <a:stretch>
+            <a:fillRect/>
+          </a:stretch>
+        </p:blipFill>
+        <p:spPr bwMode="auto">
+          <a:xfrm>
+            <a:off x="1619672" y="3143324"/>
+            <a:ext cx="457200" cy="457200"/>
+          </a:xfrm>
+          <a:prstGeom prst="rect">
+            <a:avLst/>
+          </a:prstGeom>
+          <a:noFill/>
+          <a:ln>
+            <a:noFill/>
+          </a:ln>
+          <a:effectLst/>
+          <a:extLst>
+            <a:ext uri="{909E8E84-426E-40DD-AFC4-6F175D3DCCD1}">
+              <a14:hiddenFill xmlns:a14="http://schemas.microsoft.com/office/drawing/2010/main">
+                <a:solidFill>
+                  <a:schemeClr val="accent1"/>
+                </a:solidFill>
+              </a14:hiddenFill>
+            </a:ext>
+            <a:ext uri="{91240B29-F687-4F45-9708-019B960494DF}">
+              <a14:hiddenLine xmlns:a14="http://schemas.microsoft.com/office/drawing/2010/main" w="9525">
+                <a:solidFill>
+                  <a:schemeClr val="tx1"/>
+                </a:solidFill>
+                <a:miter lim="800000"/>
+                <a:headEnd/>
+                <a:tailEnd/>
+              </a14:hiddenLine>
+            </a:ext>
+            <a:ext uri="{AF507438-7753-43E0-B8FC-AC1667EBCBE1}">
+              <a14:hiddenEffects xmlns:a14="http://schemas.microsoft.com/office/drawing/2010/main">
+                <a:effectLst>
+                  <a:outerShdw dist="35921" dir="2700000" algn="ctr" rotWithShape="0">
+                    <a:schemeClr val="bg2"/>
+                  </a:outerShdw>
+                </a:effectLst>
+              </a14:hiddenEffects>
+            </a:ext>
+          </a:extLst>
+        </p:spPr>
+      </p:pic>
+    </p:spTree>
+    <p:extLst>
+      <p:ext uri="{BB962C8B-B14F-4D97-AF65-F5344CB8AC3E}">
+        <p14:creationId xmlns:p14="http://schemas.microsoft.com/office/powerpoint/2010/main" val="2381307044"/>
+      </p:ext>
+    </p:extLst>
+  </p:cSld>
+  <p:clrMapOvr>
+    <a:masterClrMapping/>
+  </p:clrMapOvr>
+  <p:timing>
+    <p:tnLst>
+      <p:par>
+        <p:cTn id="1" dur="indefinite" restart="never" nodeType="tmRoot"/>
+      </p:par>
+    </p:tnLst>
+  </p:timing>
+</p:sld>
+</file>
+
+<file path=ppt/slides/slide3.xml><?xml version="1.0" encoding="utf-8"?>
+<p:sld xmlns:a="http://schemas.openxmlformats.org/drawingml/2006/main" xmlns:r="http://schemas.openxmlformats.org/officeDocument/2006/relationships" xmlns:p="http://schemas.openxmlformats.org/presentationml/2006/main">
+  <p:cSld>
+    <p:spTree>
+      <p:nvGrpSpPr>
+        <p:cNvPr id="1" name=""/>
+        <p:cNvGrpSpPr/>
+        <p:nvPr/>
+      </p:nvGrpSpPr>
+      <p:grpSpPr>
+        <a:xfrm>
+          <a:off x="0" y="0"/>
+          <a:ext cx="0" cy="0"/>
+          <a:chOff x="0" y="0"/>
+          <a:chExt cx="0" cy="0"/>
+        </a:xfrm>
+      </p:grpSpPr>
+      <p:sp>
+        <p:nvSpPr>
           <p:cNvPr id="2" name="Заголовок 1"/>
           <p:cNvSpPr>
             <a:spLocks noGrp="1"/>
@@ -6047,8 +8746,8 @@
         </p:nvSpPr>
         <p:spPr>
           <a:xfrm>
-            <a:off x="1475656" y="1600200"/>
-            <a:ext cx="7211144" cy="4525963"/>
+            <a:off x="1475656" y="1600201"/>
+            <a:ext cx="7211144" cy="3052936"/>
           </a:xfrm>
         </p:spPr>
         <p:txBody>
@@ -6493,6 +9192,142 @@
           </a:extLst>
         </p:spPr>
       </p:pic>
+      <p:sp>
+        <p:nvSpPr>
+          <p:cNvPr id="4" name="TextBox 3"/>
+          <p:cNvSpPr txBox="1"/>
+          <p:nvPr/>
+        </p:nvSpPr>
+        <p:spPr>
+          <a:xfrm>
+            <a:off x="-6902" y="5966210"/>
+            <a:ext cx="9144000" cy="584775"/>
+          </a:xfrm>
+          <a:prstGeom prst="rect">
+            <a:avLst/>
+          </a:prstGeom>
+          <a:noFill/>
+          <a:scene3d>
+            <a:camera prst="orthographicFront">
+              <a:rot lat="0" lon="0" rev="0"/>
+            </a:camera>
+            <a:lightRig rig="threePt" dir="t"/>
+          </a:scene3d>
+        </p:spPr>
+        <p:txBody>
+          <a:bodyPr wrap="square" rtlCol="0">
+            <a:spAutoFit/>
+          </a:bodyPr>
+          <a:lstStyle/>
+          <a:p>
+            <a:pPr algn="ctr"/>
+            <a:r>
+              <a:rPr lang="en-US" sz="3200" dirty="0" smtClean="0"/>
+              <a:t>Write an application</a:t>
+            </a:r>
+            <a:endParaRPr lang="ru-RU" sz="3200" dirty="0"/>
+          </a:p>
+        </p:txBody>
+      </p:sp>
+      <p:pic>
+        <p:nvPicPr>
+          <p:cNvPr id="5122" name="Picture 2"/>
+          <p:cNvPicPr>
+            <a:picLocks noChangeAspect="1" noChangeArrowheads="1"/>
+          </p:cNvPicPr>
+          <p:nvPr/>
+        </p:nvPicPr>
+        <p:blipFill>
+          <a:blip r:embed="rId8">
+            <a:extLst>
+              <a:ext uri="{28A0092B-C50C-407E-A947-70E740481C1C}">
+                <a14:useLocalDpi xmlns:a14="http://schemas.microsoft.com/office/drawing/2010/main" val="0"/>
+              </a:ext>
+            </a:extLst>
+          </a:blip>
+          <a:srcRect/>
+          <a:stretch>
+            <a:fillRect/>
+          </a:stretch>
+        </p:blipFill>
+        <p:spPr bwMode="auto">
+          <a:xfrm>
+            <a:off x="6491064" y="6029998"/>
+            <a:ext cx="457200" cy="457200"/>
+          </a:xfrm>
+          <a:prstGeom prst="rect">
+            <a:avLst/>
+          </a:prstGeom>
+          <a:noFill/>
+          <a:ln>
+            <a:noFill/>
+          </a:ln>
+          <a:effectLst/>
+          <a:extLst>
+            <a:ext uri="{909E8E84-426E-40DD-AFC4-6F175D3DCCD1}">
+              <a14:hiddenFill xmlns:a14="http://schemas.microsoft.com/office/drawing/2010/main">
+                <a:solidFill>
+                  <a:schemeClr val="accent1"/>
+                </a:solidFill>
+              </a14:hiddenFill>
+            </a:ext>
+            <a:ext uri="{91240B29-F687-4F45-9708-019B960494DF}">
+              <a14:hiddenLine xmlns:a14="http://schemas.microsoft.com/office/drawing/2010/main" w="9525">
+                <a:solidFill>
+                  <a:schemeClr val="tx1"/>
+                </a:solidFill>
+                <a:miter lim="800000"/>
+                <a:headEnd/>
+                <a:tailEnd/>
+              </a14:hiddenLine>
+            </a:ext>
+            <a:ext uri="{AF507438-7753-43E0-B8FC-AC1667EBCBE1}">
+              <a14:hiddenEffects xmlns:a14="http://schemas.microsoft.com/office/drawing/2010/main">
+                <a:effectLst>
+                  <a:outerShdw dist="35921" dir="2700000" algn="ctr" rotWithShape="0">
+                    <a:schemeClr val="bg2"/>
+                  </a:outerShdw>
+                </a:effectLst>
+              </a14:hiddenEffects>
+            </a:ext>
+          </a:extLst>
+        </p:spPr>
+      </p:pic>
+      <p:cxnSp>
+        <p:nvCxnSpPr>
+          <p:cNvPr id="6" name="Прямая соединительная линия 5"/>
+          <p:cNvCxnSpPr/>
+          <p:nvPr/>
+        </p:nvCxnSpPr>
+        <p:spPr>
+          <a:xfrm>
+            <a:off x="2915816" y="5822195"/>
+            <a:ext cx="3312368" cy="0"/>
+          </a:xfrm>
+          <a:prstGeom prst="line">
+            <a:avLst/>
+          </a:prstGeom>
+          <a:ln w="38100">
+            <a:solidFill>
+              <a:schemeClr val="tx1"/>
+            </a:solidFill>
+          </a:ln>
+        </p:spPr>
+        <p:style>
+          <a:lnRef idx="1">
+            <a:schemeClr val="accent1"/>
+          </a:lnRef>
+          <a:fillRef idx="0">
+            <a:schemeClr val="accent1"/>
+          </a:fillRef>
+          <a:effectRef idx="0">
+            <a:schemeClr val="accent1"/>
+          </a:effectRef>
+          <a:fontRef idx="minor">
+            <a:schemeClr val="tx1"/>
+          </a:fontRef>
+        </p:style>
+      </p:cxnSp>
     </p:spTree>
     <p:extLst>
       <p:ext uri="{BB962C8B-B14F-4D97-AF65-F5344CB8AC3E}">
@@ -6516,7 +9351,7 @@
 </p:sld>
 </file>
 
-<file path=ppt/slides/slide3.xml><?xml version="1.0" encoding="utf-8"?>
+<file path=ppt/slides/slide4.xml><?xml version="1.0" encoding="utf-8"?>
 <p:sld xmlns:a="http://schemas.openxmlformats.org/drawingml/2006/main" xmlns:r="http://schemas.openxmlformats.org/officeDocument/2006/relationships" xmlns:p="http://schemas.openxmlformats.org/presentationml/2006/main">
   <p:cSld>
     <p:spTree>
@@ -7092,7 +9927,7 @@
 </p:sld>
 </file>
 
-<file path=ppt/slides/slide4.xml><?xml version="1.0" encoding="utf-8"?>
+<file path=ppt/slides/slide5.xml><?xml version="1.0" encoding="utf-8"?>
 <p:sld xmlns:a="http://schemas.openxmlformats.org/drawingml/2006/main" xmlns:r="http://schemas.openxmlformats.org/officeDocument/2006/relationships" xmlns:p="http://schemas.openxmlformats.org/presentationml/2006/main">
   <p:cSld>
     <p:spTree>
@@ -7625,7 +10460,315 @@
 </p:sld>
 </file>
 
-<file path=ppt/slides/slide5.xml><?xml version="1.0" encoding="utf-8"?>
+<file path=ppt/slides/slide6.xml><?xml version="1.0" encoding="utf-8"?>
+<p:sld xmlns:a="http://schemas.openxmlformats.org/drawingml/2006/main" xmlns:r="http://schemas.openxmlformats.org/officeDocument/2006/relationships" xmlns:p="http://schemas.openxmlformats.org/presentationml/2006/main">
+  <p:cSld>
+    <p:spTree>
+      <p:nvGrpSpPr>
+        <p:cNvPr id="1" name=""/>
+        <p:cNvGrpSpPr/>
+        <p:nvPr/>
+      </p:nvGrpSpPr>
+      <p:grpSpPr>
+        <a:xfrm>
+          <a:off x="0" y="0"/>
+          <a:ext cx="0" cy="0"/>
+          <a:chOff x="0" y="0"/>
+          <a:chExt cx="0" cy="0"/>
+        </a:xfrm>
+      </p:grpSpPr>
+      <p:sp>
+        <p:nvSpPr>
+          <p:cNvPr id="2" name="Заголовок 1"/>
+          <p:cNvSpPr>
+            <a:spLocks noGrp="1"/>
+          </p:cNvSpPr>
+          <p:nvPr>
+            <p:ph type="title"/>
+          </p:nvPr>
+        </p:nvSpPr>
+        <p:spPr/>
+        <p:txBody>
+          <a:bodyPr/>
+          <a:lstStyle/>
+          <a:p>
+            <a:r>
+              <a:rPr lang="en-US" dirty="0" smtClean="0"/>
+              <a:t>Project structure</a:t>
+            </a:r>
+            <a:endParaRPr lang="ru-RU" dirty="0"/>
+          </a:p>
+        </p:txBody>
+      </p:sp>
+      <p:pic>
+        <p:nvPicPr>
+          <p:cNvPr id="1027" name="Picture 3"/>
+          <p:cNvPicPr>
+            <a:picLocks noChangeAspect="1" noChangeArrowheads="1"/>
+          </p:cNvPicPr>
+          <p:nvPr/>
+        </p:nvPicPr>
+        <p:blipFill>
+          <a:blip r:embed="rId2">
+            <a:extLst>
+              <a:ext uri="{28A0092B-C50C-407E-A947-70E740481C1C}">
+                <a14:useLocalDpi xmlns:a14="http://schemas.microsoft.com/office/drawing/2010/main" val="0"/>
+              </a:ext>
+            </a:extLst>
+          </a:blip>
+          <a:srcRect/>
+          <a:stretch>
+            <a:fillRect/>
+          </a:stretch>
+        </p:blipFill>
+        <p:spPr bwMode="auto">
+          <a:xfrm>
+            <a:off x="1907704" y="626597"/>
+            <a:ext cx="457200" cy="457200"/>
+          </a:xfrm>
+          <a:prstGeom prst="rect">
+            <a:avLst/>
+          </a:prstGeom>
+          <a:noFill/>
+          <a:ln>
+            <a:noFill/>
+          </a:ln>
+          <a:effectLst/>
+          <a:extLst>
+            <a:ext uri="{909E8E84-426E-40DD-AFC4-6F175D3DCCD1}">
+              <a14:hiddenFill xmlns:a14="http://schemas.microsoft.com/office/drawing/2010/main">
+                <a:solidFill>
+                  <a:schemeClr val="accent1"/>
+                </a:solidFill>
+              </a14:hiddenFill>
+            </a:ext>
+            <a:ext uri="{91240B29-F687-4F45-9708-019B960494DF}">
+              <a14:hiddenLine xmlns:a14="http://schemas.microsoft.com/office/drawing/2010/main" w="9525">
+                <a:solidFill>
+                  <a:schemeClr val="tx1"/>
+                </a:solidFill>
+                <a:miter lim="800000"/>
+                <a:headEnd/>
+                <a:tailEnd/>
+              </a14:hiddenLine>
+            </a:ext>
+            <a:ext uri="{AF507438-7753-43E0-B8FC-AC1667EBCBE1}">
+              <a14:hiddenEffects xmlns:a14="http://schemas.microsoft.com/office/drawing/2010/main">
+                <a:effectLst>
+                  <a:outerShdw dist="35921" dir="2700000" algn="ctr" rotWithShape="0">
+                    <a:schemeClr val="bg2"/>
+                  </a:outerShdw>
+                </a:effectLst>
+              </a14:hiddenEffects>
+            </a:ext>
+          </a:extLst>
+        </p:spPr>
+      </p:pic>
+      <p:pic>
+        <p:nvPicPr>
+          <p:cNvPr id="1033" name="Picture 9" descr="C:\Users\hinst\Docs\Pro\Coursework_2\Documentation\1.jpg"/>
+          <p:cNvPicPr>
+            <a:picLocks noChangeAspect="1" noChangeArrowheads="1"/>
+          </p:cNvPicPr>
+          <p:nvPr/>
+        </p:nvPicPr>
+        <p:blipFill>
+          <a:blip r:embed="rId3" cstate="print">
+            <a:grayscl/>
+            <a:extLst>
+              <a:ext uri="{28A0092B-C50C-407E-A947-70E740481C1C}">
+                <a14:useLocalDpi xmlns:a14="http://schemas.microsoft.com/office/drawing/2010/main" val="0"/>
+              </a:ext>
+            </a:extLst>
+          </a:blip>
+          <a:srcRect/>
+          <a:stretch>
+            <a:fillRect/>
+          </a:stretch>
+        </p:blipFill>
+        <p:spPr bwMode="auto">
+          <a:xfrm>
+            <a:off x="0" y="2250325"/>
+            <a:ext cx="9144000" cy="2659813"/>
+          </a:xfrm>
+          <a:prstGeom prst="rect">
+            <a:avLst/>
+          </a:prstGeom>
+          <a:noFill/>
+          <a:extLst>
+            <a:ext uri="{909E8E84-426E-40DD-AFC4-6F175D3DCCD1}">
+              <a14:hiddenFill xmlns:a14="http://schemas.microsoft.com/office/drawing/2010/main">
+                <a:solidFill>
+                  <a:srgbClr val="FFFFFF"/>
+                </a:solidFill>
+              </a14:hiddenFill>
+            </a:ext>
+          </a:extLst>
+        </p:spPr>
+      </p:pic>
+    </p:spTree>
+    <p:extLst>
+      <p:ext uri="{BB962C8B-B14F-4D97-AF65-F5344CB8AC3E}">
+        <p14:creationId xmlns:p14="http://schemas.microsoft.com/office/powerpoint/2010/main" val="4135475144"/>
+      </p:ext>
+    </p:extLst>
+  </p:cSld>
+  <p:clrMapOvr>
+    <a:masterClrMapping/>
+  </p:clrMapOvr>
+  <p:timing>
+    <p:tnLst>
+      <p:par>
+        <p:cTn id="1" dur="indefinite" restart="never" nodeType="tmRoot"/>
+      </p:par>
+    </p:tnLst>
+  </p:timing>
+</p:sld>
+</file>
+
+<file path=ppt/slides/slide7.xml><?xml version="1.0" encoding="utf-8"?>
+<p:sld xmlns:a="http://schemas.openxmlformats.org/drawingml/2006/main" xmlns:r="http://schemas.openxmlformats.org/officeDocument/2006/relationships" xmlns:p="http://schemas.openxmlformats.org/presentationml/2006/main">
+  <p:cSld>
+    <p:spTree>
+      <p:nvGrpSpPr>
+        <p:cNvPr id="1" name=""/>
+        <p:cNvGrpSpPr/>
+        <p:nvPr/>
+      </p:nvGrpSpPr>
+      <p:grpSpPr>
+        <a:xfrm>
+          <a:off x="0" y="0"/>
+          <a:ext cx="0" cy="0"/>
+          <a:chOff x="0" y="0"/>
+          <a:chExt cx="0" cy="0"/>
+        </a:xfrm>
+      </p:grpSpPr>
+      <p:sp>
+        <p:nvSpPr>
+          <p:cNvPr id="2" name="Заголовок 1"/>
+          <p:cNvSpPr>
+            <a:spLocks noGrp="1"/>
+          </p:cNvSpPr>
+          <p:nvPr>
+            <p:ph type="title"/>
+          </p:nvPr>
+        </p:nvSpPr>
+        <p:spPr/>
+        <p:txBody>
+          <a:bodyPr/>
+          <a:lstStyle/>
+          <a:p>
+            <a:r>
+              <a:rPr lang="en-US" dirty="0" smtClean="0"/>
+              <a:t>Project classes</a:t>
+            </a:r>
+            <a:endParaRPr lang="ru-RU" dirty="0"/>
+          </a:p>
+        </p:txBody>
+      </p:sp>
+      <p:pic>
+        <p:nvPicPr>
+          <p:cNvPr id="2052" name="Picture 4" descr="C:\Users\hinst\Docs\Pro\Coursework_2\Documentation\1.jpg"/>
+          <p:cNvPicPr>
+            <a:picLocks noChangeAspect="1" noChangeArrowheads="1"/>
+          </p:cNvPicPr>
+          <p:nvPr/>
+        </p:nvPicPr>
+        <p:blipFill>
+          <a:blip r:embed="rId2">
+            <a:extLst>
+              <a:ext uri="{28A0092B-C50C-407E-A947-70E740481C1C}">
+                <a14:useLocalDpi xmlns:a14="http://schemas.microsoft.com/office/drawing/2010/main" val="0"/>
+              </a:ext>
+            </a:extLst>
+          </a:blip>
+          <a:srcRect/>
+          <a:stretch>
+            <a:fillRect/>
+          </a:stretch>
+        </p:blipFill>
+        <p:spPr bwMode="auto">
+          <a:xfrm>
+            <a:off x="1691680" y="548680"/>
+            <a:ext cx="952500" cy="676275"/>
+          </a:xfrm>
+          <a:prstGeom prst="rect">
+            <a:avLst/>
+          </a:prstGeom>
+          <a:noFill/>
+          <a:extLst>
+            <a:ext uri="{909E8E84-426E-40DD-AFC4-6F175D3DCCD1}">
+              <a14:hiddenFill xmlns:a14="http://schemas.microsoft.com/office/drawing/2010/main">
+                <a:solidFill>
+                  <a:srgbClr val="FFFFFF"/>
+                </a:solidFill>
+              </a14:hiddenFill>
+            </a:ext>
+          </a:extLst>
+        </p:spPr>
+      </p:pic>
+      <p:pic>
+        <p:nvPicPr>
+          <p:cNvPr id="2053" name="Picture 5" descr="C:\Users\hinst\Docs\Pro\Coursework_2\Documentation\1.jpg"/>
+          <p:cNvPicPr>
+            <a:picLocks noChangeAspect="1" noChangeArrowheads="1"/>
+          </p:cNvPicPr>
+          <p:nvPr/>
+        </p:nvPicPr>
+        <p:blipFill>
+          <a:blip r:embed="rId3" cstate="print">
+            <a:extLst>
+              <a:ext uri="{28A0092B-C50C-407E-A947-70E740481C1C}">
+                <a14:useLocalDpi xmlns:a14="http://schemas.microsoft.com/office/drawing/2010/main" val="0"/>
+              </a:ext>
+            </a:extLst>
+          </a:blip>
+          <a:srcRect/>
+          <a:stretch>
+            <a:fillRect/>
+          </a:stretch>
+        </p:blipFill>
+        <p:spPr bwMode="auto">
+          <a:xfrm>
+            <a:off x="0" y="1484784"/>
+            <a:ext cx="9144001" cy="4874077"/>
+          </a:xfrm>
+          <a:prstGeom prst="rect">
+            <a:avLst/>
+          </a:prstGeom>
+          <a:noFill/>
+          <a:extLst>
+            <a:ext uri="{909E8E84-426E-40DD-AFC4-6F175D3DCCD1}">
+              <a14:hiddenFill xmlns:a14="http://schemas.microsoft.com/office/drawing/2010/main">
+                <a:solidFill>
+                  <a:srgbClr val="FFFFFF"/>
+                </a:solidFill>
+              </a14:hiddenFill>
+            </a:ext>
+          </a:extLst>
+        </p:spPr>
+      </p:pic>
+    </p:spTree>
+    <p:extLst>
+      <p:ext uri="{BB962C8B-B14F-4D97-AF65-F5344CB8AC3E}">
+        <p14:creationId xmlns:p14="http://schemas.microsoft.com/office/powerpoint/2010/main" val="1047378216"/>
+      </p:ext>
+    </p:extLst>
+  </p:cSld>
+  <p:clrMapOvr>
+    <a:masterClrMapping/>
+  </p:clrMapOvr>
+  <p:timing>
+    <p:tnLst>
+      <p:par>
+        <p:cTn id="1" dur="indefinite" restart="never" nodeType="tmRoot"/>
+      </p:par>
+    </p:tnLst>
+  </p:timing>
+</p:sld>
+</file>
+
+<file path=ppt/slides/slide8.xml><?xml version="1.0" encoding="utf-8"?>
 <p:sld xmlns:a="http://schemas.openxmlformats.org/drawingml/2006/main" xmlns:r="http://schemas.openxmlformats.org/officeDocument/2006/relationships" xmlns:p="http://schemas.openxmlformats.org/presentationml/2006/main">
   <p:cSld>
     <p:spTree>
@@ -7802,9 +10945,19 @@
 </p:sld>
 </file>
 
-<file path=ppt/slides/slide6.xml><?xml version="1.0" encoding="utf-8"?>
+<file path=ppt/slides/slide9.xml><?xml version="1.0" encoding="utf-8"?>
 <p:sld xmlns:a="http://schemas.openxmlformats.org/drawingml/2006/main" xmlns:r="http://schemas.openxmlformats.org/officeDocument/2006/relationships" xmlns:p="http://schemas.openxmlformats.org/presentationml/2006/main">
   <p:cSld>
+    <p:bg>
+      <p:bgPr>
+        <a:solidFill>
+          <a:schemeClr val="bg1">
+            <a:alpha val="0"/>
+          </a:schemeClr>
+        </a:solidFill>
+        <a:effectLst/>
+      </p:bgPr>
+    </p:bg>
     <p:spTree>
       <p:nvGrpSpPr>
         <p:cNvPr id="1" name=""/>
@@ -7998,3284 +11151,6 @@
     <p:extLst>
       <p:ext uri="{BB962C8B-B14F-4D97-AF65-F5344CB8AC3E}">
         <p14:creationId xmlns:p14="http://schemas.microsoft.com/office/powerpoint/2010/main" val="1632703800"/>
-      </p:ext>
-    </p:extLst>
-  </p:cSld>
-  <p:clrMapOvr>
-    <a:masterClrMapping/>
-  </p:clrMapOvr>
-  <p:transition spd="slow">
-    <p:push/>
-  </p:transition>
-  <p:timing>
-    <p:tnLst>
-      <p:par>
-        <p:cTn id="1" dur="indefinite" restart="never" nodeType="tmRoot"/>
-      </p:par>
-    </p:tnLst>
-  </p:timing>
-</p:sld>
-</file>
-
-<file path=ppt/slides/slide7.xml><?xml version="1.0" encoding="utf-8"?>
-<p:sld xmlns:a="http://schemas.openxmlformats.org/drawingml/2006/main" xmlns:r="http://schemas.openxmlformats.org/officeDocument/2006/relationships" xmlns:p="http://schemas.openxmlformats.org/presentationml/2006/main">
-  <p:cSld>
-    <p:spTree>
-      <p:nvGrpSpPr>
-        <p:cNvPr id="1" name=""/>
-        <p:cNvGrpSpPr/>
-        <p:nvPr/>
-      </p:nvGrpSpPr>
-      <p:grpSpPr>
-        <a:xfrm>
-          <a:off x="0" y="0"/>
-          <a:ext cx="0" cy="0"/>
-          <a:chOff x="0" y="0"/>
-          <a:chExt cx="0" cy="0"/>
-        </a:xfrm>
-      </p:grpSpPr>
-      <p:sp>
-        <p:nvSpPr>
-          <p:cNvPr id="2" name="Заголовок 1"/>
-          <p:cNvSpPr>
-            <a:spLocks noGrp="1"/>
-          </p:cNvSpPr>
-          <p:nvPr>
-            <p:ph type="title"/>
-          </p:nvPr>
-        </p:nvSpPr>
-        <p:spPr/>
-        <p:txBody>
-          <a:bodyPr/>
-          <a:lstStyle/>
-          <a:p>
-            <a:r>
-              <a:rPr lang="en-US" dirty="0" smtClean="0"/>
-              <a:t>XML Documents</a:t>
-            </a:r>
-            <a:endParaRPr lang="ru-RU" dirty="0"/>
-          </a:p>
-        </p:txBody>
-      </p:sp>
-      <p:pic>
-        <p:nvPicPr>
-          <p:cNvPr id="5122" name="Picture 2"/>
-          <p:cNvPicPr>
-            <a:picLocks noChangeAspect="1" noChangeArrowheads="1"/>
-          </p:cNvPicPr>
-          <p:nvPr/>
-        </p:nvPicPr>
-        <p:blipFill>
-          <a:blip r:embed="rId2">
-            <a:extLst>
-              <a:ext uri="{28A0092B-C50C-407E-A947-70E740481C1C}">
-                <a14:useLocalDpi xmlns:a14="http://schemas.microsoft.com/office/drawing/2010/main" val="0"/>
-              </a:ext>
-            </a:extLst>
-          </a:blip>
-          <a:srcRect/>
-          <a:stretch>
-            <a:fillRect/>
-          </a:stretch>
-        </p:blipFill>
-        <p:spPr bwMode="auto">
-          <a:xfrm>
-            <a:off x="1979712" y="622251"/>
-            <a:ext cx="457200" cy="457200"/>
-          </a:xfrm>
-          <a:prstGeom prst="rect">
-            <a:avLst/>
-          </a:prstGeom>
-          <a:noFill/>
-          <a:ln>
-            <a:noFill/>
-          </a:ln>
-          <a:effectLst/>
-          <a:extLst>
-            <a:ext uri="{909E8E84-426E-40DD-AFC4-6F175D3DCCD1}">
-              <a14:hiddenFill xmlns:a14="http://schemas.microsoft.com/office/drawing/2010/main">
-                <a:solidFill>
-                  <a:schemeClr val="accent1"/>
-                </a:solidFill>
-              </a14:hiddenFill>
-            </a:ext>
-            <a:ext uri="{91240B29-F687-4F45-9708-019B960494DF}">
-              <a14:hiddenLine xmlns:a14="http://schemas.microsoft.com/office/drawing/2010/main" w="9525">
-                <a:solidFill>
-                  <a:schemeClr val="tx1"/>
-                </a:solidFill>
-                <a:miter lim="800000"/>
-                <a:headEnd/>
-                <a:tailEnd/>
-              </a14:hiddenLine>
-            </a:ext>
-            <a:ext uri="{AF507438-7753-43E0-B8FC-AC1667EBCBE1}">
-              <a14:hiddenEffects xmlns:a14="http://schemas.microsoft.com/office/drawing/2010/main">
-                <a:effectLst>
-                  <a:outerShdw dist="35921" dir="2700000" algn="ctr" rotWithShape="0">
-                    <a:schemeClr val="bg2"/>
-                  </a:outerShdw>
-                </a:effectLst>
-              </a14:hiddenEffects>
-            </a:ext>
-          </a:extLst>
-        </p:spPr>
-      </p:pic>
-      <p:pic>
-        <p:nvPicPr>
-          <p:cNvPr id="5124" name="Picture 4"/>
-          <p:cNvPicPr>
-            <a:picLocks noChangeAspect="1" noChangeArrowheads="1"/>
-          </p:cNvPicPr>
-          <p:nvPr/>
-        </p:nvPicPr>
-        <p:blipFill>
-          <a:blip r:embed="rId3">
-            <a:extLst>
-              <a:ext uri="{28A0092B-C50C-407E-A947-70E740481C1C}">
-                <a14:useLocalDpi xmlns:a14="http://schemas.microsoft.com/office/drawing/2010/main" val="0"/>
-              </a:ext>
-            </a:extLst>
-          </a:blip>
-          <a:srcRect/>
-          <a:stretch>
-            <a:fillRect/>
-          </a:stretch>
-        </p:blipFill>
-        <p:spPr bwMode="auto">
-          <a:xfrm>
-            <a:off x="0" y="1383904"/>
-            <a:ext cx="9144000" cy="4962525"/>
-          </a:xfrm>
-          <a:prstGeom prst="rect">
-            <a:avLst/>
-          </a:prstGeom>
-          <a:noFill/>
-          <a:ln>
-            <a:noFill/>
-          </a:ln>
-          <a:effectLst/>
-          <a:extLst>
-            <a:ext uri="{909E8E84-426E-40DD-AFC4-6F175D3DCCD1}">
-              <a14:hiddenFill xmlns:a14="http://schemas.microsoft.com/office/drawing/2010/main">
-                <a:solidFill>
-                  <a:schemeClr val="accent1"/>
-                </a:solidFill>
-              </a14:hiddenFill>
-            </a:ext>
-            <a:ext uri="{91240B29-F687-4F45-9708-019B960494DF}">
-              <a14:hiddenLine xmlns:a14="http://schemas.microsoft.com/office/drawing/2010/main" w="9525">
-                <a:solidFill>
-                  <a:schemeClr val="tx1"/>
-                </a:solidFill>
-                <a:miter lim="800000"/>
-                <a:headEnd/>
-                <a:tailEnd/>
-              </a14:hiddenLine>
-            </a:ext>
-            <a:ext uri="{AF507438-7753-43E0-B8FC-AC1667EBCBE1}">
-              <a14:hiddenEffects xmlns:a14="http://schemas.microsoft.com/office/drawing/2010/main">
-                <a:effectLst>
-                  <a:outerShdw dist="35921" dir="2700000" algn="ctr" rotWithShape="0">
-                    <a:schemeClr val="bg2"/>
-                  </a:outerShdw>
-                </a:effectLst>
-              </a14:hiddenEffects>
-            </a:ext>
-          </a:extLst>
-        </p:spPr>
-      </p:pic>
-      <p:sp>
-        <p:nvSpPr>
-          <p:cNvPr id="8" name="Прямоугольник 7"/>
-          <p:cNvSpPr/>
-          <p:nvPr/>
-        </p:nvSpPr>
-        <p:spPr>
-          <a:xfrm>
-            <a:off x="0" y="1383904"/>
-            <a:ext cx="9144000" cy="4962525"/>
-          </a:xfrm>
-          <a:prstGeom prst="rect">
-            <a:avLst/>
-          </a:prstGeom>
-          <a:solidFill>
-            <a:schemeClr val="bg1">
-              <a:alpha val="75000"/>
-            </a:schemeClr>
-          </a:solidFill>
-          <a:ln>
-            <a:noFill/>
-          </a:ln>
-        </p:spPr>
-        <p:style>
-          <a:lnRef idx="2">
-            <a:schemeClr val="accent1">
-              <a:shade val="50000"/>
-            </a:schemeClr>
-          </a:lnRef>
-          <a:fillRef idx="1">
-            <a:schemeClr val="accent1"/>
-          </a:fillRef>
-          <a:effectRef idx="0">
-            <a:schemeClr val="accent1"/>
-          </a:effectRef>
-          <a:fontRef idx="minor">
-            <a:schemeClr val="lt1"/>
-          </a:fontRef>
-        </p:style>
-        <p:txBody>
-          <a:bodyPr rtlCol="0" anchor="ctr"/>
-          <a:lstStyle/>
-          <a:p>
-            <a:pPr algn="ctr"/>
-            <a:endParaRPr lang="ru-RU"/>
-          </a:p>
-        </p:txBody>
-      </p:sp>
-      <p:sp>
-        <p:nvSpPr>
-          <p:cNvPr id="19" name="Прямоугольник 18"/>
-          <p:cNvSpPr/>
-          <p:nvPr/>
-        </p:nvSpPr>
-        <p:spPr>
-          <a:xfrm>
-            <a:off x="460474" y="2636912"/>
-            <a:ext cx="8223051" cy="2003625"/>
-          </a:xfrm>
-          <a:prstGeom prst="rect">
-            <a:avLst/>
-          </a:prstGeom>
-        </p:spPr>
-        <p:txBody>
-          <a:bodyPr wrap="square">
-            <a:spAutoFit/>
-          </a:bodyPr>
-          <a:lstStyle/>
-          <a:p>
-            <a:pPr>
-              <a:lnSpc>
-                <a:spcPct val="115000"/>
-              </a:lnSpc>
-              <a:spcAft>
-                <a:spcPts val="0"/>
-              </a:spcAft>
-            </a:pPr>
-            <a:r>
-              <a:rPr lang="ru-RU" dirty="0">
-                <a:solidFill>
-                  <a:srgbClr val="0000FF"/>
-                </a:solidFill>
-                <a:effectLst>
-                  <a:glow rad="228600">
-                    <a:schemeClr val="bg1">
-                      <a:alpha val="40000"/>
-                    </a:schemeClr>
-                  </a:glow>
-                </a:effectLst>
-                <a:highlight>
-                  <a:srgbClr val="FFFFFF"/>
-                </a:highlight>
-                <a:latin typeface="Consolas" pitchFamily="49" charset="0"/>
-                <a:ea typeface="Calibri"/>
-                <a:cs typeface="Consolas" pitchFamily="49" charset="0"/>
-              </a:rPr>
-              <a:t>&lt;?</a:t>
-            </a:r>
-            <a:r>
-              <a:rPr lang="ru-RU" dirty="0" err="1">
-                <a:solidFill>
-                  <a:srgbClr val="A31515"/>
-                </a:solidFill>
-                <a:effectLst>
-                  <a:glow rad="228600">
-                    <a:schemeClr val="bg1">
-                      <a:alpha val="40000"/>
-                    </a:schemeClr>
-                  </a:glow>
-                </a:effectLst>
-                <a:highlight>
-                  <a:srgbClr val="FFFFFF"/>
-                </a:highlight>
-                <a:latin typeface="Consolas" pitchFamily="49" charset="0"/>
-                <a:ea typeface="Calibri"/>
-                <a:cs typeface="Consolas" pitchFamily="49" charset="0"/>
-              </a:rPr>
-              <a:t>xml</a:t>
-            </a:r>
-            <a:r>
-              <a:rPr lang="ru-RU" dirty="0">
-                <a:solidFill>
-                  <a:srgbClr val="0000FF"/>
-                </a:solidFill>
-                <a:effectLst>
-                  <a:glow rad="228600">
-                    <a:schemeClr val="bg1">
-                      <a:alpha val="40000"/>
-                    </a:schemeClr>
-                  </a:glow>
-                </a:effectLst>
-                <a:highlight>
-                  <a:srgbClr val="FFFFFF"/>
-                </a:highlight>
-                <a:latin typeface="Consolas" pitchFamily="49" charset="0"/>
-                <a:ea typeface="Calibri"/>
-                <a:cs typeface="Consolas" pitchFamily="49" charset="0"/>
-              </a:rPr>
-              <a:t> </a:t>
-            </a:r>
-            <a:r>
-              <a:rPr lang="ru-RU" dirty="0" err="1">
-                <a:solidFill>
-                  <a:srgbClr val="FF0000"/>
-                </a:solidFill>
-                <a:effectLst>
-                  <a:glow rad="228600">
-                    <a:schemeClr val="bg1">
-                      <a:alpha val="40000"/>
-                    </a:schemeClr>
-                  </a:glow>
-                </a:effectLst>
-                <a:highlight>
-                  <a:srgbClr val="FFFFFF"/>
-                </a:highlight>
-                <a:latin typeface="Consolas" pitchFamily="49" charset="0"/>
-                <a:ea typeface="Calibri"/>
-                <a:cs typeface="Consolas" pitchFamily="49" charset="0"/>
-              </a:rPr>
-              <a:t>version</a:t>
-            </a:r>
-            <a:r>
-              <a:rPr lang="ru-RU" dirty="0">
-                <a:solidFill>
-                  <a:srgbClr val="0000FF"/>
-                </a:solidFill>
-                <a:effectLst>
-                  <a:glow rad="228600">
-                    <a:schemeClr val="bg1">
-                      <a:alpha val="40000"/>
-                    </a:schemeClr>
-                  </a:glow>
-                </a:effectLst>
-                <a:highlight>
-                  <a:srgbClr val="FFFFFF"/>
-                </a:highlight>
-                <a:latin typeface="Consolas" pitchFamily="49" charset="0"/>
-                <a:ea typeface="Calibri"/>
-                <a:cs typeface="Consolas" pitchFamily="49" charset="0"/>
-              </a:rPr>
-              <a:t>=</a:t>
-            </a:r>
-            <a:r>
-              <a:rPr lang="ru-RU" dirty="0">
-                <a:solidFill>
-                  <a:srgbClr val="000000"/>
-                </a:solidFill>
-                <a:effectLst>
-                  <a:glow rad="228600">
-                    <a:schemeClr val="bg1">
-                      <a:alpha val="40000"/>
-                    </a:schemeClr>
-                  </a:glow>
-                </a:effectLst>
-                <a:highlight>
-                  <a:srgbClr val="FFFFFF"/>
-                </a:highlight>
-                <a:latin typeface="Consolas" pitchFamily="49" charset="0"/>
-                <a:ea typeface="Calibri"/>
-                <a:cs typeface="Consolas" pitchFamily="49" charset="0"/>
-              </a:rPr>
-              <a:t>"</a:t>
-            </a:r>
-            <a:r>
-              <a:rPr lang="ru-RU" dirty="0">
-                <a:solidFill>
-                  <a:srgbClr val="0000FF"/>
-                </a:solidFill>
-                <a:effectLst>
-                  <a:glow rad="228600">
-                    <a:schemeClr val="bg1">
-                      <a:alpha val="40000"/>
-                    </a:schemeClr>
-                  </a:glow>
-                </a:effectLst>
-                <a:highlight>
-                  <a:srgbClr val="FFFFFF"/>
-                </a:highlight>
-                <a:latin typeface="Consolas" pitchFamily="49" charset="0"/>
-                <a:ea typeface="Calibri"/>
-                <a:cs typeface="Consolas" pitchFamily="49" charset="0"/>
-              </a:rPr>
-              <a:t>1.0</a:t>
-            </a:r>
-            <a:r>
-              <a:rPr lang="ru-RU" dirty="0">
-                <a:solidFill>
-                  <a:srgbClr val="000000"/>
-                </a:solidFill>
-                <a:effectLst>
-                  <a:glow rad="228600">
-                    <a:schemeClr val="bg1">
-                      <a:alpha val="40000"/>
-                    </a:schemeClr>
-                  </a:glow>
-                </a:effectLst>
-                <a:highlight>
-                  <a:srgbClr val="FFFFFF"/>
-                </a:highlight>
-                <a:latin typeface="Consolas" pitchFamily="49" charset="0"/>
-                <a:ea typeface="Calibri"/>
-                <a:cs typeface="Consolas" pitchFamily="49" charset="0"/>
-              </a:rPr>
-              <a:t>"</a:t>
-            </a:r>
-            <a:r>
-              <a:rPr lang="ru-RU" dirty="0">
-                <a:solidFill>
-                  <a:srgbClr val="0000FF"/>
-                </a:solidFill>
-                <a:effectLst>
-                  <a:glow rad="228600">
-                    <a:schemeClr val="bg1">
-                      <a:alpha val="40000"/>
-                    </a:schemeClr>
-                  </a:glow>
-                </a:effectLst>
-                <a:highlight>
-                  <a:srgbClr val="FFFFFF"/>
-                </a:highlight>
-                <a:latin typeface="Consolas" pitchFamily="49" charset="0"/>
-                <a:ea typeface="Calibri"/>
-                <a:cs typeface="Consolas" pitchFamily="49" charset="0"/>
-              </a:rPr>
-              <a:t> </a:t>
-            </a:r>
-            <a:r>
-              <a:rPr lang="ru-RU" dirty="0" err="1">
-                <a:solidFill>
-                  <a:srgbClr val="FF0000"/>
-                </a:solidFill>
-                <a:effectLst>
-                  <a:glow rad="228600">
-                    <a:schemeClr val="bg1">
-                      <a:alpha val="40000"/>
-                    </a:schemeClr>
-                  </a:glow>
-                </a:effectLst>
-                <a:highlight>
-                  <a:srgbClr val="FFFFFF"/>
-                </a:highlight>
-                <a:latin typeface="Consolas" pitchFamily="49" charset="0"/>
-                <a:ea typeface="Calibri"/>
-                <a:cs typeface="Consolas" pitchFamily="49" charset="0"/>
-              </a:rPr>
-              <a:t>encoding</a:t>
-            </a:r>
-            <a:r>
-              <a:rPr lang="ru-RU" dirty="0">
-                <a:solidFill>
-                  <a:srgbClr val="0000FF"/>
-                </a:solidFill>
-                <a:effectLst>
-                  <a:glow rad="228600">
-                    <a:schemeClr val="bg1">
-                      <a:alpha val="40000"/>
-                    </a:schemeClr>
-                  </a:glow>
-                </a:effectLst>
-                <a:highlight>
-                  <a:srgbClr val="FFFFFF"/>
-                </a:highlight>
-                <a:latin typeface="Consolas" pitchFamily="49" charset="0"/>
-                <a:ea typeface="Calibri"/>
-                <a:cs typeface="Consolas" pitchFamily="49" charset="0"/>
-              </a:rPr>
-              <a:t>=</a:t>
-            </a:r>
-            <a:r>
-              <a:rPr lang="ru-RU" dirty="0">
-                <a:solidFill>
-                  <a:srgbClr val="000000"/>
-                </a:solidFill>
-                <a:effectLst>
-                  <a:glow rad="228600">
-                    <a:schemeClr val="bg1">
-                      <a:alpha val="40000"/>
-                    </a:schemeClr>
-                  </a:glow>
-                </a:effectLst>
-                <a:highlight>
-                  <a:srgbClr val="FFFFFF"/>
-                </a:highlight>
-                <a:latin typeface="Consolas" pitchFamily="49" charset="0"/>
-                <a:ea typeface="Calibri"/>
-                <a:cs typeface="Consolas" pitchFamily="49" charset="0"/>
-              </a:rPr>
-              <a:t>"</a:t>
-            </a:r>
-            <a:r>
-              <a:rPr lang="ru-RU" dirty="0">
-                <a:solidFill>
-                  <a:srgbClr val="0000FF"/>
-                </a:solidFill>
-                <a:effectLst>
-                  <a:glow rad="228600">
-                    <a:schemeClr val="bg1">
-                      <a:alpha val="40000"/>
-                    </a:schemeClr>
-                  </a:glow>
-                </a:effectLst>
-                <a:highlight>
-                  <a:srgbClr val="FFFFFF"/>
-                </a:highlight>
-                <a:latin typeface="Consolas" pitchFamily="49" charset="0"/>
-                <a:ea typeface="Calibri"/>
-                <a:cs typeface="Consolas" pitchFamily="49" charset="0"/>
-              </a:rPr>
-              <a:t>utf-8</a:t>
-            </a:r>
-            <a:r>
-              <a:rPr lang="ru-RU" dirty="0">
-                <a:solidFill>
-                  <a:srgbClr val="000000"/>
-                </a:solidFill>
-                <a:effectLst>
-                  <a:glow rad="228600">
-                    <a:schemeClr val="bg1">
-                      <a:alpha val="40000"/>
-                    </a:schemeClr>
-                  </a:glow>
-                </a:effectLst>
-                <a:highlight>
-                  <a:srgbClr val="FFFFFF"/>
-                </a:highlight>
-                <a:latin typeface="Consolas" pitchFamily="49" charset="0"/>
-                <a:ea typeface="Calibri"/>
-                <a:cs typeface="Consolas" pitchFamily="49" charset="0"/>
-              </a:rPr>
-              <a:t>"</a:t>
-            </a:r>
-            <a:r>
-              <a:rPr lang="ru-RU" dirty="0">
-                <a:solidFill>
-                  <a:srgbClr val="0000FF"/>
-                </a:solidFill>
-                <a:effectLst>
-                  <a:glow rad="228600">
-                    <a:schemeClr val="bg1">
-                      <a:alpha val="40000"/>
-                    </a:schemeClr>
-                  </a:glow>
-                </a:effectLst>
-                <a:highlight>
-                  <a:srgbClr val="FFFFFF"/>
-                </a:highlight>
-                <a:latin typeface="Consolas" pitchFamily="49" charset="0"/>
-                <a:ea typeface="Calibri"/>
-                <a:cs typeface="Consolas" pitchFamily="49" charset="0"/>
-              </a:rPr>
-              <a:t>?&gt;</a:t>
-            </a:r>
-            <a:endParaRPr lang="ru-RU" dirty="0">
-              <a:effectLst>
-                <a:glow rad="228600">
-                  <a:schemeClr val="bg1">
-                    <a:alpha val="40000"/>
-                  </a:schemeClr>
-                </a:glow>
-              </a:effectLst>
-              <a:latin typeface="Consolas" pitchFamily="49" charset="0"/>
-              <a:ea typeface="Calibri"/>
-              <a:cs typeface="Consolas" pitchFamily="49" charset="0"/>
-            </a:endParaRPr>
-          </a:p>
-          <a:p>
-            <a:pPr>
-              <a:lnSpc>
-                <a:spcPct val="115000"/>
-              </a:lnSpc>
-              <a:spcAft>
-                <a:spcPts val="0"/>
-              </a:spcAft>
-            </a:pPr>
-            <a:r>
-              <a:rPr lang="ru-RU" dirty="0">
-                <a:solidFill>
-                  <a:srgbClr val="0000FF"/>
-                </a:solidFill>
-                <a:effectLst>
-                  <a:glow rad="228600">
-                    <a:schemeClr val="bg1">
-                      <a:alpha val="40000"/>
-                    </a:schemeClr>
-                  </a:glow>
-                </a:effectLst>
-                <a:highlight>
-                  <a:srgbClr val="FFFFFF"/>
-                </a:highlight>
-                <a:latin typeface="Consolas" pitchFamily="49" charset="0"/>
-                <a:ea typeface="Calibri"/>
-                <a:cs typeface="Consolas" pitchFamily="49" charset="0"/>
-              </a:rPr>
-              <a:t>&lt;</a:t>
-            </a:r>
-            <a:r>
-              <a:rPr lang="ru-RU" dirty="0" err="1">
-                <a:solidFill>
-                  <a:srgbClr val="A31515"/>
-                </a:solidFill>
-                <a:effectLst>
-                  <a:glow rad="228600">
-                    <a:schemeClr val="bg1">
-                      <a:alpha val="40000"/>
-                    </a:schemeClr>
-                  </a:glow>
-                </a:effectLst>
-                <a:highlight>
-                  <a:srgbClr val="FFFFFF"/>
-                </a:highlight>
-                <a:latin typeface="Consolas" pitchFamily="49" charset="0"/>
-                <a:ea typeface="Calibri"/>
-                <a:cs typeface="Consolas" pitchFamily="49" charset="0"/>
-              </a:rPr>
-              <a:t>content</a:t>
-            </a:r>
-            <a:r>
-              <a:rPr lang="ru-RU" dirty="0">
-                <a:solidFill>
-                  <a:srgbClr val="0000FF"/>
-                </a:solidFill>
-                <a:effectLst>
-                  <a:glow rad="228600">
-                    <a:schemeClr val="bg1">
-                      <a:alpha val="40000"/>
-                    </a:schemeClr>
-                  </a:glow>
-                </a:effectLst>
-                <a:highlight>
-                  <a:srgbClr val="FFFFFF"/>
-                </a:highlight>
-                <a:latin typeface="Consolas" pitchFamily="49" charset="0"/>
-                <a:ea typeface="Calibri"/>
-                <a:cs typeface="Consolas" pitchFamily="49" charset="0"/>
-              </a:rPr>
-              <a:t>&gt;</a:t>
-            </a:r>
-            <a:endParaRPr lang="ru-RU" dirty="0">
-              <a:effectLst>
-                <a:glow rad="228600">
-                  <a:schemeClr val="bg1">
-                    <a:alpha val="40000"/>
-                  </a:schemeClr>
-                </a:glow>
-              </a:effectLst>
-              <a:latin typeface="Consolas" pitchFamily="49" charset="0"/>
-              <a:ea typeface="Calibri"/>
-              <a:cs typeface="Consolas" pitchFamily="49" charset="0"/>
-            </a:endParaRPr>
-          </a:p>
-          <a:p>
-            <a:pPr>
-              <a:lnSpc>
-                <a:spcPct val="115000"/>
-              </a:lnSpc>
-              <a:spcAft>
-                <a:spcPts val="0"/>
-              </a:spcAft>
-            </a:pPr>
-            <a:r>
-              <a:rPr lang="en-US" dirty="0" smtClean="0">
-                <a:solidFill>
-                  <a:srgbClr val="0000FF"/>
-                </a:solidFill>
-                <a:effectLst>
-                  <a:glow rad="228600">
-                    <a:schemeClr val="bg1">
-                      <a:alpha val="40000"/>
-                    </a:schemeClr>
-                  </a:glow>
-                </a:effectLst>
-                <a:highlight>
-                  <a:srgbClr val="FFFFFF"/>
-                </a:highlight>
-                <a:latin typeface="Consolas" pitchFamily="49" charset="0"/>
-                <a:ea typeface="Calibri"/>
-                <a:cs typeface="Consolas" pitchFamily="49" charset="0"/>
-              </a:rPr>
-              <a:t>  </a:t>
-            </a:r>
-            <a:r>
-              <a:rPr lang="ru-RU" dirty="0" smtClean="0">
-                <a:solidFill>
-                  <a:srgbClr val="0000FF"/>
-                </a:solidFill>
-                <a:effectLst>
-                  <a:glow rad="228600">
-                    <a:schemeClr val="bg1">
-                      <a:alpha val="40000"/>
-                    </a:schemeClr>
-                  </a:glow>
-                </a:effectLst>
-                <a:highlight>
-                  <a:srgbClr val="FFFFFF"/>
-                </a:highlight>
-                <a:latin typeface="Consolas" pitchFamily="49" charset="0"/>
-                <a:ea typeface="Calibri"/>
-                <a:cs typeface="Consolas" pitchFamily="49" charset="0"/>
-              </a:rPr>
-              <a:t>&lt;</a:t>
-            </a:r>
-            <a:r>
-              <a:rPr lang="ru-RU" dirty="0" err="1">
-                <a:solidFill>
-                  <a:srgbClr val="A31515"/>
-                </a:solidFill>
-                <a:effectLst>
-                  <a:glow rad="228600">
-                    <a:schemeClr val="bg1">
-                      <a:alpha val="40000"/>
-                    </a:schemeClr>
-                  </a:glow>
-                </a:effectLst>
-                <a:highlight>
-                  <a:srgbClr val="FFFFFF"/>
-                </a:highlight>
-                <a:latin typeface="Consolas" pitchFamily="49" charset="0"/>
-                <a:ea typeface="Calibri"/>
-                <a:cs typeface="Consolas" pitchFamily="49" charset="0"/>
-              </a:rPr>
-              <a:t>NodeControl</a:t>
-            </a:r>
-            <a:r>
-              <a:rPr lang="ru-RU" dirty="0">
-                <a:solidFill>
-                  <a:srgbClr val="0000FF"/>
-                </a:solidFill>
-                <a:effectLst>
-                  <a:glow rad="228600">
-                    <a:schemeClr val="bg1">
-                      <a:alpha val="40000"/>
-                    </a:schemeClr>
-                  </a:glow>
-                </a:effectLst>
-                <a:highlight>
-                  <a:srgbClr val="FFFFFF"/>
-                </a:highlight>
-                <a:latin typeface="Consolas" pitchFamily="49" charset="0"/>
-                <a:ea typeface="Calibri"/>
-                <a:cs typeface="Consolas" pitchFamily="49" charset="0"/>
-              </a:rPr>
-              <a:t> </a:t>
-            </a:r>
-            <a:r>
-              <a:rPr lang="ru-RU" dirty="0" err="1">
-                <a:solidFill>
-                  <a:srgbClr val="FF0000"/>
-                </a:solidFill>
-                <a:effectLst>
-                  <a:glow rad="228600">
-                    <a:schemeClr val="bg1">
-                      <a:alpha val="40000"/>
-                    </a:schemeClr>
-                  </a:glow>
-                </a:effectLst>
-                <a:highlight>
-                  <a:srgbClr val="FFFFFF"/>
-                </a:highlight>
-                <a:latin typeface="Consolas" pitchFamily="49" charset="0"/>
-                <a:ea typeface="Calibri"/>
-                <a:cs typeface="Consolas" pitchFamily="49" charset="0"/>
-              </a:rPr>
-              <a:t>Text</a:t>
-            </a:r>
-            <a:r>
-              <a:rPr lang="ru-RU" dirty="0">
-                <a:solidFill>
-                  <a:srgbClr val="0000FF"/>
-                </a:solidFill>
-                <a:effectLst>
-                  <a:glow rad="228600">
-                    <a:schemeClr val="bg1">
-                      <a:alpha val="40000"/>
-                    </a:schemeClr>
-                  </a:glow>
-                </a:effectLst>
-                <a:highlight>
-                  <a:srgbClr val="FFFFFF"/>
-                </a:highlight>
-                <a:latin typeface="Consolas" pitchFamily="49" charset="0"/>
-                <a:ea typeface="Calibri"/>
-                <a:cs typeface="Consolas" pitchFamily="49" charset="0"/>
-              </a:rPr>
-              <a:t>=</a:t>
-            </a:r>
-            <a:r>
-              <a:rPr lang="ru-RU" dirty="0">
-                <a:solidFill>
-                  <a:srgbClr val="000000"/>
-                </a:solidFill>
-                <a:effectLst>
-                  <a:glow rad="228600">
-                    <a:schemeClr val="bg1">
-                      <a:alpha val="40000"/>
-                    </a:schemeClr>
-                  </a:glow>
-                </a:effectLst>
-                <a:highlight>
-                  <a:srgbClr val="FFFFFF"/>
-                </a:highlight>
-                <a:latin typeface="Consolas" pitchFamily="49" charset="0"/>
-                <a:ea typeface="Calibri"/>
-                <a:cs typeface="Consolas" pitchFamily="49" charset="0"/>
-              </a:rPr>
-              <a:t>"</a:t>
-            </a:r>
-            <a:r>
-              <a:rPr lang="ru-RU" dirty="0" err="1">
-                <a:solidFill>
-                  <a:srgbClr val="0000FF"/>
-                </a:solidFill>
-                <a:effectLst>
-                  <a:glow rad="228600">
-                    <a:schemeClr val="bg1">
-                      <a:alpha val="40000"/>
-                    </a:schemeClr>
-                  </a:glow>
-                </a:effectLst>
-                <a:highlight>
-                  <a:srgbClr val="FFFFFF"/>
-                </a:highlight>
-                <a:latin typeface="Consolas" pitchFamily="49" charset="0"/>
-                <a:ea typeface="Calibri"/>
-                <a:cs typeface="Consolas" pitchFamily="49" charset="0"/>
-              </a:rPr>
-              <a:t>no</a:t>
-            </a:r>
-            <a:r>
-              <a:rPr lang="ru-RU" dirty="0">
-                <a:solidFill>
-                  <a:srgbClr val="0000FF"/>
-                </a:solidFill>
-                <a:effectLst>
-                  <a:glow rad="228600">
-                    <a:schemeClr val="bg1">
-                      <a:alpha val="40000"/>
-                    </a:schemeClr>
-                  </a:glow>
-                </a:effectLst>
-                <a:highlight>
-                  <a:srgbClr val="FFFFFF"/>
-                </a:highlight>
-                <a:latin typeface="Consolas" pitchFamily="49" charset="0"/>
-                <a:ea typeface="Calibri"/>
-                <a:cs typeface="Consolas" pitchFamily="49" charset="0"/>
-              </a:rPr>
-              <a:t> </a:t>
-            </a:r>
-            <a:r>
-              <a:rPr lang="ru-RU" dirty="0" err="1">
-                <a:solidFill>
-                  <a:srgbClr val="0000FF"/>
-                </a:solidFill>
-                <a:effectLst>
-                  <a:glow rad="228600">
-                    <a:schemeClr val="bg1">
-                      <a:alpha val="40000"/>
-                    </a:schemeClr>
-                  </a:glow>
-                </a:effectLst>
-                <a:highlight>
-                  <a:srgbClr val="FFFFFF"/>
-                </a:highlight>
-                <a:latin typeface="Consolas" pitchFamily="49" charset="0"/>
-                <a:ea typeface="Calibri"/>
-                <a:cs typeface="Consolas" pitchFamily="49" charset="0"/>
-              </a:rPr>
-              <a:t>caption</a:t>
-            </a:r>
-            <a:r>
-              <a:rPr lang="ru-RU" dirty="0">
-                <a:solidFill>
-                  <a:srgbClr val="000000"/>
-                </a:solidFill>
-                <a:effectLst>
-                  <a:glow rad="228600">
-                    <a:schemeClr val="bg1">
-                      <a:alpha val="40000"/>
-                    </a:schemeClr>
-                  </a:glow>
-                </a:effectLst>
-                <a:highlight>
-                  <a:srgbClr val="FFFFFF"/>
-                </a:highlight>
-                <a:latin typeface="Consolas" pitchFamily="49" charset="0"/>
-                <a:ea typeface="Calibri"/>
-                <a:cs typeface="Consolas" pitchFamily="49" charset="0"/>
-              </a:rPr>
-              <a:t>"</a:t>
-            </a:r>
-            <a:r>
-              <a:rPr lang="ru-RU" dirty="0">
-                <a:solidFill>
-                  <a:srgbClr val="0000FF"/>
-                </a:solidFill>
-                <a:effectLst>
-                  <a:glow rad="228600">
-                    <a:schemeClr val="bg1">
-                      <a:alpha val="40000"/>
-                    </a:schemeClr>
-                  </a:glow>
-                </a:effectLst>
-                <a:highlight>
-                  <a:srgbClr val="FFFFFF"/>
-                </a:highlight>
-                <a:latin typeface="Consolas" pitchFamily="49" charset="0"/>
-                <a:ea typeface="Calibri"/>
-                <a:cs typeface="Consolas" pitchFamily="49" charset="0"/>
-              </a:rPr>
-              <a:t> </a:t>
-            </a:r>
-            <a:r>
-              <a:rPr lang="ru-RU" dirty="0" err="1">
-                <a:solidFill>
-                  <a:srgbClr val="FF0000"/>
-                </a:solidFill>
-                <a:effectLst>
-                  <a:glow rad="228600">
-                    <a:schemeClr val="bg1">
-                      <a:alpha val="40000"/>
-                    </a:schemeClr>
-                  </a:glow>
-                </a:effectLst>
-                <a:highlight>
-                  <a:srgbClr val="FFFFFF"/>
-                </a:highlight>
-                <a:latin typeface="Consolas" pitchFamily="49" charset="0"/>
-                <a:ea typeface="Calibri"/>
-                <a:cs typeface="Consolas" pitchFamily="49" charset="0"/>
-              </a:rPr>
-              <a:t>Left</a:t>
-            </a:r>
-            <a:r>
-              <a:rPr lang="ru-RU" dirty="0">
-                <a:solidFill>
-                  <a:srgbClr val="0000FF"/>
-                </a:solidFill>
-                <a:effectLst>
-                  <a:glow rad="228600">
-                    <a:schemeClr val="bg1">
-                      <a:alpha val="40000"/>
-                    </a:schemeClr>
-                  </a:glow>
-                </a:effectLst>
-                <a:highlight>
-                  <a:srgbClr val="FFFFFF"/>
-                </a:highlight>
-                <a:latin typeface="Consolas" pitchFamily="49" charset="0"/>
-                <a:ea typeface="Calibri"/>
-                <a:cs typeface="Consolas" pitchFamily="49" charset="0"/>
-              </a:rPr>
-              <a:t>=</a:t>
-            </a:r>
-            <a:r>
-              <a:rPr lang="ru-RU" dirty="0">
-                <a:solidFill>
-                  <a:srgbClr val="000000"/>
-                </a:solidFill>
-                <a:effectLst>
-                  <a:glow rad="228600">
-                    <a:schemeClr val="bg1">
-                      <a:alpha val="40000"/>
-                    </a:schemeClr>
-                  </a:glow>
-                </a:effectLst>
-                <a:highlight>
-                  <a:srgbClr val="FFFFFF"/>
-                </a:highlight>
-                <a:latin typeface="Consolas" pitchFamily="49" charset="0"/>
-                <a:ea typeface="Calibri"/>
-                <a:cs typeface="Consolas" pitchFamily="49" charset="0"/>
-              </a:rPr>
-              <a:t>"</a:t>
-            </a:r>
-            <a:r>
-              <a:rPr lang="ru-RU" dirty="0">
-                <a:solidFill>
-                  <a:srgbClr val="0000FF"/>
-                </a:solidFill>
-                <a:effectLst>
-                  <a:glow rad="228600">
-                    <a:schemeClr val="bg1">
-                      <a:alpha val="40000"/>
-                    </a:schemeClr>
-                  </a:glow>
-                </a:effectLst>
-                <a:highlight>
-                  <a:srgbClr val="FFFFFF"/>
-                </a:highlight>
-                <a:latin typeface="Consolas" pitchFamily="49" charset="0"/>
-                <a:ea typeface="Calibri"/>
-                <a:cs typeface="Consolas" pitchFamily="49" charset="0"/>
-              </a:rPr>
-              <a:t>374</a:t>
-            </a:r>
-            <a:r>
-              <a:rPr lang="ru-RU" dirty="0">
-                <a:solidFill>
-                  <a:srgbClr val="000000"/>
-                </a:solidFill>
-                <a:effectLst>
-                  <a:glow rad="228600">
-                    <a:schemeClr val="bg1">
-                      <a:alpha val="40000"/>
-                    </a:schemeClr>
-                  </a:glow>
-                </a:effectLst>
-                <a:highlight>
-                  <a:srgbClr val="FFFFFF"/>
-                </a:highlight>
-                <a:latin typeface="Consolas" pitchFamily="49" charset="0"/>
-                <a:ea typeface="Calibri"/>
-                <a:cs typeface="Consolas" pitchFamily="49" charset="0"/>
-              </a:rPr>
-              <a:t>"</a:t>
-            </a:r>
-            <a:r>
-              <a:rPr lang="ru-RU" dirty="0">
-                <a:solidFill>
-                  <a:srgbClr val="0000FF"/>
-                </a:solidFill>
-                <a:effectLst>
-                  <a:glow rad="228600">
-                    <a:schemeClr val="bg1">
-                      <a:alpha val="40000"/>
-                    </a:schemeClr>
-                  </a:glow>
-                </a:effectLst>
-                <a:highlight>
-                  <a:srgbClr val="FFFFFF"/>
-                </a:highlight>
-                <a:latin typeface="Consolas" pitchFamily="49" charset="0"/>
-                <a:ea typeface="Calibri"/>
-                <a:cs typeface="Consolas" pitchFamily="49" charset="0"/>
-              </a:rPr>
-              <a:t> </a:t>
-            </a:r>
-            <a:r>
-              <a:rPr lang="ru-RU" dirty="0" err="1">
-                <a:solidFill>
-                  <a:srgbClr val="FF0000"/>
-                </a:solidFill>
-                <a:effectLst>
-                  <a:glow rad="228600">
-                    <a:schemeClr val="bg1">
-                      <a:alpha val="40000"/>
-                    </a:schemeClr>
-                  </a:glow>
-                </a:effectLst>
-                <a:highlight>
-                  <a:srgbClr val="FFFFFF"/>
-                </a:highlight>
-                <a:latin typeface="Consolas" pitchFamily="49" charset="0"/>
-                <a:ea typeface="Calibri"/>
-                <a:cs typeface="Consolas" pitchFamily="49" charset="0"/>
-              </a:rPr>
-              <a:t>Top</a:t>
-            </a:r>
-            <a:r>
-              <a:rPr lang="ru-RU" dirty="0">
-                <a:solidFill>
-                  <a:srgbClr val="0000FF"/>
-                </a:solidFill>
-                <a:effectLst>
-                  <a:glow rad="228600">
-                    <a:schemeClr val="bg1">
-                      <a:alpha val="40000"/>
-                    </a:schemeClr>
-                  </a:glow>
-                </a:effectLst>
-                <a:highlight>
-                  <a:srgbClr val="FFFFFF"/>
-                </a:highlight>
-                <a:latin typeface="Consolas" pitchFamily="49" charset="0"/>
-                <a:ea typeface="Calibri"/>
-                <a:cs typeface="Consolas" pitchFamily="49" charset="0"/>
-              </a:rPr>
-              <a:t>=</a:t>
-            </a:r>
-            <a:r>
-              <a:rPr lang="ru-RU" dirty="0">
-                <a:solidFill>
-                  <a:srgbClr val="000000"/>
-                </a:solidFill>
-                <a:effectLst>
-                  <a:glow rad="228600">
-                    <a:schemeClr val="bg1">
-                      <a:alpha val="40000"/>
-                    </a:schemeClr>
-                  </a:glow>
-                </a:effectLst>
-                <a:highlight>
-                  <a:srgbClr val="FFFFFF"/>
-                </a:highlight>
-                <a:latin typeface="Consolas" pitchFamily="49" charset="0"/>
-                <a:ea typeface="Calibri"/>
-                <a:cs typeface="Consolas" pitchFamily="49" charset="0"/>
-              </a:rPr>
-              <a:t>"</a:t>
-            </a:r>
-            <a:r>
-              <a:rPr lang="ru-RU" dirty="0">
-                <a:solidFill>
-                  <a:srgbClr val="0000FF"/>
-                </a:solidFill>
-                <a:effectLst>
-                  <a:glow rad="228600">
-                    <a:schemeClr val="bg1">
-                      <a:alpha val="40000"/>
-                    </a:schemeClr>
-                  </a:glow>
-                </a:effectLst>
-                <a:highlight>
-                  <a:srgbClr val="FFFFFF"/>
-                </a:highlight>
-                <a:latin typeface="Consolas" pitchFamily="49" charset="0"/>
-                <a:ea typeface="Calibri"/>
-                <a:cs typeface="Consolas" pitchFamily="49" charset="0"/>
-              </a:rPr>
-              <a:t>617</a:t>
-            </a:r>
-            <a:r>
-              <a:rPr lang="ru-RU" dirty="0">
-                <a:solidFill>
-                  <a:srgbClr val="000000"/>
-                </a:solidFill>
-                <a:effectLst>
-                  <a:glow rad="228600">
-                    <a:schemeClr val="bg1">
-                      <a:alpha val="40000"/>
-                    </a:schemeClr>
-                  </a:glow>
-                </a:effectLst>
-                <a:highlight>
-                  <a:srgbClr val="FFFFFF"/>
-                </a:highlight>
-                <a:latin typeface="Consolas" pitchFamily="49" charset="0"/>
-                <a:ea typeface="Calibri"/>
-                <a:cs typeface="Consolas" pitchFamily="49" charset="0"/>
-              </a:rPr>
-              <a:t>"</a:t>
-            </a:r>
-            <a:r>
-              <a:rPr lang="ru-RU" dirty="0">
-                <a:solidFill>
-                  <a:srgbClr val="0000FF"/>
-                </a:solidFill>
-                <a:effectLst>
-                  <a:glow rad="228600">
-                    <a:schemeClr val="bg1">
-                      <a:alpha val="40000"/>
-                    </a:schemeClr>
-                  </a:glow>
-                </a:effectLst>
-                <a:highlight>
-                  <a:srgbClr val="FFFFFF"/>
-                </a:highlight>
-                <a:latin typeface="Consolas" pitchFamily="49" charset="0"/>
-                <a:ea typeface="Calibri"/>
-                <a:cs typeface="Consolas" pitchFamily="49" charset="0"/>
-              </a:rPr>
-              <a:t> </a:t>
-            </a:r>
-            <a:r>
-              <a:rPr lang="ru-RU" dirty="0" err="1">
-                <a:solidFill>
-                  <a:srgbClr val="FF0000"/>
-                </a:solidFill>
-                <a:effectLst>
-                  <a:glow rad="228600">
-                    <a:schemeClr val="bg1">
-                      <a:alpha val="40000"/>
-                    </a:schemeClr>
-                  </a:glow>
-                </a:effectLst>
-                <a:highlight>
-                  <a:srgbClr val="FFFFFF"/>
-                </a:highlight>
-                <a:latin typeface="Consolas" pitchFamily="49" charset="0"/>
-                <a:ea typeface="Calibri"/>
-                <a:cs typeface="Consolas" pitchFamily="49" charset="0"/>
-              </a:rPr>
-              <a:t>id</a:t>
-            </a:r>
-            <a:r>
-              <a:rPr lang="ru-RU" dirty="0">
-                <a:solidFill>
-                  <a:srgbClr val="0000FF"/>
-                </a:solidFill>
-                <a:effectLst>
-                  <a:glow rad="228600">
-                    <a:schemeClr val="bg1">
-                      <a:alpha val="40000"/>
-                    </a:schemeClr>
-                  </a:glow>
-                </a:effectLst>
-                <a:highlight>
-                  <a:srgbClr val="FFFFFF"/>
-                </a:highlight>
-                <a:latin typeface="Consolas" pitchFamily="49" charset="0"/>
-                <a:ea typeface="Calibri"/>
-                <a:cs typeface="Consolas" pitchFamily="49" charset="0"/>
-              </a:rPr>
-              <a:t>=</a:t>
-            </a:r>
-            <a:r>
-              <a:rPr lang="ru-RU" dirty="0">
-                <a:solidFill>
-                  <a:srgbClr val="000000"/>
-                </a:solidFill>
-                <a:effectLst>
-                  <a:glow rad="228600">
-                    <a:schemeClr val="bg1">
-                      <a:alpha val="40000"/>
-                    </a:schemeClr>
-                  </a:glow>
-                </a:effectLst>
-                <a:highlight>
-                  <a:srgbClr val="FFFFFF"/>
-                </a:highlight>
-                <a:latin typeface="Consolas" pitchFamily="49" charset="0"/>
-                <a:ea typeface="Calibri"/>
-                <a:cs typeface="Consolas" pitchFamily="49" charset="0"/>
-              </a:rPr>
-              <a:t>"</a:t>
-            </a:r>
-            <a:r>
-              <a:rPr lang="ru-RU" dirty="0">
-                <a:solidFill>
-                  <a:srgbClr val="0000FF"/>
-                </a:solidFill>
-                <a:effectLst>
-                  <a:glow rad="228600">
-                    <a:schemeClr val="bg1">
-                      <a:alpha val="40000"/>
-                    </a:schemeClr>
-                  </a:glow>
-                </a:effectLst>
-                <a:highlight>
-                  <a:srgbClr val="FFFFFF"/>
-                </a:highlight>
-                <a:latin typeface="Consolas" pitchFamily="49" charset="0"/>
-                <a:ea typeface="Calibri"/>
-                <a:cs typeface="Consolas" pitchFamily="49" charset="0"/>
-              </a:rPr>
-              <a:t>2</a:t>
-            </a:r>
-            <a:r>
-              <a:rPr lang="ru-RU" dirty="0">
-                <a:solidFill>
-                  <a:srgbClr val="000000"/>
-                </a:solidFill>
-                <a:effectLst>
-                  <a:glow rad="228600">
-                    <a:schemeClr val="bg1">
-                      <a:alpha val="40000"/>
-                    </a:schemeClr>
-                  </a:glow>
-                </a:effectLst>
-                <a:highlight>
-                  <a:srgbClr val="FFFFFF"/>
-                </a:highlight>
-                <a:latin typeface="Consolas" pitchFamily="49" charset="0"/>
-                <a:ea typeface="Calibri"/>
-                <a:cs typeface="Consolas" pitchFamily="49" charset="0"/>
-              </a:rPr>
-              <a:t>"</a:t>
-            </a:r>
-            <a:r>
-              <a:rPr lang="ru-RU" dirty="0">
-                <a:solidFill>
-                  <a:srgbClr val="0000FF"/>
-                </a:solidFill>
-                <a:effectLst>
-                  <a:glow rad="228600">
-                    <a:schemeClr val="bg1">
-                      <a:alpha val="40000"/>
-                    </a:schemeClr>
-                  </a:glow>
-                </a:effectLst>
-                <a:highlight>
-                  <a:srgbClr val="FFFFFF"/>
-                </a:highlight>
-                <a:latin typeface="Consolas" pitchFamily="49" charset="0"/>
-                <a:ea typeface="Calibri"/>
-                <a:cs typeface="Consolas" pitchFamily="49" charset="0"/>
-              </a:rPr>
-              <a:t> /&gt;</a:t>
-            </a:r>
-            <a:endParaRPr lang="ru-RU" dirty="0">
-              <a:effectLst>
-                <a:glow rad="228600">
-                  <a:schemeClr val="bg1">
-                    <a:alpha val="40000"/>
-                  </a:schemeClr>
-                </a:glow>
-              </a:effectLst>
-              <a:latin typeface="Consolas" pitchFamily="49" charset="0"/>
-              <a:ea typeface="Calibri"/>
-              <a:cs typeface="Consolas" pitchFamily="49" charset="0"/>
-            </a:endParaRPr>
-          </a:p>
-          <a:p>
-            <a:pPr>
-              <a:lnSpc>
-                <a:spcPct val="115000"/>
-              </a:lnSpc>
-              <a:spcAft>
-                <a:spcPts val="0"/>
-              </a:spcAft>
-            </a:pPr>
-            <a:r>
-              <a:rPr lang="en-US" dirty="0" smtClean="0">
-                <a:solidFill>
-                  <a:srgbClr val="0000FF"/>
-                </a:solidFill>
-                <a:effectLst>
-                  <a:glow rad="228600">
-                    <a:schemeClr val="bg1">
-                      <a:alpha val="40000"/>
-                    </a:schemeClr>
-                  </a:glow>
-                </a:effectLst>
-                <a:highlight>
-                  <a:srgbClr val="FFFFFF"/>
-                </a:highlight>
-                <a:latin typeface="Consolas" pitchFamily="49" charset="0"/>
-                <a:ea typeface="Calibri"/>
-                <a:cs typeface="Consolas" pitchFamily="49" charset="0"/>
-              </a:rPr>
-              <a:t>  </a:t>
-            </a:r>
-            <a:r>
-              <a:rPr lang="ru-RU" dirty="0" smtClean="0">
-                <a:solidFill>
-                  <a:srgbClr val="0000FF"/>
-                </a:solidFill>
-                <a:effectLst>
-                  <a:glow rad="228600">
-                    <a:schemeClr val="bg1">
-                      <a:alpha val="40000"/>
-                    </a:schemeClr>
-                  </a:glow>
-                </a:effectLst>
-                <a:highlight>
-                  <a:srgbClr val="FFFFFF"/>
-                </a:highlight>
-                <a:latin typeface="Consolas" pitchFamily="49" charset="0"/>
-                <a:ea typeface="Calibri"/>
-                <a:cs typeface="Consolas" pitchFamily="49" charset="0"/>
-              </a:rPr>
-              <a:t>&lt;</a:t>
-            </a:r>
-            <a:r>
-              <a:rPr lang="ru-RU" dirty="0" err="1">
-                <a:solidFill>
-                  <a:srgbClr val="A31515"/>
-                </a:solidFill>
-                <a:effectLst>
-                  <a:glow rad="228600">
-                    <a:schemeClr val="bg1">
-                      <a:alpha val="40000"/>
-                    </a:schemeClr>
-                  </a:glow>
-                </a:effectLst>
-                <a:highlight>
-                  <a:srgbClr val="FFFFFF"/>
-                </a:highlight>
-                <a:latin typeface="Consolas" pitchFamily="49" charset="0"/>
-                <a:ea typeface="Calibri"/>
-                <a:cs typeface="Consolas" pitchFamily="49" charset="0"/>
-              </a:rPr>
-              <a:t>NodeControl</a:t>
-            </a:r>
-            <a:r>
-              <a:rPr lang="ru-RU" dirty="0">
-                <a:solidFill>
-                  <a:srgbClr val="0000FF"/>
-                </a:solidFill>
-                <a:effectLst>
-                  <a:glow rad="228600">
-                    <a:schemeClr val="bg1">
-                      <a:alpha val="40000"/>
-                    </a:schemeClr>
-                  </a:glow>
-                </a:effectLst>
-                <a:highlight>
-                  <a:srgbClr val="FFFFFF"/>
-                </a:highlight>
-                <a:latin typeface="Consolas" pitchFamily="49" charset="0"/>
-                <a:ea typeface="Calibri"/>
-                <a:cs typeface="Consolas" pitchFamily="49" charset="0"/>
-              </a:rPr>
-              <a:t> </a:t>
-            </a:r>
-            <a:r>
-              <a:rPr lang="ru-RU" dirty="0" err="1">
-                <a:solidFill>
-                  <a:srgbClr val="FF0000"/>
-                </a:solidFill>
-                <a:effectLst>
-                  <a:glow rad="228600">
-                    <a:schemeClr val="bg1">
-                      <a:alpha val="40000"/>
-                    </a:schemeClr>
-                  </a:glow>
-                </a:effectLst>
-                <a:highlight>
-                  <a:srgbClr val="FFFFFF"/>
-                </a:highlight>
-                <a:latin typeface="Consolas" pitchFamily="49" charset="0"/>
-                <a:ea typeface="Calibri"/>
-                <a:cs typeface="Consolas" pitchFamily="49" charset="0"/>
-              </a:rPr>
-              <a:t>Text</a:t>
-            </a:r>
-            <a:r>
-              <a:rPr lang="ru-RU" dirty="0">
-                <a:solidFill>
-                  <a:srgbClr val="0000FF"/>
-                </a:solidFill>
-                <a:effectLst>
-                  <a:glow rad="228600">
-                    <a:schemeClr val="bg1">
-                      <a:alpha val="40000"/>
-                    </a:schemeClr>
-                  </a:glow>
-                </a:effectLst>
-                <a:highlight>
-                  <a:srgbClr val="FFFFFF"/>
-                </a:highlight>
-                <a:latin typeface="Consolas" pitchFamily="49" charset="0"/>
-                <a:ea typeface="Calibri"/>
-                <a:cs typeface="Consolas" pitchFamily="49" charset="0"/>
-              </a:rPr>
-              <a:t>=</a:t>
-            </a:r>
-            <a:r>
-              <a:rPr lang="ru-RU" dirty="0">
-                <a:solidFill>
-                  <a:srgbClr val="000000"/>
-                </a:solidFill>
-                <a:effectLst>
-                  <a:glow rad="228600">
-                    <a:schemeClr val="bg1">
-                      <a:alpha val="40000"/>
-                    </a:schemeClr>
-                  </a:glow>
-                </a:effectLst>
-                <a:highlight>
-                  <a:srgbClr val="FFFFFF"/>
-                </a:highlight>
-                <a:latin typeface="Consolas" pitchFamily="49" charset="0"/>
-                <a:ea typeface="Calibri"/>
-                <a:cs typeface="Consolas" pitchFamily="49" charset="0"/>
-              </a:rPr>
-              <a:t>"</a:t>
-            </a:r>
-            <a:r>
-              <a:rPr lang="ru-RU" dirty="0" err="1">
-                <a:solidFill>
-                  <a:srgbClr val="0000FF"/>
-                </a:solidFill>
-                <a:effectLst>
-                  <a:glow rad="228600">
-                    <a:schemeClr val="bg1">
-                      <a:alpha val="40000"/>
-                    </a:schemeClr>
-                  </a:glow>
-                </a:effectLst>
-                <a:highlight>
-                  <a:srgbClr val="FFFFFF"/>
-                </a:highlight>
-                <a:latin typeface="Consolas" pitchFamily="49" charset="0"/>
-                <a:ea typeface="Calibri"/>
-                <a:cs typeface="Consolas" pitchFamily="49" charset="0"/>
-              </a:rPr>
-              <a:t>no</a:t>
-            </a:r>
-            <a:r>
-              <a:rPr lang="ru-RU" dirty="0">
-                <a:solidFill>
-                  <a:srgbClr val="0000FF"/>
-                </a:solidFill>
-                <a:effectLst>
-                  <a:glow rad="228600">
-                    <a:schemeClr val="bg1">
-                      <a:alpha val="40000"/>
-                    </a:schemeClr>
-                  </a:glow>
-                </a:effectLst>
-                <a:highlight>
-                  <a:srgbClr val="FFFFFF"/>
-                </a:highlight>
-                <a:latin typeface="Consolas" pitchFamily="49" charset="0"/>
-                <a:ea typeface="Calibri"/>
-                <a:cs typeface="Consolas" pitchFamily="49" charset="0"/>
-              </a:rPr>
-              <a:t> </a:t>
-            </a:r>
-            <a:r>
-              <a:rPr lang="ru-RU" dirty="0" err="1">
-                <a:solidFill>
-                  <a:srgbClr val="0000FF"/>
-                </a:solidFill>
-                <a:effectLst>
-                  <a:glow rad="228600">
-                    <a:schemeClr val="bg1">
-                      <a:alpha val="40000"/>
-                    </a:schemeClr>
-                  </a:glow>
-                </a:effectLst>
-                <a:highlight>
-                  <a:srgbClr val="FFFFFF"/>
-                </a:highlight>
-                <a:latin typeface="Consolas" pitchFamily="49" charset="0"/>
-                <a:ea typeface="Calibri"/>
-                <a:cs typeface="Consolas" pitchFamily="49" charset="0"/>
-              </a:rPr>
-              <a:t>caption</a:t>
-            </a:r>
-            <a:r>
-              <a:rPr lang="ru-RU" dirty="0">
-                <a:solidFill>
-                  <a:srgbClr val="000000"/>
-                </a:solidFill>
-                <a:effectLst>
-                  <a:glow rad="228600">
-                    <a:schemeClr val="bg1">
-                      <a:alpha val="40000"/>
-                    </a:schemeClr>
-                  </a:glow>
-                </a:effectLst>
-                <a:highlight>
-                  <a:srgbClr val="FFFFFF"/>
-                </a:highlight>
-                <a:latin typeface="Consolas" pitchFamily="49" charset="0"/>
-                <a:ea typeface="Calibri"/>
-                <a:cs typeface="Consolas" pitchFamily="49" charset="0"/>
-              </a:rPr>
-              <a:t>"</a:t>
-            </a:r>
-            <a:r>
-              <a:rPr lang="ru-RU" dirty="0">
-                <a:solidFill>
-                  <a:srgbClr val="0000FF"/>
-                </a:solidFill>
-                <a:effectLst>
-                  <a:glow rad="228600">
-                    <a:schemeClr val="bg1">
-                      <a:alpha val="40000"/>
-                    </a:schemeClr>
-                  </a:glow>
-                </a:effectLst>
-                <a:highlight>
-                  <a:srgbClr val="FFFFFF"/>
-                </a:highlight>
-                <a:latin typeface="Consolas" pitchFamily="49" charset="0"/>
-                <a:ea typeface="Calibri"/>
-                <a:cs typeface="Consolas" pitchFamily="49" charset="0"/>
-              </a:rPr>
-              <a:t> </a:t>
-            </a:r>
-            <a:r>
-              <a:rPr lang="ru-RU" dirty="0" err="1">
-                <a:solidFill>
-                  <a:srgbClr val="FF0000"/>
-                </a:solidFill>
-                <a:effectLst>
-                  <a:glow rad="228600">
-                    <a:schemeClr val="bg1">
-                      <a:alpha val="40000"/>
-                    </a:schemeClr>
-                  </a:glow>
-                </a:effectLst>
-                <a:highlight>
-                  <a:srgbClr val="FFFFFF"/>
-                </a:highlight>
-                <a:latin typeface="Consolas" pitchFamily="49" charset="0"/>
-                <a:ea typeface="Calibri"/>
-                <a:cs typeface="Consolas" pitchFamily="49" charset="0"/>
-              </a:rPr>
-              <a:t>Left</a:t>
-            </a:r>
-            <a:r>
-              <a:rPr lang="ru-RU" dirty="0">
-                <a:solidFill>
-                  <a:srgbClr val="0000FF"/>
-                </a:solidFill>
-                <a:effectLst>
-                  <a:glow rad="228600">
-                    <a:schemeClr val="bg1">
-                      <a:alpha val="40000"/>
-                    </a:schemeClr>
-                  </a:glow>
-                </a:effectLst>
-                <a:highlight>
-                  <a:srgbClr val="FFFFFF"/>
-                </a:highlight>
-                <a:latin typeface="Consolas" pitchFamily="49" charset="0"/>
-                <a:ea typeface="Calibri"/>
-                <a:cs typeface="Consolas" pitchFamily="49" charset="0"/>
-              </a:rPr>
-              <a:t>=</a:t>
-            </a:r>
-            <a:r>
-              <a:rPr lang="ru-RU" dirty="0">
-                <a:solidFill>
-                  <a:srgbClr val="000000"/>
-                </a:solidFill>
-                <a:effectLst>
-                  <a:glow rad="228600">
-                    <a:schemeClr val="bg1">
-                      <a:alpha val="40000"/>
-                    </a:schemeClr>
-                  </a:glow>
-                </a:effectLst>
-                <a:highlight>
-                  <a:srgbClr val="FFFFFF"/>
-                </a:highlight>
-                <a:latin typeface="Consolas" pitchFamily="49" charset="0"/>
-                <a:ea typeface="Calibri"/>
-                <a:cs typeface="Consolas" pitchFamily="49" charset="0"/>
-              </a:rPr>
-              <a:t>"</a:t>
-            </a:r>
-            <a:r>
-              <a:rPr lang="ru-RU" dirty="0">
-                <a:solidFill>
-                  <a:srgbClr val="0000FF"/>
-                </a:solidFill>
-                <a:effectLst>
-                  <a:glow rad="228600">
-                    <a:schemeClr val="bg1">
-                      <a:alpha val="40000"/>
-                    </a:schemeClr>
-                  </a:glow>
-                </a:effectLst>
-                <a:highlight>
-                  <a:srgbClr val="FFFFFF"/>
-                </a:highlight>
-                <a:latin typeface="Consolas" pitchFamily="49" charset="0"/>
-                <a:ea typeface="Calibri"/>
-                <a:cs typeface="Consolas" pitchFamily="49" charset="0"/>
-              </a:rPr>
-              <a:t>140</a:t>
-            </a:r>
-            <a:r>
-              <a:rPr lang="ru-RU" dirty="0">
-                <a:solidFill>
-                  <a:srgbClr val="000000"/>
-                </a:solidFill>
-                <a:effectLst>
-                  <a:glow rad="228600">
-                    <a:schemeClr val="bg1">
-                      <a:alpha val="40000"/>
-                    </a:schemeClr>
-                  </a:glow>
-                </a:effectLst>
-                <a:highlight>
-                  <a:srgbClr val="FFFFFF"/>
-                </a:highlight>
-                <a:latin typeface="Consolas" pitchFamily="49" charset="0"/>
-                <a:ea typeface="Calibri"/>
-                <a:cs typeface="Consolas" pitchFamily="49" charset="0"/>
-              </a:rPr>
-              <a:t>"</a:t>
-            </a:r>
-            <a:r>
-              <a:rPr lang="ru-RU" dirty="0">
-                <a:solidFill>
-                  <a:srgbClr val="0000FF"/>
-                </a:solidFill>
-                <a:effectLst>
-                  <a:glow rad="228600">
-                    <a:schemeClr val="bg1">
-                      <a:alpha val="40000"/>
-                    </a:schemeClr>
-                  </a:glow>
-                </a:effectLst>
-                <a:highlight>
-                  <a:srgbClr val="FFFFFF"/>
-                </a:highlight>
-                <a:latin typeface="Consolas" pitchFamily="49" charset="0"/>
-                <a:ea typeface="Calibri"/>
-                <a:cs typeface="Consolas" pitchFamily="49" charset="0"/>
-              </a:rPr>
-              <a:t> </a:t>
-            </a:r>
-            <a:r>
-              <a:rPr lang="ru-RU" dirty="0" err="1">
-                <a:solidFill>
-                  <a:srgbClr val="FF0000"/>
-                </a:solidFill>
-                <a:effectLst>
-                  <a:glow rad="228600">
-                    <a:schemeClr val="bg1">
-                      <a:alpha val="40000"/>
-                    </a:schemeClr>
-                  </a:glow>
-                </a:effectLst>
-                <a:highlight>
-                  <a:srgbClr val="FFFFFF"/>
-                </a:highlight>
-                <a:latin typeface="Consolas" pitchFamily="49" charset="0"/>
-                <a:ea typeface="Calibri"/>
-                <a:cs typeface="Consolas" pitchFamily="49" charset="0"/>
-              </a:rPr>
-              <a:t>Top</a:t>
-            </a:r>
-            <a:r>
-              <a:rPr lang="ru-RU" dirty="0">
-                <a:solidFill>
-                  <a:srgbClr val="0000FF"/>
-                </a:solidFill>
-                <a:effectLst>
-                  <a:glow rad="228600">
-                    <a:schemeClr val="bg1">
-                      <a:alpha val="40000"/>
-                    </a:schemeClr>
-                  </a:glow>
-                </a:effectLst>
-                <a:highlight>
-                  <a:srgbClr val="FFFFFF"/>
-                </a:highlight>
-                <a:latin typeface="Consolas" pitchFamily="49" charset="0"/>
-                <a:ea typeface="Calibri"/>
-                <a:cs typeface="Consolas" pitchFamily="49" charset="0"/>
-              </a:rPr>
-              <a:t>=</a:t>
-            </a:r>
-            <a:r>
-              <a:rPr lang="ru-RU" dirty="0">
-                <a:solidFill>
-                  <a:srgbClr val="000000"/>
-                </a:solidFill>
-                <a:effectLst>
-                  <a:glow rad="228600">
-                    <a:schemeClr val="bg1">
-                      <a:alpha val="40000"/>
-                    </a:schemeClr>
-                  </a:glow>
-                </a:effectLst>
-                <a:highlight>
-                  <a:srgbClr val="FFFFFF"/>
-                </a:highlight>
-                <a:latin typeface="Consolas" pitchFamily="49" charset="0"/>
-                <a:ea typeface="Calibri"/>
-                <a:cs typeface="Consolas" pitchFamily="49" charset="0"/>
-              </a:rPr>
-              <a:t>"</a:t>
-            </a:r>
-            <a:r>
-              <a:rPr lang="ru-RU" dirty="0">
-                <a:solidFill>
-                  <a:srgbClr val="0000FF"/>
-                </a:solidFill>
-                <a:effectLst>
-                  <a:glow rad="228600">
-                    <a:schemeClr val="bg1">
-                      <a:alpha val="40000"/>
-                    </a:schemeClr>
-                  </a:glow>
-                </a:effectLst>
-                <a:highlight>
-                  <a:srgbClr val="FFFFFF"/>
-                </a:highlight>
-                <a:latin typeface="Consolas" pitchFamily="49" charset="0"/>
-                <a:ea typeface="Calibri"/>
-                <a:cs typeface="Consolas" pitchFamily="49" charset="0"/>
-              </a:rPr>
-              <a:t>737</a:t>
-            </a:r>
-            <a:r>
-              <a:rPr lang="ru-RU" dirty="0">
-                <a:solidFill>
-                  <a:srgbClr val="000000"/>
-                </a:solidFill>
-                <a:effectLst>
-                  <a:glow rad="228600">
-                    <a:schemeClr val="bg1">
-                      <a:alpha val="40000"/>
-                    </a:schemeClr>
-                  </a:glow>
-                </a:effectLst>
-                <a:highlight>
-                  <a:srgbClr val="FFFFFF"/>
-                </a:highlight>
-                <a:latin typeface="Consolas" pitchFamily="49" charset="0"/>
-                <a:ea typeface="Calibri"/>
-                <a:cs typeface="Consolas" pitchFamily="49" charset="0"/>
-              </a:rPr>
-              <a:t>"</a:t>
-            </a:r>
-            <a:r>
-              <a:rPr lang="ru-RU" dirty="0">
-                <a:solidFill>
-                  <a:srgbClr val="0000FF"/>
-                </a:solidFill>
-                <a:effectLst>
-                  <a:glow rad="228600">
-                    <a:schemeClr val="bg1">
-                      <a:alpha val="40000"/>
-                    </a:schemeClr>
-                  </a:glow>
-                </a:effectLst>
-                <a:highlight>
-                  <a:srgbClr val="FFFFFF"/>
-                </a:highlight>
-                <a:latin typeface="Consolas" pitchFamily="49" charset="0"/>
-                <a:ea typeface="Calibri"/>
-                <a:cs typeface="Consolas" pitchFamily="49" charset="0"/>
-              </a:rPr>
-              <a:t> </a:t>
-            </a:r>
-            <a:r>
-              <a:rPr lang="ru-RU" dirty="0" err="1">
-                <a:solidFill>
-                  <a:srgbClr val="FF0000"/>
-                </a:solidFill>
-                <a:effectLst>
-                  <a:glow rad="228600">
-                    <a:schemeClr val="bg1">
-                      <a:alpha val="40000"/>
-                    </a:schemeClr>
-                  </a:glow>
-                </a:effectLst>
-                <a:highlight>
-                  <a:srgbClr val="FFFFFF"/>
-                </a:highlight>
-                <a:latin typeface="Consolas" pitchFamily="49" charset="0"/>
-                <a:ea typeface="Calibri"/>
-                <a:cs typeface="Consolas" pitchFamily="49" charset="0"/>
-              </a:rPr>
-              <a:t>id</a:t>
-            </a:r>
-            <a:r>
-              <a:rPr lang="ru-RU" dirty="0">
-                <a:solidFill>
-                  <a:srgbClr val="0000FF"/>
-                </a:solidFill>
-                <a:effectLst>
-                  <a:glow rad="228600">
-                    <a:schemeClr val="bg1">
-                      <a:alpha val="40000"/>
-                    </a:schemeClr>
-                  </a:glow>
-                </a:effectLst>
-                <a:highlight>
-                  <a:srgbClr val="FFFFFF"/>
-                </a:highlight>
-                <a:latin typeface="Consolas" pitchFamily="49" charset="0"/>
-                <a:ea typeface="Calibri"/>
-                <a:cs typeface="Consolas" pitchFamily="49" charset="0"/>
-              </a:rPr>
-              <a:t>=</a:t>
-            </a:r>
-            <a:r>
-              <a:rPr lang="ru-RU" dirty="0">
-                <a:solidFill>
-                  <a:srgbClr val="000000"/>
-                </a:solidFill>
-                <a:effectLst>
-                  <a:glow rad="228600">
-                    <a:schemeClr val="bg1">
-                      <a:alpha val="40000"/>
-                    </a:schemeClr>
-                  </a:glow>
-                </a:effectLst>
-                <a:highlight>
-                  <a:srgbClr val="FFFFFF"/>
-                </a:highlight>
-                <a:latin typeface="Consolas" pitchFamily="49" charset="0"/>
-                <a:ea typeface="Calibri"/>
-                <a:cs typeface="Consolas" pitchFamily="49" charset="0"/>
-              </a:rPr>
-              <a:t>"</a:t>
-            </a:r>
-            <a:r>
-              <a:rPr lang="ru-RU" dirty="0">
-                <a:solidFill>
-                  <a:srgbClr val="0000FF"/>
-                </a:solidFill>
-                <a:effectLst>
-                  <a:glow rad="228600">
-                    <a:schemeClr val="bg1">
-                      <a:alpha val="40000"/>
-                    </a:schemeClr>
-                  </a:glow>
-                </a:effectLst>
-                <a:highlight>
-                  <a:srgbClr val="FFFFFF"/>
-                </a:highlight>
-                <a:latin typeface="Consolas" pitchFamily="49" charset="0"/>
-                <a:ea typeface="Calibri"/>
-                <a:cs typeface="Consolas" pitchFamily="49" charset="0"/>
-              </a:rPr>
-              <a:t>5</a:t>
-            </a:r>
-            <a:r>
-              <a:rPr lang="ru-RU" dirty="0">
-                <a:solidFill>
-                  <a:srgbClr val="000000"/>
-                </a:solidFill>
-                <a:effectLst>
-                  <a:glow rad="228600">
-                    <a:schemeClr val="bg1">
-                      <a:alpha val="40000"/>
-                    </a:schemeClr>
-                  </a:glow>
-                </a:effectLst>
-                <a:highlight>
-                  <a:srgbClr val="FFFFFF"/>
-                </a:highlight>
-                <a:latin typeface="Consolas" pitchFamily="49" charset="0"/>
-                <a:ea typeface="Calibri"/>
-                <a:cs typeface="Consolas" pitchFamily="49" charset="0"/>
-              </a:rPr>
-              <a:t>"</a:t>
-            </a:r>
-            <a:r>
-              <a:rPr lang="ru-RU" dirty="0">
-                <a:solidFill>
-                  <a:srgbClr val="0000FF"/>
-                </a:solidFill>
-                <a:effectLst>
-                  <a:glow rad="228600">
-                    <a:schemeClr val="bg1">
-                      <a:alpha val="40000"/>
-                    </a:schemeClr>
-                  </a:glow>
-                </a:effectLst>
-                <a:highlight>
-                  <a:srgbClr val="FFFFFF"/>
-                </a:highlight>
-                <a:latin typeface="Consolas" pitchFamily="49" charset="0"/>
-                <a:ea typeface="Calibri"/>
-                <a:cs typeface="Consolas" pitchFamily="49" charset="0"/>
-              </a:rPr>
-              <a:t> </a:t>
-            </a:r>
-            <a:r>
-              <a:rPr lang="ru-RU" dirty="0" smtClean="0">
-                <a:solidFill>
-                  <a:srgbClr val="0000FF"/>
-                </a:solidFill>
-                <a:effectLst>
-                  <a:glow rad="228600">
-                    <a:schemeClr val="bg1">
-                      <a:alpha val="40000"/>
-                    </a:schemeClr>
-                  </a:glow>
-                </a:effectLst>
-                <a:highlight>
-                  <a:srgbClr val="FFFFFF"/>
-                </a:highlight>
-                <a:latin typeface="Consolas" pitchFamily="49" charset="0"/>
-                <a:ea typeface="Calibri"/>
-                <a:cs typeface="Consolas" pitchFamily="49" charset="0"/>
-              </a:rPr>
-              <a:t>/&gt;</a:t>
-            </a:r>
-            <a:endParaRPr lang="en-US" dirty="0">
-              <a:solidFill>
-                <a:srgbClr val="0000FF"/>
-              </a:solidFill>
-              <a:effectLst>
-                <a:glow rad="228600">
-                  <a:schemeClr val="bg1">
-                    <a:alpha val="40000"/>
-                  </a:schemeClr>
-                </a:glow>
-              </a:effectLst>
-              <a:highlight>
-                <a:srgbClr val="FFFFFF"/>
-              </a:highlight>
-              <a:latin typeface="Consolas" pitchFamily="49" charset="0"/>
-              <a:ea typeface="Calibri"/>
-              <a:cs typeface="Consolas" pitchFamily="49" charset="0"/>
-            </a:endParaRPr>
-          </a:p>
-          <a:p>
-            <a:pPr>
-              <a:lnSpc>
-                <a:spcPct val="115000"/>
-              </a:lnSpc>
-              <a:spcAft>
-                <a:spcPts val="0"/>
-              </a:spcAft>
-            </a:pPr>
-            <a:r>
-              <a:rPr lang="en-US" dirty="0" smtClean="0">
-                <a:solidFill>
-                  <a:srgbClr val="0000FF"/>
-                </a:solidFill>
-                <a:effectLst>
-                  <a:glow rad="228600">
-                    <a:schemeClr val="bg1">
-                      <a:alpha val="40000"/>
-                    </a:schemeClr>
-                  </a:glow>
-                </a:effectLst>
-                <a:highlight>
-                  <a:srgbClr val="FFFFFF"/>
-                </a:highlight>
-                <a:latin typeface="Consolas" pitchFamily="49" charset="0"/>
-                <a:ea typeface="Calibri"/>
-                <a:cs typeface="Consolas" pitchFamily="49" charset="0"/>
-              </a:rPr>
-              <a:t>  </a:t>
-            </a:r>
-            <a:r>
-              <a:rPr lang="ru-RU" dirty="0" smtClean="0">
-                <a:solidFill>
-                  <a:srgbClr val="0000FF"/>
-                </a:solidFill>
-                <a:effectLst>
-                  <a:glow rad="228600">
-                    <a:schemeClr val="bg1">
-                      <a:alpha val="40000"/>
-                    </a:schemeClr>
-                  </a:glow>
-                </a:effectLst>
-                <a:highlight>
-                  <a:srgbClr val="FFFFFF"/>
-                </a:highlight>
-                <a:latin typeface="Consolas" pitchFamily="49" charset="0"/>
-                <a:ea typeface="Calibri"/>
-                <a:cs typeface="Consolas" pitchFamily="49" charset="0"/>
-              </a:rPr>
-              <a:t>&lt;</a:t>
-            </a:r>
-            <a:r>
-              <a:rPr lang="ru-RU" dirty="0" err="1" smtClean="0">
-                <a:solidFill>
-                  <a:srgbClr val="A31515"/>
-                </a:solidFill>
-                <a:effectLst>
-                  <a:glow rad="228600">
-                    <a:schemeClr val="bg1">
-                      <a:alpha val="40000"/>
-                    </a:schemeClr>
-                  </a:glow>
-                </a:effectLst>
-                <a:highlight>
-                  <a:srgbClr val="FFFFFF"/>
-                </a:highlight>
-                <a:latin typeface="Consolas" pitchFamily="49" charset="0"/>
-                <a:ea typeface="Calibri"/>
-                <a:cs typeface="Consolas" pitchFamily="49" charset="0"/>
-              </a:rPr>
-              <a:t>LinkControl</a:t>
-            </a:r>
-            <a:r>
-              <a:rPr lang="ru-RU" dirty="0" smtClean="0">
-                <a:solidFill>
-                  <a:srgbClr val="0000FF"/>
-                </a:solidFill>
-                <a:effectLst>
-                  <a:glow rad="228600">
-                    <a:schemeClr val="bg1">
-                      <a:alpha val="40000"/>
-                    </a:schemeClr>
-                  </a:glow>
-                </a:effectLst>
-                <a:highlight>
-                  <a:srgbClr val="FFFFFF"/>
-                </a:highlight>
-                <a:latin typeface="Consolas" pitchFamily="49" charset="0"/>
-                <a:ea typeface="Calibri"/>
-                <a:cs typeface="Consolas" pitchFamily="49" charset="0"/>
-              </a:rPr>
-              <a:t> </a:t>
-            </a:r>
-            <a:r>
-              <a:rPr lang="ru-RU" dirty="0" smtClean="0">
-                <a:solidFill>
-                  <a:srgbClr val="FF0000"/>
-                </a:solidFill>
-                <a:effectLst>
-                  <a:glow rad="228600">
-                    <a:schemeClr val="bg1">
-                      <a:alpha val="40000"/>
-                    </a:schemeClr>
-                  </a:glow>
-                </a:effectLst>
-                <a:highlight>
-                  <a:srgbClr val="FFFFFF"/>
-                </a:highlight>
-                <a:latin typeface="Consolas" pitchFamily="49" charset="0"/>
-                <a:ea typeface="Calibri"/>
-                <a:cs typeface="Consolas" pitchFamily="49" charset="0"/>
-              </a:rPr>
-              <a:t>Node1</a:t>
-            </a:r>
-            <a:r>
-              <a:rPr lang="ru-RU" dirty="0" smtClean="0">
-                <a:solidFill>
-                  <a:srgbClr val="0000FF"/>
-                </a:solidFill>
-                <a:effectLst>
-                  <a:glow rad="228600">
-                    <a:schemeClr val="bg1">
-                      <a:alpha val="40000"/>
-                    </a:schemeClr>
-                  </a:glow>
-                </a:effectLst>
-                <a:highlight>
-                  <a:srgbClr val="FFFFFF"/>
-                </a:highlight>
-                <a:latin typeface="Consolas" pitchFamily="49" charset="0"/>
-                <a:ea typeface="Calibri"/>
-                <a:cs typeface="Consolas" pitchFamily="49" charset="0"/>
-              </a:rPr>
-              <a:t>=</a:t>
-            </a:r>
-            <a:r>
-              <a:rPr lang="ru-RU" dirty="0" smtClean="0">
-                <a:solidFill>
-                  <a:srgbClr val="000000"/>
-                </a:solidFill>
-                <a:effectLst>
-                  <a:glow rad="228600">
-                    <a:schemeClr val="bg1">
-                      <a:alpha val="40000"/>
-                    </a:schemeClr>
-                  </a:glow>
-                </a:effectLst>
-                <a:highlight>
-                  <a:srgbClr val="FFFFFF"/>
-                </a:highlight>
-                <a:latin typeface="Consolas" pitchFamily="49" charset="0"/>
-                <a:ea typeface="Calibri"/>
-                <a:cs typeface="Consolas" pitchFamily="49" charset="0"/>
-              </a:rPr>
-              <a:t>"</a:t>
-            </a:r>
-            <a:r>
-              <a:rPr lang="ru-RU" dirty="0" smtClean="0">
-                <a:solidFill>
-                  <a:srgbClr val="0000FF"/>
-                </a:solidFill>
-                <a:effectLst>
-                  <a:glow rad="228600">
-                    <a:schemeClr val="bg1">
-                      <a:alpha val="40000"/>
-                    </a:schemeClr>
-                  </a:glow>
-                </a:effectLst>
-                <a:highlight>
-                  <a:srgbClr val="FFFFFF"/>
-                </a:highlight>
-                <a:latin typeface="Consolas" pitchFamily="49" charset="0"/>
-                <a:ea typeface="Calibri"/>
-                <a:cs typeface="Consolas" pitchFamily="49" charset="0"/>
-              </a:rPr>
-              <a:t>2</a:t>
-            </a:r>
-            <a:r>
-              <a:rPr lang="ru-RU" dirty="0" smtClean="0">
-                <a:solidFill>
-                  <a:srgbClr val="000000"/>
-                </a:solidFill>
-                <a:effectLst>
-                  <a:glow rad="228600">
-                    <a:schemeClr val="bg1">
-                      <a:alpha val="40000"/>
-                    </a:schemeClr>
-                  </a:glow>
-                </a:effectLst>
-                <a:highlight>
-                  <a:srgbClr val="FFFFFF"/>
-                </a:highlight>
-                <a:latin typeface="Consolas" pitchFamily="49" charset="0"/>
-                <a:ea typeface="Calibri"/>
-                <a:cs typeface="Consolas" pitchFamily="49" charset="0"/>
-              </a:rPr>
-              <a:t>"</a:t>
-            </a:r>
-            <a:r>
-              <a:rPr lang="ru-RU" dirty="0" smtClean="0">
-                <a:solidFill>
-                  <a:srgbClr val="0000FF"/>
-                </a:solidFill>
-                <a:effectLst>
-                  <a:glow rad="228600">
-                    <a:schemeClr val="bg1">
-                      <a:alpha val="40000"/>
-                    </a:schemeClr>
-                  </a:glow>
-                </a:effectLst>
-                <a:highlight>
-                  <a:srgbClr val="FFFFFF"/>
-                </a:highlight>
-                <a:latin typeface="Consolas" pitchFamily="49" charset="0"/>
-                <a:ea typeface="Calibri"/>
-                <a:cs typeface="Consolas" pitchFamily="49" charset="0"/>
-              </a:rPr>
-              <a:t> </a:t>
-            </a:r>
-            <a:r>
-              <a:rPr lang="ru-RU" dirty="0" smtClean="0">
-                <a:solidFill>
-                  <a:srgbClr val="FF0000"/>
-                </a:solidFill>
-                <a:effectLst>
-                  <a:glow rad="228600">
-                    <a:schemeClr val="bg1">
-                      <a:alpha val="40000"/>
-                    </a:schemeClr>
-                  </a:glow>
-                </a:effectLst>
-                <a:highlight>
-                  <a:srgbClr val="FFFFFF"/>
-                </a:highlight>
-                <a:latin typeface="Consolas" pitchFamily="49" charset="0"/>
-                <a:ea typeface="Calibri"/>
-                <a:cs typeface="Consolas" pitchFamily="49" charset="0"/>
-              </a:rPr>
-              <a:t>Node2</a:t>
-            </a:r>
-            <a:r>
-              <a:rPr lang="ru-RU" dirty="0" smtClean="0">
-                <a:solidFill>
-                  <a:srgbClr val="0000FF"/>
-                </a:solidFill>
-                <a:effectLst>
-                  <a:glow rad="228600">
-                    <a:schemeClr val="bg1">
-                      <a:alpha val="40000"/>
-                    </a:schemeClr>
-                  </a:glow>
-                </a:effectLst>
-                <a:highlight>
-                  <a:srgbClr val="FFFFFF"/>
-                </a:highlight>
-                <a:latin typeface="Consolas" pitchFamily="49" charset="0"/>
-                <a:ea typeface="Calibri"/>
-                <a:cs typeface="Consolas" pitchFamily="49" charset="0"/>
-              </a:rPr>
-              <a:t>=</a:t>
-            </a:r>
-            <a:r>
-              <a:rPr lang="ru-RU" dirty="0" smtClean="0">
-                <a:solidFill>
-                  <a:srgbClr val="000000"/>
-                </a:solidFill>
-                <a:effectLst>
-                  <a:glow rad="228600">
-                    <a:schemeClr val="bg1">
-                      <a:alpha val="40000"/>
-                    </a:schemeClr>
-                  </a:glow>
-                </a:effectLst>
-                <a:highlight>
-                  <a:srgbClr val="FFFFFF"/>
-                </a:highlight>
-                <a:latin typeface="Consolas" pitchFamily="49" charset="0"/>
-                <a:ea typeface="Calibri"/>
-                <a:cs typeface="Consolas" pitchFamily="49" charset="0"/>
-              </a:rPr>
-              <a:t>"</a:t>
-            </a:r>
-            <a:r>
-              <a:rPr lang="ru-RU" dirty="0" smtClean="0">
-                <a:solidFill>
-                  <a:srgbClr val="0000FF"/>
-                </a:solidFill>
-                <a:effectLst>
-                  <a:glow rad="228600">
-                    <a:schemeClr val="bg1">
-                      <a:alpha val="40000"/>
-                    </a:schemeClr>
-                  </a:glow>
-                </a:effectLst>
-                <a:highlight>
-                  <a:srgbClr val="FFFFFF"/>
-                </a:highlight>
-                <a:latin typeface="Consolas" pitchFamily="49" charset="0"/>
-                <a:ea typeface="Calibri"/>
-                <a:cs typeface="Consolas" pitchFamily="49" charset="0"/>
-              </a:rPr>
-              <a:t>5</a:t>
-            </a:r>
-            <a:r>
-              <a:rPr lang="ru-RU" dirty="0" smtClean="0">
-                <a:solidFill>
-                  <a:srgbClr val="000000"/>
-                </a:solidFill>
-                <a:effectLst>
-                  <a:glow rad="228600">
-                    <a:schemeClr val="bg1">
-                      <a:alpha val="40000"/>
-                    </a:schemeClr>
-                  </a:glow>
-                </a:effectLst>
-                <a:highlight>
-                  <a:srgbClr val="FFFFFF"/>
-                </a:highlight>
-                <a:latin typeface="Consolas" pitchFamily="49" charset="0"/>
-                <a:ea typeface="Calibri"/>
-                <a:cs typeface="Consolas" pitchFamily="49" charset="0"/>
-              </a:rPr>
-              <a:t>"</a:t>
-            </a:r>
-            <a:r>
-              <a:rPr lang="ru-RU" dirty="0" smtClean="0">
-                <a:solidFill>
-                  <a:srgbClr val="0000FF"/>
-                </a:solidFill>
-                <a:effectLst>
-                  <a:glow rad="228600">
-                    <a:schemeClr val="bg1">
-                      <a:alpha val="40000"/>
-                    </a:schemeClr>
-                  </a:glow>
-                </a:effectLst>
-                <a:highlight>
-                  <a:srgbClr val="FFFFFF"/>
-                </a:highlight>
-                <a:latin typeface="Consolas" pitchFamily="49" charset="0"/>
-                <a:ea typeface="Calibri"/>
-                <a:cs typeface="Consolas" pitchFamily="49" charset="0"/>
-              </a:rPr>
-              <a:t> </a:t>
-            </a:r>
-            <a:r>
-              <a:rPr lang="ru-RU" dirty="0" err="1" smtClean="0">
-                <a:solidFill>
-                  <a:srgbClr val="FF0000"/>
-                </a:solidFill>
-                <a:effectLst>
-                  <a:glow rad="228600">
-                    <a:schemeClr val="bg1">
-                      <a:alpha val="40000"/>
-                    </a:schemeClr>
-                  </a:glow>
-                </a:effectLst>
-                <a:highlight>
-                  <a:srgbClr val="FFFFFF"/>
-                </a:highlight>
-                <a:latin typeface="Consolas" pitchFamily="49" charset="0"/>
-                <a:ea typeface="Calibri"/>
-                <a:cs typeface="Consolas" pitchFamily="49" charset="0"/>
-              </a:rPr>
-              <a:t>id</a:t>
-            </a:r>
-            <a:r>
-              <a:rPr lang="ru-RU" dirty="0" smtClean="0">
-                <a:solidFill>
-                  <a:srgbClr val="0000FF"/>
-                </a:solidFill>
-                <a:effectLst>
-                  <a:glow rad="228600">
-                    <a:schemeClr val="bg1">
-                      <a:alpha val="40000"/>
-                    </a:schemeClr>
-                  </a:glow>
-                </a:effectLst>
-                <a:highlight>
-                  <a:srgbClr val="FFFFFF"/>
-                </a:highlight>
-                <a:latin typeface="Consolas" pitchFamily="49" charset="0"/>
-                <a:ea typeface="Calibri"/>
-                <a:cs typeface="Consolas" pitchFamily="49" charset="0"/>
-              </a:rPr>
-              <a:t>=</a:t>
-            </a:r>
-            <a:r>
-              <a:rPr lang="ru-RU" dirty="0" smtClean="0">
-                <a:solidFill>
-                  <a:srgbClr val="000000"/>
-                </a:solidFill>
-                <a:effectLst>
-                  <a:glow rad="228600">
-                    <a:schemeClr val="bg1">
-                      <a:alpha val="40000"/>
-                    </a:schemeClr>
-                  </a:glow>
-                </a:effectLst>
-                <a:highlight>
-                  <a:srgbClr val="FFFFFF"/>
-                </a:highlight>
-                <a:latin typeface="Consolas" pitchFamily="49" charset="0"/>
-                <a:ea typeface="Calibri"/>
-                <a:cs typeface="Consolas" pitchFamily="49" charset="0"/>
-              </a:rPr>
-              <a:t>"</a:t>
-            </a:r>
-            <a:r>
-              <a:rPr lang="ru-RU" dirty="0" smtClean="0">
-                <a:solidFill>
-                  <a:srgbClr val="0000FF"/>
-                </a:solidFill>
-                <a:effectLst>
-                  <a:glow rad="228600">
-                    <a:schemeClr val="bg1">
-                      <a:alpha val="40000"/>
-                    </a:schemeClr>
-                  </a:glow>
-                </a:effectLst>
-                <a:highlight>
-                  <a:srgbClr val="FFFFFF"/>
-                </a:highlight>
-                <a:latin typeface="Consolas" pitchFamily="49" charset="0"/>
-                <a:ea typeface="Calibri"/>
-                <a:cs typeface="Consolas" pitchFamily="49" charset="0"/>
-              </a:rPr>
-              <a:t>20</a:t>
-            </a:r>
-            <a:r>
-              <a:rPr lang="ru-RU" dirty="0" smtClean="0">
-                <a:solidFill>
-                  <a:srgbClr val="000000"/>
-                </a:solidFill>
-                <a:effectLst>
-                  <a:glow rad="228600">
-                    <a:schemeClr val="bg1">
-                      <a:alpha val="40000"/>
-                    </a:schemeClr>
-                  </a:glow>
-                </a:effectLst>
-                <a:highlight>
-                  <a:srgbClr val="FFFFFF"/>
-                </a:highlight>
-                <a:latin typeface="Consolas" pitchFamily="49" charset="0"/>
-                <a:ea typeface="Calibri"/>
-                <a:cs typeface="Consolas" pitchFamily="49" charset="0"/>
-              </a:rPr>
-              <a:t>"</a:t>
-            </a:r>
-            <a:r>
-              <a:rPr lang="ru-RU" dirty="0" smtClean="0">
-                <a:solidFill>
-                  <a:srgbClr val="0000FF"/>
-                </a:solidFill>
-                <a:effectLst>
-                  <a:glow rad="228600">
-                    <a:schemeClr val="bg1">
-                      <a:alpha val="40000"/>
-                    </a:schemeClr>
-                  </a:glow>
-                </a:effectLst>
-                <a:highlight>
-                  <a:srgbClr val="FFFFFF"/>
-                </a:highlight>
-                <a:latin typeface="Consolas" pitchFamily="49" charset="0"/>
-                <a:ea typeface="Calibri"/>
-                <a:cs typeface="Consolas" pitchFamily="49" charset="0"/>
-              </a:rPr>
-              <a:t> /&gt;</a:t>
-            </a:r>
-            <a:endParaRPr lang="ru-RU" dirty="0" smtClean="0">
-              <a:effectLst>
-                <a:glow rad="228600">
-                  <a:schemeClr val="bg1">
-                    <a:alpha val="40000"/>
-                  </a:schemeClr>
-                </a:glow>
-              </a:effectLst>
-              <a:latin typeface="Consolas" pitchFamily="49" charset="0"/>
-              <a:ea typeface="Calibri"/>
-              <a:cs typeface="Consolas" pitchFamily="49" charset="0"/>
-            </a:endParaRPr>
-          </a:p>
-          <a:p>
-            <a:pPr>
-              <a:lnSpc>
-                <a:spcPct val="115000"/>
-              </a:lnSpc>
-              <a:spcAft>
-                <a:spcPts val="1000"/>
-              </a:spcAft>
-            </a:pPr>
-            <a:r>
-              <a:rPr lang="ru-RU" dirty="0" smtClean="0">
-                <a:solidFill>
-                  <a:srgbClr val="0000FF"/>
-                </a:solidFill>
-                <a:effectLst>
-                  <a:glow rad="228600">
-                    <a:schemeClr val="bg1">
-                      <a:alpha val="40000"/>
-                    </a:schemeClr>
-                  </a:glow>
-                </a:effectLst>
-                <a:highlight>
-                  <a:srgbClr val="FFFFFF"/>
-                </a:highlight>
-                <a:latin typeface="Consolas" pitchFamily="49" charset="0"/>
-                <a:ea typeface="Calibri"/>
-                <a:cs typeface="Consolas" pitchFamily="49" charset="0"/>
-              </a:rPr>
-              <a:t>&lt;/</a:t>
-            </a:r>
-            <a:r>
-              <a:rPr lang="ru-RU" dirty="0" err="1">
-                <a:solidFill>
-                  <a:srgbClr val="A31515"/>
-                </a:solidFill>
-                <a:effectLst>
-                  <a:glow rad="228600">
-                    <a:schemeClr val="bg1">
-                      <a:alpha val="40000"/>
-                    </a:schemeClr>
-                  </a:glow>
-                </a:effectLst>
-                <a:highlight>
-                  <a:srgbClr val="FFFFFF"/>
-                </a:highlight>
-                <a:latin typeface="Consolas" pitchFamily="49" charset="0"/>
-                <a:ea typeface="Calibri"/>
-                <a:cs typeface="Consolas" pitchFamily="49" charset="0"/>
-              </a:rPr>
-              <a:t>content</a:t>
-            </a:r>
-            <a:r>
-              <a:rPr lang="ru-RU" dirty="0">
-                <a:solidFill>
-                  <a:srgbClr val="0000FF"/>
-                </a:solidFill>
-                <a:effectLst>
-                  <a:glow rad="228600">
-                    <a:schemeClr val="bg1">
-                      <a:alpha val="40000"/>
-                    </a:schemeClr>
-                  </a:glow>
-                </a:effectLst>
-                <a:highlight>
-                  <a:srgbClr val="FFFFFF"/>
-                </a:highlight>
-                <a:latin typeface="Consolas" pitchFamily="49" charset="0"/>
-                <a:ea typeface="Calibri"/>
-                <a:cs typeface="Consolas" pitchFamily="49" charset="0"/>
-              </a:rPr>
-              <a:t>&gt;</a:t>
-            </a:r>
-            <a:endParaRPr lang="ru-RU" dirty="0">
-              <a:effectLst>
-                <a:glow rad="228600">
-                  <a:schemeClr val="bg1">
-                    <a:alpha val="40000"/>
-                  </a:schemeClr>
-                </a:glow>
-              </a:effectLst>
-              <a:latin typeface="Consolas" pitchFamily="49" charset="0"/>
-              <a:ea typeface="Calibri"/>
-              <a:cs typeface="Consolas" pitchFamily="49" charset="0"/>
-            </a:endParaRPr>
-          </a:p>
-        </p:txBody>
-      </p:sp>
-      <p:pic>
-        <p:nvPicPr>
-          <p:cNvPr id="5131" name="Picture 11"/>
-          <p:cNvPicPr>
-            <a:picLocks noChangeAspect="1" noChangeArrowheads="1"/>
-          </p:cNvPicPr>
-          <p:nvPr/>
-        </p:nvPicPr>
-        <p:blipFill>
-          <a:blip r:embed="rId4">
-            <a:extLst>
-              <a:ext uri="{28A0092B-C50C-407E-A947-70E740481C1C}">
-                <a14:useLocalDpi xmlns:a14="http://schemas.microsoft.com/office/drawing/2010/main" val="0"/>
-              </a:ext>
-            </a:extLst>
-          </a:blip>
-          <a:srcRect/>
-          <a:stretch>
-            <a:fillRect/>
-          </a:stretch>
-        </p:blipFill>
-        <p:spPr bwMode="auto">
-          <a:xfrm>
-            <a:off x="231874" y="3381375"/>
-            <a:ext cx="228600" cy="228600"/>
-          </a:xfrm>
-          <a:prstGeom prst="rect">
-            <a:avLst/>
-          </a:prstGeom>
-          <a:noFill/>
-          <a:ln>
-            <a:noFill/>
-          </a:ln>
-          <a:effectLst/>
-          <a:extLst>
-            <a:ext uri="{909E8E84-426E-40DD-AFC4-6F175D3DCCD1}">
-              <a14:hiddenFill xmlns:a14="http://schemas.microsoft.com/office/drawing/2010/main">
-                <a:solidFill>
-                  <a:schemeClr val="accent1"/>
-                </a:solidFill>
-              </a14:hiddenFill>
-            </a:ext>
-            <a:ext uri="{91240B29-F687-4F45-9708-019B960494DF}">
-              <a14:hiddenLine xmlns:a14="http://schemas.microsoft.com/office/drawing/2010/main" w="9525">
-                <a:solidFill>
-                  <a:schemeClr val="tx1"/>
-                </a:solidFill>
-                <a:miter lim="800000"/>
-                <a:headEnd/>
-                <a:tailEnd/>
-              </a14:hiddenLine>
-            </a:ext>
-            <a:ext uri="{AF507438-7753-43E0-B8FC-AC1667EBCBE1}">
-              <a14:hiddenEffects xmlns:a14="http://schemas.microsoft.com/office/drawing/2010/main">
-                <a:effectLst>
-                  <a:outerShdw dist="35921" dir="2700000" algn="ctr" rotWithShape="0">
-                    <a:schemeClr val="bg2"/>
-                  </a:outerShdw>
-                </a:effectLst>
-              </a14:hiddenEffects>
-            </a:ext>
-          </a:extLst>
-        </p:spPr>
-      </p:pic>
-      <p:pic>
-        <p:nvPicPr>
-          <p:cNvPr id="5132" name="Picture 12"/>
-          <p:cNvPicPr>
-            <a:picLocks noChangeAspect="1" noChangeArrowheads="1"/>
-          </p:cNvPicPr>
-          <p:nvPr/>
-        </p:nvPicPr>
-        <p:blipFill>
-          <a:blip r:embed="rId4">
-            <a:extLst>
-              <a:ext uri="{28A0092B-C50C-407E-A947-70E740481C1C}">
-                <a14:useLocalDpi xmlns:a14="http://schemas.microsoft.com/office/drawing/2010/main" val="0"/>
-              </a:ext>
-            </a:extLst>
-          </a:blip>
-          <a:srcRect/>
-          <a:stretch>
-            <a:fillRect/>
-          </a:stretch>
-        </p:blipFill>
-        <p:spPr bwMode="auto">
-          <a:xfrm>
-            <a:off x="231874" y="3686175"/>
-            <a:ext cx="228600" cy="228600"/>
-          </a:xfrm>
-          <a:prstGeom prst="rect">
-            <a:avLst/>
-          </a:prstGeom>
-          <a:noFill/>
-          <a:ln>
-            <a:noFill/>
-          </a:ln>
-          <a:effectLst/>
-          <a:extLst>
-            <a:ext uri="{909E8E84-426E-40DD-AFC4-6F175D3DCCD1}">
-              <a14:hiddenFill xmlns:a14="http://schemas.microsoft.com/office/drawing/2010/main">
-                <a:solidFill>
-                  <a:schemeClr val="accent1"/>
-                </a:solidFill>
-              </a14:hiddenFill>
-            </a:ext>
-            <a:ext uri="{91240B29-F687-4F45-9708-019B960494DF}">
-              <a14:hiddenLine xmlns:a14="http://schemas.microsoft.com/office/drawing/2010/main" w="9525">
-                <a:solidFill>
-                  <a:schemeClr val="tx1"/>
-                </a:solidFill>
-                <a:miter lim="800000"/>
-                <a:headEnd/>
-                <a:tailEnd/>
-              </a14:hiddenLine>
-            </a:ext>
-            <a:ext uri="{AF507438-7753-43E0-B8FC-AC1667EBCBE1}">
-              <a14:hiddenEffects xmlns:a14="http://schemas.microsoft.com/office/drawing/2010/main">
-                <a:effectLst>
-                  <a:outerShdw dist="35921" dir="2700000" algn="ctr" rotWithShape="0">
-                    <a:schemeClr val="bg2"/>
-                  </a:outerShdw>
-                </a:effectLst>
-              </a14:hiddenEffects>
-            </a:ext>
-          </a:extLst>
-        </p:spPr>
-      </p:pic>
-      <p:pic>
-        <p:nvPicPr>
-          <p:cNvPr id="5133" name="Picture 13"/>
-          <p:cNvPicPr>
-            <a:picLocks noChangeAspect="1" noChangeArrowheads="1"/>
-          </p:cNvPicPr>
-          <p:nvPr/>
-        </p:nvPicPr>
-        <p:blipFill>
-          <a:blip r:embed="rId5">
-            <a:extLst>
-              <a:ext uri="{28A0092B-C50C-407E-A947-70E740481C1C}">
-                <a14:useLocalDpi xmlns:a14="http://schemas.microsoft.com/office/drawing/2010/main" val="0"/>
-              </a:ext>
-            </a:extLst>
-          </a:blip>
-          <a:srcRect/>
-          <a:stretch>
-            <a:fillRect/>
-          </a:stretch>
-        </p:blipFill>
-        <p:spPr bwMode="auto">
-          <a:xfrm>
-            <a:off x="231874" y="4005064"/>
-            <a:ext cx="228600" cy="228600"/>
-          </a:xfrm>
-          <a:prstGeom prst="rect">
-            <a:avLst/>
-          </a:prstGeom>
-          <a:noFill/>
-          <a:ln>
-            <a:noFill/>
-          </a:ln>
-          <a:effectLst/>
-          <a:extLst>
-            <a:ext uri="{909E8E84-426E-40DD-AFC4-6F175D3DCCD1}">
-              <a14:hiddenFill xmlns:a14="http://schemas.microsoft.com/office/drawing/2010/main">
-                <a:solidFill>
-                  <a:schemeClr val="accent1"/>
-                </a:solidFill>
-              </a14:hiddenFill>
-            </a:ext>
-            <a:ext uri="{91240B29-F687-4F45-9708-019B960494DF}">
-              <a14:hiddenLine xmlns:a14="http://schemas.microsoft.com/office/drawing/2010/main" w="9525">
-                <a:solidFill>
-                  <a:schemeClr val="tx1"/>
-                </a:solidFill>
-                <a:miter lim="800000"/>
-                <a:headEnd/>
-                <a:tailEnd/>
-              </a14:hiddenLine>
-            </a:ext>
-            <a:ext uri="{AF507438-7753-43E0-B8FC-AC1667EBCBE1}">
-              <a14:hiddenEffects xmlns:a14="http://schemas.microsoft.com/office/drawing/2010/main">
-                <a:effectLst>
-                  <a:outerShdw dist="35921" dir="2700000" algn="ctr" rotWithShape="0">
-                    <a:schemeClr val="bg2"/>
-                  </a:outerShdw>
-                </a:effectLst>
-              </a14:hiddenEffects>
-            </a:ext>
-          </a:extLst>
-        </p:spPr>
-      </p:pic>
-      <p:sp>
-        <p:nvSpPr>
-          <p:cNvPr id="16" name="Прямоугольник 15"/>
-          <p:cNvSpPr/>
-          <p:nvPr/>
-        </p:nvSpPr>
-        <p:spPr>
-          <a:xfrm>
-            <a:off x="179512" y="2636911"/>
-            <a:ext cx="315788" cy="2003625"/>
-          </a:xfrm>
-          <a:prstGeom prst="rect">
-            <a:avLst/>
-          </a:prstGeom>
-          <a:solidFill>
-            <a:schemeClr val="accent1">
-              <a:alpha val="25000"/>
-            </a:schemeClr>
-          </a:solidFill>
-        </p:spPr>
-        <p:style>
-          <a:lnRef idx="2">
-            <a:schemeClr val="accent1">
-              <a:shade val="50000"/>
-            </a:schemeClr>
-          </a:lnRef>
-          <a:fillRef idx="1">
-            <a:schemeClr val="accent1"/>
-          </a:fillRef>
-          <a:effectRef idx="0">
-            <a:schemeClr val="accent1"/>
-          </a:effectRef>
-          <a:fontRef idx="minor">
-            <a:schemeClr val="lt1"/>
-          </a:fontRef>
-        </p:style>
-        <p:txBody>
-          <a:bodyPr rtlCol="0" anchor="ctr"/>
-          <a:lstStyle/>
-          <a:p>
-            <a:pPr algn="ctr"/>
-            <a:endParaRPr lang="ru-RU"/>
-          </a:p>
-        </p:txBody>
-      </p:sp>
-    </p:spTree>
-    <p:extLst>
-      <p:ext uri="{BB962C8B-B14F-4D97-AF65-F5344CB8AC3E}">
-        <p14:creationId xmlns:p14="http://schemas.microsoft.com/office/powerpoint/2010/main" val="1320271269"/>
-      </p:ext>
-    </p:extLst>
-  </p:cSld>
-  <p:clrMapOvr>
-    <a:masterClrMapping/>
-  </p:clrMapOvr>
-  <p:transition spd="slow">
-    <p:push/>
-  </p:transition>
-  <p:timing>
-    <p:tnLst>
-      <p:par>
-        <p:cTn id="1" dur="indefinite" restart="never" nodeType="tmRoot"/>
-      </p:par>
-    </p:tnLst>
-  </p:timing>
-</p:sld>
-</file>
-
-<file path=ppt/slides/slide8.xml><?xml version="1.0" encoding="utf-8"?>
-<p:sld xmlns:a="http://schemas.openxmlformats.org/drawingml/2006/main" xmlns:r="http://schemas.openxmlformats.org/officeDocument/2006/relationships" xmlns:p="http://schemas.openxmlformats.org/presentationml/2006/main">
-  <p:cSld>
-    <p:spTree>
-      <p:nvGrpSpPr>
-        <p:cNvPr id="1" name=""/>
-        <p:cNvGrpSpPr/>
-        <p:nvPr/>
-      </p:nvGrpSpPr>
-      <p:grpSpPr>
-        <a:xfrm>
-          <a:off x="0" y="0"/>
-          <a:ext cx="0" cy="0"/>
-          <a:chOff x="0" y="0"/>
-          <a:chExt cx="0" cy="0"/>
-        </a:xfrm>
-      </p:grpSpPr>
-      <p:sp>
-        <p:nvSpPr>
-          <p:cNvPr id="2" name="Заголовок 1"/>
-          <p:cNvSpPr>
-            <a:spLocks noGrp="1"/>
-          </p:cNvSpPr>
-          <p:nvPr>
-            <p:ph type="title"/>
-          </p:nvPr>
-        </p:nvSpPr>
-        <p:spPr>
-          <a:xfrm>
-            <a:off x="0" y="274638"/>
-            <a:ext cx="9144000" cy="1143000"/>
-          </a:xfrm>
-        </p:spPr>
-        <p:txBody>
-          <a:bodyPr>
-            <a:normAutofit/>
-          </a:bodyPr>
-          <a:lstStyle/>
-          <a:p>
-            <a:r>
-              <a:rPr lang="en-US" dirty="0" smtClean="0"/>
-              <a:t>Windows Presentation Foundation</a:t>
-            </a:r>
-            <a:endParaRPr lang="ru-RU" dirty="0"/>
-          </a:p>
-        </p:txBody>
-      </p:sp>
-      <p:sp>
-        <p:nvSpPr>
-          <p:cNvPr id="3" name="Объект 2"/>
-          <p:cNvSpPr>
-            <a:spLocks noGrp="1"/>
-          </p:cNvSpPr>
-          <p:nvPr>
-            <p:ph idx="1"/>
-          </p:nvPr>
-        </p:nvSpPr>
-        <p:spPr>
-          <a:xfrm>
-            <a:off x="2123728" y="2734072"/>
-            <a:ext cx="4546848" cy="2116832"/>
-          </a:xfrm>
-        </p:spPr>
-        <p:txBody>
-          <a:bodyPr/>
-          <a:lstStyle/>
-          <a:p>
-            <a:pPr>
-              <a:buFont typeface="Calibri" pitchFamily="34" charset="0"/>
-              <a:buChar char="﻿"/>
-            </a:pPr>
-            <a:r>
-              <a:rPr lang="en-US" dirty="0" smtClean="0"/>
-              <a:t>Hardware acceleration</a:t>
-            </a:r>
-          </a:p>
-          <a:p>
-            <a:pPr>
-              <a:buFont typeface="Calibri" pitchFamily="34" charset="0"/>
-              <a:buChar char="﻿"/>
-            </a:pPr>
-            <a:r>
-              <a:rPr lang="en-US" dirty="0" smtClean="0"/>
-              <a:t>Resolution independent</a:t>
-            </a:r>
-          </a:p>
-          <a:p>
-            <a:pPr>
-              <a:buFont typeface="Calibri" pitchFamily="34" charset="0"/>
-              <a:buChar char="﻿"/>
-            </a:pPr>
-            <a:r>
-              <a:rPr lang="en-US" dirty="0" smtClean="0"/>
-              <a:t>Styling</a:t>
-            </a:r>
-          </a:p>
-        </p:txBody>
-      </p:sp>
-      <p:pic>
-        <p:nvPicPr>
-          <p:cNvPr id="7171" name="Picture 3"/>
-          <p:cNvPicPr>
-            <a:picLocks noChangeAspect="1" noChangeArrowheads="1"/>
-          </p:cNvPicPr>
-          <p:nvPr/>
-        </p:nvPicPr>
-        <p:blipFill>
-          <a:blip r:embed="rId2">
-            <a:extLst>
-              <a:ext uri="{28A0092B-C50C-407E-A947-70E740481C1C}">
-                <a14:useLocalDpi xmlns:a14="http://schemas.microsoft.com/office/drawing/2010/main" val="0"/>
-              </a:ext>
-            </a:extLst>
-          </a:blip>
-          <a:srcRect/>
-          <a:stretch>
-            <a:fillRect/>
-          </a:stretch>
-        </p:blipFill>
-        <p:spPr bwMode="auto">
-          <a:xfrm>
-            <a:off x="8653463" y="7143"/>
-            <a:ext cx="457200" cy="457200"/>
-          </a:xfrm>
-          <a:prstGeom prst="rect">
-            <a:avLst/>
-          </a:prstGeom>
-          <a:noFill/>
-          <a:ln>
-            <a:noFill/>
-          </a:ln>
-          <a:effectLst/>
-          <a:extLst>
-            <a:ext uri="{909E8E84-426E-40DD-AFC4-6F175D3DCCD1}">
-              <a14:hiddenFill xmlns:a14="http://schemas.microsoft.com/office/drawing/2010/main">
-                <a:solidFill>
-                  <a:schemeClr val="accent1"/>
-                </a:solidFill>
-              </a14:hiddenFill>
-            </a:ext>
-            <a:ext uri="{91240B29-F687-4F45-9708-019B960494DF}">
-              <a14:hiddenLine xmlns:a14="http://schemas.microsoft.com/office/drawing/2010/main" w="9525">
-                <a:solidFill>
-                  <a:schemeClr val="tx1"/>
-                </a:solidFill>
-                <a:miter lim="800000"/>
-                <a:headEnd/>
-                <a:tailEnd/>
-              </a14:hiddenLine>
-            </a:ext>
-            <a:ext uri="{AF507438-7753-43E0-B8FC-AC1667EBCBE1}">
-              <a14:hiddenEffects xmlns:a14="http://schemas.microsoft.com/office/drawing/2010/main">
-                <a:effectLst>
-                  <a:outerShdw dist="35921" dir="2700000" algn="ctr" rotWithShape="0">
-                    <a:schemeClr val="bg2"/>
-                  </a:outerShdw>
-                </a:effectLst>
-              </a14:hiddenEffects>
-            </a:ext>
-          </a:extLst>
-        </p:spPr>
-      </p:pic>
-      <p:pic>
-        <p:nvPicPr>
-          <p:cNvPr id="1026" name="Picture 2"/>
-          <p:cNvPicPr>
-            <a:picLocks noChangeAspect="1" noChangeArrowheads="1"/>
-          </p:cNvPicPr>
-          <p:nvPr/>
-        </p:nvPicPr>
-        <p:blipFill>
-          <a:blip r:embed="rId3">
-            <a:extLst>
-              <a:ext uri="{28A0092B-C50C-407E-A947-70E740481C1C}">
-                <a14:useLocalDpi xmlns:a14="http://schemas.microsoft.com/office/drawing/2010/main" val="0"/>
-              </a:ext>
-            </a:extLst>
-          </a:blip>
-          <a:srcRect/>
-          <a:stretch>
-            <a:fillRect/>
-          </a:stretch>
-        </p:blipFill>
-        <p:spPr bwMode="auto">
-          <a:xfrm>
-            <a:off x="1918048" y="3410743"/>
-            <a:ext cx="457200" cy="457200"/>
-          </a:xfrm>
-          <a:prstGeom prst="rect">
-            <a:avLst/>
-          </a:prstGeom>
-          <a:noFill/>
-          <a:ln>
-            <a:noFill/>
-          </a:ln>
-          <a:effectLst/>
-          <a:extLst>
-            <a:ext uri="{909E8E84-426E-40DD-AFC4-6F175D3DCCD1}">
-              <a14:hiddenFill xmlns:a14="http://schemas.microsoft.com/office/drawing/2010/main">
-                <a:solidFill>
-                  <a:schemeClr val="accent1"/>
-                </a:solidFill>
-              </a14:hiddenFill>
-            </a:ext>
-            <a:ext uri="{91240B29-F687-4F45-9708-019B960494DF}">
-              <a14:hiddenLine xmlns:a14="http://schemas.microsoft.com/office/drawing/2010/main" w="9525">
-                <a:solidFill>
-                  <a:schemeClr val="tx1"/>
-                </a:solidFill>
-                <a:miter lim="800000"/>
-                <a:headEnd/>
-                <a:tailEnd/>
-              </a14:hiddenLine>
-            </a:ext>
-            <a:ext uri="{AF507438-7753-43E0-B8FC-AC1667EBCBE1}">
-              <a14:hiddenEffects xmlns:a14="http://schemas.microsoft.com/office/drawing/2010/main">
-                <a:effectLst>
-                  <a:outerShdw dist="35921" dir="2700000" algn="ctr" rotWithShape="0">
-                    <a:schemeClr val="bg2"/>
-                  </a:outerShdw>
-                </a:effectLst>
-              </a14:hiddenEffects>
-            </a:ext>
-          </a:extLst>
-        </p:spPr>
-      </p:pic>
-      <p:pic>
-        <p:nvPicPr>
-          <p:cNvPr id="1028" name="Picture 4"/>
-          <p:cNvPicPr>
-            <a:picLocks noChangeAspect="1" noChangeArrowheads="1"/>
-          </p:cNvPicPr>
-          <p:nvPr/>
-        </p:nvPicPr>
-        <p:blipFill>
-          <a:blip r:embed="rId4">
-            <a:extLst>
-              <a:ext uri="{28A0092B-C50C-407E-A947-70E740481C1C}">
-                <a14:useLocalDpi xmlns:a14="http://schemas.microsoft.com/office/drawing/2010/main" val="0"/>
-              </a:ext>
-            </a:extLst>
-          </a:blip>
-          <a:srcRect/>
-          <a:stretch>
-            <a:fillRect/>
-          </a:stretch>
-        </p:blipFill>
-        <p:spPr bwMode="auto">
-          <a:xfrm>
-            <a:off x="1918048" y="3986807"/>
-            <a:ext cx="457200" cy="457200"/>
-          </a:xfrm>
-          <a:prstGeom prst="rect">
-            <a:avLst/>
-          </a:prstGeom>
-          <a:noFill/>
-          <a:ln>
-            <a:noFill/>
-          </a:ln>
-          <a:effectLst/>
-          <a:extLst>
-            <a:ext uri="{909E8E84-426E-40DD-AFC4-6F175D3DCCD1}">
-              <a14:hiddenFill xmlns:a14="http://schemas.microsoft.com/office/drawing/2010/main">
-                <a:solidFill>
-                  <a:schemeClr val="accent1"/>
-                </a:solidFill>
-              </a14:hiddenFill>
-            </a:ext>
-            <a:ext uri="{91240B29-F687-4F45-9708-019B960494DF}">
-              <a14:hiddenLine xmlns:a14="http://schemas.microsoft.com/office/drawing/2010/main" w="9525">
-                <a:solidFill>
-                  <a:schemeClr val="tx1"/>
-                </a:solidFill>
-                <a:miter lim="800000"/>
-                <a:headEnd/>
-                <a:tailEnd/>
-              </a14:hiddenLine>
-            </a:ext>
-            <a:ext uri="{AF507438-7753-43E0-B8FC-AC1667EBCBE1}">
-              <a14:hiddenEffects xmlns:a14="http://schemas.microsoft.com/office/drawing/2010/main">
-                <a:effectLst>
-                  <a:outerShdw dist="35921" dir="2700000" algn="ctr" rotWithShape="0">
-                    <a:schemeClr val="bg2"/>
-                  </a:outerShdw>
-                </a:effectLst>
-              </a14:hiddenEffects>
-            </a:ext>
-          </a:extLst>
-        </p:spPr>
-      </p:pic>
-      <p:pic>
-        <p:nvPicPr>
-          <p:cNvPr id="1029" name="Picture 5"/>
-          <p:cNvPicPr>
-            <a:picLocks noChangeAspect="1" noChangeArrowheads="1"/>
-          </p:cNvPicPr>
-          <p:nvPr/>
-        </p:nvPicPr>
-        <p:blipFill>
-          <a:blip r:embed="rId5">
-            <a:extLst>
-              <a:ext uri="{28A0092B-C50C-407E-A947-70E740481C1C}">
-                <a14:useLocalDpi xmlns:a14="http://schemas.microsoft.com/office/drawing/2010/main" val="0"/>
-              </a:ext>
-            </a:extLst>
-          </a:blip>
-          <a:srcRect/>
-          <a:stretch>
-            <a:fillRect/>
-          </a:stretch>
-        </p:blipFill>
-        <p:spPr bwMode="auto">
-          <a:xfrm>
-            <a:off x="1918048" y="2780928"/>
-            <a:ext cx="457200" cy="457200"/>
-          </a:xfrm>
-          <a:prstGeom prst="rect">
-            <a:avLst/>
-          </a:prstGeom>
-          <a:noFill/>
-          <a:ln>
-            <a:noFill/>
-          </a:ln>
-          <a:effectLst/>
-          <a:extLst>
-            <a:ext uri="{909E8E84-426E-40DD-AFC4-6F175D3DCCD1}">
-              <a14:hiddenFill xmlns:a14="http://schemas.microsoft.com/office/drawing/2010/main">
-                <a:solidFill>
-                  <a:schemeClr val="accent1"/>
-                </a:solidFill>
-              </a14:hiddenFill>
-            </a:ext>
-            <a:ext uri="{91240B29-F687-4F45-9708-019B960494DF}">
-              <a14:hiddenLine xmlns:a14="http://schemas.microsoft.com/office/drawing/2010/main" w="9525">
-                <a:solidFill>
-                  <a:schemeClr val="tx1"/>
-                </a:solidFill>
-                <a:miter lim="800000"/>
-                <a:headEnd/>
-                <a:tailEnd/>
-              </a14:hiddenLine>
-            </a:ext>
-            <a:ext uri="{AF507438-7753-43E0-B8FC-AC1667EBCBE1}">
-              <a14:hiddenEffects xmlns:a14="http://schemas.microsoft.com/office/drawing/2010/main">
-                <a:effectLst>
-                  <a:outerShdw dist="35921" dir="2700000" algn="ctr" rotWithShape="0">
-                    <a:schemeClr val="bg2"/>
-                  </a:outerShdw>
-                </a:effectLst>
-              </a14:hiddenEffects>
-            </a:ext>
-          </a:extLst>
-        </p:spPr>
-      </p:pic>
-    </p:spTree>
-    <p:extLst>
-      <p:ext uri="{BB962C8B-B14F-4D97-AF65-F5344CB8AC3E}">
-        <p14:creationId xmlns:p14="http://schemas.microsoft.com/office/powerpoint/2010/main" val="1969998787"/>
-      </p:ext>
-    </p:extLst>
-  </p:cSld>
-  <p:clrMapOvr>
-    <a:masterClrMapping/>
-  </p:clrMapOvr>
-  <p:transition spd="slow">
-    <p:push/>
-  </p:transition>
-  <p:timing>
-    <p:tnLst>
-      <p:par>
-        <p:cTn id="1" dur="indefinite" restart="never" nodeType="tmRoot"/>
-      </p:par>
-    </p:tnLst>
-  </p:timing>
-</p:sld>
-</file>
-
-<file path=ppt/slides/slide9.xml><?xml version="1.0" encoding="utf-8"?>
-<p:sld xmlns:a="http://schemas.openxmlformats.org/drawingml/2006/main" xmlns:r="http://schemas.openxmlformats.org/officeDocument/2006/relationships" xmlns:p="http://schemas.openxmlformats.org/presentationml/2006/main">
-  <p:cSld>
-    <p:spTree>
-      <p:nvGrpSpPr>
-        <p:cNvPr id="1" name=""/>
-        <p:cNvGrpSpPr/>
-        <p:nvPr/>
-      </p:nvGrpSpPr>
-      <p:grpSpPr>
-        <a:xfrm>
-          <a:off x="0" y="0"/>
-          <a:ext cx="0" cy="0"/>
-          <a:chOff x="0" y="0"/>
-          <a:chExt cx="0" cy="0"/>
-        </a:xfrm>
-      </p:grpSpPr>
-      <p:pic>
-        <p:nvPicPr>
-          <p:cNvPr id="4" name="Picture 9" descr="http://thewire.vertigo.com/wp-content/uploads/devexpressDash.jpg"/>
-          <p:cNvPicPr>
-            <a:picLocks noChangeAspect="1" noChangeArrowheads="1"/>
-          </p:cNvPicPr>
-          <p:nvPr/>
-        </p:nvPicPr>
-        <p:blipFill>
-          <a:blip r:embed="rId2">
-            <a:extLst>
-              <a:ext uri="{28A0092B-C50C-407E-A947-70E740481C1C}">
-                <a14:useLocalDpi xmlns:a14="http://schemas.microsoft.com/office/drawing/2010/main" val="0"/>
-              </a:ext>
-            </a:extLst>
-          </a:blip>
-          <a:srcRect/>
-          <a:stretch>
-            <a:fillRect/>
-          </a:stretch>
-        </p:blipFill>
-        <p:spPr bwMode="auto">
-          <a:xfrm>
-            <a:off x="-24251" y="836712"/>
-            <a:ext cx="9162521" cy="5157192"/>
-          </a:xfrm>
-          <a:prstGeom prst="rect">
-            <a:avLst/>
-          </a:prstGeom>
-          <a:noFill/>
-          <a:extLst>
-            <a:ext uri="{909E8E84-426E-40DD-AFC4-6F175D3DCCD1}">
-              <a14:hiddenFill xmlns:a14="http://schemas.microsoft.com/office/drawing/2010/main">
-                <a:solidFill>
-                  <a:srgbClr val="FFFFFF"/>
-                </a:solidFill>
-              </a14:hiddenFill>
-            </a:ext>
-          </a:extLst>
-        </p:spPr>
-      </p:pic>
-    </p:spTree>
-    <p:extLst>
-      <p:ext uri="{BB962C8B-B14F-4D97-AF65-F5344CB8AC3E}">
-        <p14:creationId xmlns:p14="http://schemas.microsoft.com/office/powerpoint/2010/main" val="18147403"/>
       </p:ext>
     </p:extLst>
   </p:cSld>

--- a/Documentation/coursation.pptx
+++ b/Documentation/coursation.pptx
@@ -20,6 +20,7 @@
     <p:sldId id="264" r:id="rId14"/>
     <p:sldId id="263" r:id="rId15"/>
     <p:sldId id="266" r:id="rId16"/>
+    <p:sldId id="273" r:id="rId17"/>
   </p:sldIdLst>
   <p:sldSz cx="9144000" cy="6858000" type="screen4x3"/>
   <p:notesSz cx="6858000" cy="9144000"/>
@@ -138,6 +139,7 @@
             <p14:sldId id="264"/>
             <p14:sldId id="263"/>
             <p14:sldId id="266"/>
+            <p14:sldId id="273"/>
           </p14:sldIdLst>
         </p14:section>
       </p14:sectionLst>
@@ -327,7 +329,7 @@
           <a:p>
             <a:fld id="{3E90B7E1-6EE8-4E7F-AB25-47B34B1E57AE}" type="datetimeFigureOut">
               <a:rPr lang="ru-RU" smtClean="0"/>
-              <a:t>2013.03.26</a:t>
+              <a:t>2013.03.27</a:t>
             </a:fld>
             <a:endParaRPr lang="ru-RU"/>
           </a:p>
@@ -497,7 +499,7 @@
           <a:p>
             <a:fld id="{3E90B7E1-6EE8-4E7F-AB25-47B34B1E57AE}" type="datetimeFigureOut">
               <a:rPr lang="ru-RU" smtClean="0"/>
-              <a:t>2013.03.26</a:t>
+              <a:t>2013.03.27</a:t>
             </a:fld>
             <a:endParaRPr lang="ru-RU"/>
           </a:p>
@@ -677,7 +679,7 @@
           <a:p>
             <a:fld id="{3E90B7E1-6EE8-4E7F-AB25-47B34B1E57AE}" type="datetimeFigureOut">
               <a:rPr lang="ru-RU" smtClean="0"/>
-              <a:t>2013.03.26</a:t>
+              <a:t>2013.03.27</a:t>
             </a:fld>
             <a:endParaRPr lang="ru-RU"/>
           </a:p>
@@ -847,7 +849,7 @@
           <a:p>
             <a:fld id="{3E90B7E1-6EE8-4E7F-AB25-47B34B1E57AE}" type="datetimeFigureOut">
               <a:rPr lang="ru-RU" smtClean="0"/>
-              <a:t>2013.03.26</a:t>
+              <a:t>2013.03.27</a:t>
             </a:fld>
             <a:endParaRPr lang="ru-RU"/>
           </a:p>
@@ -1093,7 +1095,7 @@
           <a:p>
             <a:fld id="{3E90B7E1-6EE8-4E7F-AB25-47B34B1E57AE}" type="datetimeFigureOut">
               <a:rPr lang="ru-RU" smtClean="0"/>
-              <a:t>2013.03.26</a:t>
+              <a:t>2013.03.27</a:t>
             </a:fld>
             <a:endParaRPr lang="ru-RU"/>
           </a:p>
@@ -1381,7 +1383,7 @@
           <a:p>
             <a:fld id="{3E90B7E1-6EE8-4E7F-AB25-47B34B1E57AE}" type="datetimeFigureOut">
               <a:rPr lang="ru-RU" smtClean="0"/>
-              <a:t>2013.03.26</a:t>
+              <a:t>2013.03.27</a:t>
             </a:fld>
             <a:endParaRPr lang="ru-RU"/>
           </a:p>
@@ -1803,7 +1805,7 @@
           <a:p>
             <a:fld id="{3E90B7E1-6EE8-4E7F-AB25-47B34B1E57AE}" type="datetimeFigureOut">
               <a:rPr lang="ru-RU" smtClean="0"/>
-              <a:t>2013.03.26</a:t>
+              <a:t>2013.03.27</a:t>
             </a:fld>
             <a:endParaRPr lang="ru-RU"/>
           </a:p>
@@ -1921,7 +1923,7 @@
           <a:p>
             <a:fld id="{3E90B7E1-6EE8-4E7F-AB25-47B34B1E57AE}" type="datetimeFigureOut">
               <a:rPr lang="ru-RU" smtClean="0"/>
-              <a:t>2013.03.26</a:t>
+              <a:t>2013.03.27</a:t>
             </a:fld>
             <a:endParaRPr lang="ru-RU"/>
           </a:p>
@@ -2016,7 +2018,7 @@
           <a:p>
             <a:fld id="{3E90B7E1-6EE8-4E7F-AB25-47B34B1E57AE}" type="datetimeFigureOut">
               <a:rPr lang="ru-RU" smtClean="0"/>
-              <a:t>2013.03.26</a:t>
+              <a:t>2013.03.27</a:t>
             </a:fld>
             <a:endParaRPr lang="ru-RU"/>
           </a:p>
@@ -2293,7 +2295,7 @@
           <a:p>
             <a:fld id="{3E90B7E1-6EE8-4E7F-AB25-47B34B1E57AE}" type="datetimeFigureOut">
               <a:rPr lang="ru-RU" smtClean="0"/>
-              <a:t>2013.03.26</a:t>
+              <a:t>2013.03.27</a:t>
             </a:fld>
             <a:endParaRPr lang="ru-RU"/>
           </a:p>
@@ -2546,7 +2548,7 @@
           <a:p>
             <a:fld id="{3E90B7E1-6EE8-4E7F-AB25-47B34B1E57AE}" type="datetimeFigureOut">
               <a:rPr lang="ru-RU" smtClean="0"/>
-              <a:t>2013.03.26</a:t>
+              <a:t>2013.03.27</a:t>
             </a:fld>
             <a:endParaRPr lang="ru-RU"/>
           </a:p>
@@ -2759,7 +2761,7 @@
           <a:p>
             <a:fld id="{3E90B7E1-6EE8-4E7F-AB25-47B34B1E57AE}" type="datetimeFigureOut">
               <a:rPr lang="ru-RU" smtClean="0"/>
-              <a:t>2013.03.26</a:t>
+              <a:t>2013.03.27</a:t>
             </a:fld>
             <a:endParaRPr lang="ru-RU"/>
           </a:p>
@@ -6970,6 +6972,14 @@
 <file path=ppt/slides/slide12.xml><?xml version="1.0" encoding="utf-8"?>
 <p:sld xmlns:a="http://schemas.openxmlformats.org/drawingml/2006/main" xmlns:r="http://schemas.openxmlformats.org/officeDocument/2006/relationships" xmlns:p="http://schemas.openxmlformats.org/presentationml/2006/main">
   <p:cSld>
+    <p:bg>
+      <p:bgPr>
+        <a:solidFill>
+          <a:schemeClr val="tx1"/>
+        </a:solidFill>
+        <a:effectLst/>
+      </p:bgPr>
+    </p:bg>
     <p:spTree>
       <p:nvGrpSpPr>
         <p:cNvPr id="1" name=""/>
@@ -7007,8 +7017,8 @@
         </p:blipFill>
         <p:spPr bwMode="auto">
           <a:xfrm>
-            <a:off x="-24251" y="836712"/>
-            <a:ext cx="9162521" cy="5157192"/>
+            <a:off x="0" y="850362"/>
+            <a:ext cx="9138270" cy="5143542"/>
           </a:xfrm>
           <a:prstGeom prst="rect">
             <a:avLst/>
@@ -8547,6 +8557,110 @@
 </p:sld>
 </file>
 
+<file path=ppt/slides/slide16.xml><?xml version="1.0" encoding="utf-8"?>
+<p:sld xmlns:a="http://schemas.openxmlformats.org/drawingml/2006/main" xmlns:r="http://schemas.openxmlformats.org/officeDocument/2006/relationships" xmlns:p="http://schemas.openxmlformats.org/presentationml/2006/main">
+  <p:cSld>
+    <p:spTree>
+      <p:nvGrpSpPr>
+        <p:cNvPr id="1" name=""/>
+        <p:cNvGrpSpPr/>
+        <p:nvPr/>
+      </p:nvGrpSpPr>
+      <p:grpSpPr>
+        <a:xfrm>
+          <a:off x="0" y="0"/>
+          <a:ext cx="0" cy="0"/>
+          <a:chOff x="0" y="0"/>
+          <a:chExt cx="0" cy="0"/>
+        </a:xfrm>
+      </p:grpSpPr>
+      <p:pic>
+        <p:nvPicPr>
+          <p:cNvPr id="4" name="Picture 3"/>
+          <p:cNvPicPr>
+            <a:picLocks noChangeAspect="1" noChangeArrowheads="1"/>
+          </p:cNvPicPr>
+          <p:nvPr/>
+        </p:nvPicPr>
+        <p:blipFill>
+          <a:blip r:embed="rId2">
+            <a:extLst>
+              <a:ext uri="{28A0092B-C50C-407E-A947-70E740481C1C}">
+                <a14:useLocalDpi xmlns:a14="http://schemas.microsoft.com/office/drawing/2010/main" val="0"/>
+              </a:ext>
+            </a:extLst>
+          </a:blip>
+          <a:srcRect/>
+          <a:stretch>
+            <a:fillRect/>
+          </a:stretch>
+        </p:blipFill>
+        <p:spPr bwMode="auto">
+          <a:xfrm>
+            <a:off x="8460432" y="6165304"/>
+            <a:ext cx="457200" cy="457200"/>
+          </a:xfrm>
+          <a:prstGeom prst="rect">
+            <a:avLst/>
+          </a:prstGeom>
+          <a:noFill/>
+          <a:ln>
+            <a:noFill/>
+          </a:ln>
+          <a:effectLst/>
+          <a:extLst>
+            <a:ext uri="{909E8E84-426E-40DD-AFC4-6F175D3DCCD1}">
+              <a14:hiddenFill xmlns:a14="http://schemas.microsoft.com/office/drawing/2010/main">
+                <a:solidFill>
+                  <a:schemeClr val="accent1"/>
+                </a:solidFill>
+              </a14:hiddenFill>
+            </a:ext>
+            <a:ext uri="{91240B29-F687-4F45-9708-019B960494DF}">
+              <a14:hiddenLine xmlns:a14="http://schemas.microsoft.com/office/drawing/2010/main" w="9525">
+                <a:solidFill>
+                  <a:schemeClr val="tx1"/>
+                </a:solidFill>
+                <a:miter lim="800000"/>
+                <a:headEnd/>
+                <a:tailEnd/>
+              </a14:hiddenLine>
+            </a:ext>
+            <a:ext uri="{AF507438-7753-43E0-B8FC-AC1667EBCBE1}">
+              <a14:hiddenEffects xmlns:a14="http://schemas.microsoft.com/office/drawing/2010/main">
+                <a:effectLst>
+                  <a:outerShdw dist="35921" dir="2700000" algn="ctr" rotWithShape="0">
+                    <a:schemeClr val="bg2"/>
+                  </a:outerShdw>
+                </a:effectLst>
+              </a14:hiddenEffects>
+            </a:ext>
+          </a:extLst>
+        </p:spPr>
+      </p:pic>
+    </p:spTree>
+    <p:extLst>
+      <p:ext uri="{BB962C8B-B14F-4D97-AF65-F5344CB8AC3E}">
+        <p14:creationId xmlns:p14="http://schemas.microsoft.com/office/powerpoint/2010/main" val="1831726767"/>
+      </p:ext>
+    </p:extLst>
+  </p:cSld>
+  <p:clrMapOvr>
+    <a:masterClrMapping/>
+  </p:clrMapOvr>
+  <p:transition spd="slow">
+    <p:push/>
+  </p:transition>
+  <p:timing>
+    <p:tnLst>
+      <p:par>
+        <p:cTn id="1" dur="indefinite" restart="never" nodeType="tmRoot"/>
+      </p:par>
+    </p:tnLst>
+  </p:timing>
+</p:sld>
+</file>
+
 <file path=ppt/slides/slide2.xml><?xml version="1.0" encoding="utf-8"?>
 <p:sld xmlns:a="http://schemas.openxmlformats.org/drawingml/2006/main" xmlns:r="http://schemas.openxmlformats.org/officeDocument/2006/relationships" xmlns:p="http://schemas.openxmlformats.org/presentationml/2006/main">
   <p:cSld>
@@ -8684,6 +8798,9 @@
   <p:clrMapOvr>
     <a:masterClrMapping/>
   </p:clrMapOvr>
+  <p:transition spd="slow">
+    <p:push/>
+  </p:transition>
   <p:timing>
     <p:tnLst>
       <p:par>
@@ -9293,41 +9410,6 @@
           </a:extLst>
         </p:spPr>
       </p:pic>
-      <p:cxnSp>
-        <p:nvCxnSpPr>
-          <p:cNvPr id="6" name="Прямая соединительная линия 5"/>
-          <p:cNvCxnSpPr/>
-          <p:nvPr/>
-        </p:nvCxnSpPr>
-        <p:spPr>
-          <a:xfrm>
-            <a:off x="2915816" y="5822195"/>
-            <a:ext cx="3312368" cy="0"/>
-          </a:xfrm>
-          <a:prstGeom prst="line">
-            <a:avLst/>
-          </a:prstGeom>
-          <a:ln w="38100">
-            <a:solidFill>
-              <a:schemeClr val="tx1"/>
-            </a:solidFill>
-          </a:ln>
-        </p:spPr>
-        <p:style>
-          <a:lnRef idx="1">
-            <a:schemeClr val="accent1"/>
-          </a:lnRef>
-          <a:fillRef idx="0">
-            <a:schemeClr val="accent1"/>
-          </a:fillRef>
-          <a:effectRef idx="0">
-            <a:schemeClr val="accent1"/>
-          </a:effectRef>
-          <a:fontRef idx="minor">
-            <a:schemeClr val="tx1"/>
-          </a:fontRef>
-        </p:style>
-      </p:cxnSp>
     </p:spTree>
     <p:extLst>
       <p:ext uri="{BB962C8B-B14F-4D97-AF65-F5344CB8AC3E}">
@@ -10616,6 +10698,9 @@
   <p:clrMapOvr>
     <a:masterClrMapping/>
   </p:clrMapOvr>
+  <p:transition spd="slow">
+    <p:push/>
+  </p:transition>
   <p:timing>
     <p:tnLst>
       <p:par>
@@ -10758,6 +10843,9 @@
   <p:clrMapOvr>
     <a:masterClrMapping/>
   </p:clrMapOvr>
+  <p:transition spd="slow">
+    <p:push/>
+  </p:transition>
   <p:timing>
     <p:tnLst>
       <p:par>
